--- a/Presentation/Presentation_W0.pptx
+++ b/Presentation/Presentation_W0.pptx
@@ -5,27 +5,21 @@
     <p:sldMasterId id="2147483660" r:id="rId3"/>
   </p:sldMasterIdLst>
   <p:notesMasterIdLst>
-    <p:notesMasterId r:id="rId17"/>
+    <p:notesMasterId r:id="rId11"/>
   </p:notesMasterIdLst>
   <p:sldIdLst>
     <p:sldId id="256" r:id="rId4"/>
     <p:sldId id="1442" r:id="rId5"/>
     <p:sldId id="1443" r:id="rId6"/>
-    <p:sldId id="1459" r:id="rId7"/>
-    <p:sldId id="1467" r:id="rId8"/>
-    <p:sldId id="1468" r:id="rId9"/>
-    <p:sldId id="1469" r:id="rId10"/>
-    <p:sldId id="1460" r:id="rId11"/>
-    <p:sldId id="1461" r:id="rId12"/>
-    <p:sldId id="1462" r:id="rId13"/>
-    <p:sldId id="1471" r:id="rId14"/>
-    <p:sldId id="1463" r:id="rId15"/>
-    <p:sldId id="1425" r:id="rId16"/>
+    <p:sldId id="1470" r:id="rId7"/>
+    <p:sldId id="1459" r:id="rId8"/>
+    <p:sldId id="1469" r:id="rId9"/>
+    <p:sldId id="1425" r:id="rId10"/>
   </p:sldIdLst>
   <p:sldSz cx="9144000" cy="5143500" type="screen16x9"/>
   <p:notesSz cx="6858000" cy="9144000"/>
   <p:custDataLst>
-    <p:tags r:id="rId18"/>
+    <p:tags r:id="rId12"/>
   </p:custDataLst>
   <p:defaultTextStyle>
     <a:defPPr>
@@ -338,7 +332,7 @@
           <a:p>
             <a:fld id="{F78F3C46-3F11-47F1-8233-2D2A4F656EAA}" type="datetimeFigureOut">
               <a:rPr lang="de-DE" smtClean="0"/>
-              <a:t>03.09.2023</a:t>
+              <a:t>19.09.2023</a:t>
             </a:fld>
             <a:endParaRPr lang="de-DE"/>
           </a:p>
@@ -841,7 +835,7 @@
             <a:fld id="{3281C78C-DF60-43AA-9025-896AF7F51202}" type="slidenum">
               <a:rPr lang="de-CH" smtClean="0"/>
               <a:pPr/>
-              <a:t>6</a:t>
+              <a:t>4</a:t>
             </a:fld>
             <a:endParaRPr lang="de-CH"/>
           </a:p>
@@ -850,7 +844,7 @@
     </p:spTree>
     <p:extLst>
       <p:ext uri="{BB962C8B-B14F-4D97-AF65-F5344CB8AC3E}">
-        <p14:creationId xmlns:p14="http://schemas.microsoft.com/office/powerpoint/2010/main" val="2161148907"/>
+        <p14:creationId xmlns:p14="http://schemas.microsoft.com/office/powerpoint/2010/main" val="287832399"/>
       </p:ext>
     </p:extLst>
   </p:cSld>
@@ -972,7 +966,7 @@
                 <a:tabLst/>
                 <a:defRPr/>
               </a:pPr>
-              <a:t>13</a:t>
+              <a:t>7</a:t>
             </a:fld>
             <a:endParaRPr kumimoji="0" lang="en-US" sz="1200" b="0" i="0" u="none" strike="noStrike" kern="1200" cap="none" spc="0" normalizeH="0" baseline="0" noProof="0">
               <a:ln>
@@ -11262,7 +11256,7 @@
           <a:p>
             <a:fld id="{A13E6C7B-4268-4C4E-8782-B736244EDCB2}" type="datetime1">
               <a:rPr lang="en-US" smtClean="0"/>
-              <a:t>9/3/2023</a:t>
+              <a:t>9/19/2023</a:t>
             </a:fld>
             <a:endParaRPr lang="en-US"/>
           </a:p>
@@ -14495,8 +14489,8 @@
         </p:nvSpPr>
         <p:spPr>
           <a:xfrm>
-            <a:off x="827015" y="1636541"/>
-            <a:ext cx="8132898" cy="1531505"/>
+            <a:off x="827015" y="1295709"/>
+            <a:ext cx="8132898" cy="1872337"/>
           </a:xfrm>
         </p:spPr>
         <p:txBody>
@@ -14504,17 +14498,23 @@
           <a:lstStyle/>
           <a:p>
             <a:r>
-              <a:rPr lang="de-DE" sz="4000" dirty="0"/>
-              <a:t>Grundlagen und Methoden </a:t>
+              <a:rPr lang="en-GB" b="1" dirty="0"/>
+              <a:t>Fundamentals and Methods</a:t>
             </a:r>
             <a:br>
-              <a:rPr lang="de-DE" sz="4000" dirty="0"/>
+              <a:rPr lang="en-GB" b="1" dirty="0"/>
             </a:br>
             <a:r>
-              <a:rPr lang="de-DE" sz="4000" dirty="0"/>
-              <a:t>der Informatik</a:t>
-            </a:r>
-            <a:endParaRPr lang="de-DE" dirty="0"/>
+              <a:rPr lang="en-GB" b="1" dirty="0"/>
+              <a:t>of Computer Science</a:t>
+            </a:r>
+            <a:br>
+              <a:rPr lang="en-GB" b="1" dirty="0"/>
+            </a:br>
+            <a:r>
+              <a:rPr lang="en-GB" b="1" dirty="0"/>
+              <a:t>for Business Studies</a:t>
+            </a:r>
           </a:p>
         </p:txBody>
       </p:sp>
@@ -14561,1281 +14561,6 @@
     <p:extLst>
       <p:ext uri="{BB962C8B-B14F-4D97-AF65-F5344CB8AC3E}">
         <p14:creationId xmlns:p14="http://schemas.microsoft.com/office/powerpoint/2010/main" val="3772496692"/>
-      </p:ext>
-    </p:extLst>
-  </p:cSld>
-  <p:clrMapOvr>
-    <a:masterClrMapping/>
-  </p:clrMapOvr>
-</p:sld>
-</file>
-
-<file path=ppt/slides/slide10.xml><?xml version="1.0" encoding="utf-8"?>
-<p:sld xmlns:a="http://schemas.openxmlformats.org/drawingml/2006/main" xmlns:r="http://schemas.openxmlformats.org/officeDocument/2006/relationships" xmlns:p="http://schemas.openxmlformats.org/presentationml/2006/main">
-  <p:cSld>
-    <p:spTree>
-      <p:nvGrpSpPr>
-        <p:cNvPr id="1" name=""/>
-        <p:cNvGrpSpPr/>
-        <p:nvPr/>
-      </p:nvGrpSpPr>
-      <p:grpSpPr>
-        <a:xfrm>
-          <a:off x="0" y="0"/>
-          <a:ext cx="0" cy="0"/>
-          <a:chOff x="0" y="0"/>
-          <a:chExt cx="0" cy="0"/>
-        </a:xfrm>
-      </p:grpSpPr>
-      <p:sp>
-        <p:nvSpPr>
-          <p:cNvPr id="7" name="Titel 6">
-            <a:extLst>
-              <a:ext uri="{FF2B5EF4-FFF2-40B4-BE49-F238E27FC236}">
-                <a16:creationId xmlns:a16="http://schemas.microsoft.com/office/drawing/2014/main" id="{87C1A1F6-5D7F-4BFB-A04B-597A0EF62E06}"/>
-              </a:ext>
-            </a:extLst>
-          </p:cNvPr>
-          <p:cNvSpPr>
-            <a:spLocks noGrp="1"/>
-          </p:cNvSpPr>
-          <p:nvPr>
-            <p:ph type="title"/>
-          </p:nvPr>
-        </p:nvSpPr>
-        <p:spPr/>
-        <p:txBody>
-          <a:bodyPr/>
-          <a:lstStyle/>
-          <a:p>
-            <a:r>
-              <a:rPr lang="en-US" dirty="0"/>
-              <a:t>On your machine or in the cloud</a:t>
-            </a:r>
-          </a:p>
-        </p:txBody>
-      </p:sp>
-      <p:sp>
-        <p:nvSpPr>
-          <p:cNvPr id="8" name="Inhaltsplatzhalter 7">
-            <a:extLst>
-              <a:ext uri="{FF2B5EF4-FFF2-40B4-BE49-F238E27FC236}">
-                <a16:creationId xmlns:a16="http://schemas.microsoft.com/office/drawing/2014/main" id="{0E109B5B-0881-4119-3393-F14A644D42D6}"/>
-              </a:ext>
-            </a:extLst>
-          </p:cNvPr>
-          <p:cNvSpPr>
-            <a:spLocks noGrp="1"/>
-          </p:cNvSpPr>
-          <p:nvPr>
-            <p:ph sz="half" idx="1"/>
-          </p:nvPr>
-        </p:nvSpPr>
-        <p:spPr/>
-        <p:txBody>
-          <a:bodyPr lIns="90000" tIns="198000" rIns="54000" bIns="54000"/>
-          <a:lstStyle/>
-          <a:p>
-            <a:r>
-              <a:rPr lang="en-US" dirty="0"/>
-              <a:t>Anaconda is an easy to install and easy to use Python distribution that comes with everything we need.</a:t>
-            </a:r>
-          </a:p>
-          <a:p>
-            <a:endParaRPr lang="en-US" dirty="0"/>
-          </a:p>
-          <a:p>
-            <a:r>
-              <a:rPr lang="en-US" dirty="0"/>
-              <a:t>Download </a:t>
-            </a:r>
-            <a:r>
-              <a:rPr lang="en-US" dirty="0">
-                <a:hlinkClick r:id="rId2"/>
-              </a:rPr>
-              <a:t>https://www.anaconda.com/products/distribution</a:t>
-            </a:r>
-            <a:r>
-              <a:rPr lang="en-US" dirty="0"/>
-              <a:t> </a:t>
-            </a:r>
-          </a:p>
-          <a:p>
-            <a:endParaRPr lang="en-US" dirty="0"/>
-          </a:p>
-          <a:p>
-            <a:r>
-              <a:rPr lang="en-US" dirty="0"/>
-              <a:t>Install</a:t>
-            </a:r>
-          </a:p>
-          <a:p>
-            <a:r>
-              <a:rPr lang="en-US" dirty="0"/>
-              <a:t>	 </a:t>
-            </a:r>
-            <a:r>
-              <a:rPr lang="en-US" dirty="0">
-                <a:hlinkClick r:id="rId3"/>
-              </a:rPr>
-              <a:t>https://web.microsoftstream.com/video/50227410-18db-452c-ae1a-6949b27bcfe1</a:t>
-            </a:r>
-            <a:r>
-              <a:rPr lang="en-US" dirty="0"/>
-              <a:t> </a:t>
-            </a:r>
-          </a:p>
-          <a:p>
-            <a:endParaRPr lang="en-US" dirty="0"/>
-          </a:p>
-          <a:p>
-            <a:r>
-              <a:rPr lang="en-US" dirty="0"/>
-              <a:t>Run</a:t>
-            </a:r>
-          </a:p>
-          <a:p>
-            <a:r>
-              <a:rPr lang="en-US" dirty="0"/>
-              <a:t>	</a:t>
-            </a:r>
-          </a:p>
-        </p:txBody>
-      </p:sp>
-      <p:sp>
-        <p:nvSpPr>
-          <p:cNvPr id="9" name="Inhaltsplatzhalter 8">
-            <a:extLst>
-              <a:ext uri="{FF2B5EF4-FFF2-40B4-BE49-F238E27FC236}">
-                <a16:creationId xmlns:a16="http://schemas.microsoft.com/office/drawing/2014/main" id="{A8DF8E72-FEE6-B2A9-AF75-39EE400DC63F}"/>
-              </a:ext>
-            </a:extLst>
-          </p:cNvPr>
-          <p:cNvSpPr>
-            <a:spLocks noGrp="1"/>
-          </p:cNvSpPr>
-          <p:nvPr>
-            <p:ph sz="half" idx="2"/>
-          </p:nvPr>
-        </p:nvSpPr>
-        <p:spPr/>
-        <p:txBody>
-          <a:bodyPr lIns="90000" tIns="198000" rIns="54000" bIns="54000"/>
-          <a:lstStyle/>
-          <a:p>
-            <a:r>
-              <a:rPr lang="en-US" dirty="0"/>
-              <a:t>You typically need a Google account </a:t>
-            </a:r>
-          </a:p>
-          <a:p>
-            <a:endParaRPr lang="en-US" dirty="0"/>
-          </a:p>
-          <a:p>
-            <a:r>
-              <a:rPr lang="en-US" dirty="0"/>
-              <a:t>Find </a:t>
-            </a:r>
-            <a:r>
-              <a:rPr lang="en-US" dirty="0">
-                <a:hlinkClick r:id="rId4"/>
-              </a:rPr>
-              <a:t>https://colab.research.google.com/</a:t>
-            </a:r>
-            <a:r>
-              <a:rPr lang="en-US" dirty="0"/>
-              <a:t> </a:t>
-            </a:r>
-          </a:p>
-          <a:p>
-            <a:endParaRPr lang="en-US" dirty="0"/>
-          </a:p>
-          <a:p>
-            <a:r>
-              <a:rPr lang="en-US" dirty="0"/>
-              <a:t>Upload your Notebook</a:t>
-            </a:r>
-          </a:p>
-          <a:p>
-            <a:endParaRPr lang="en-US" dirty="0"/>
-          </a:p>
-          <a:p>
-            <a:r>
-              <a:rPr lang="en-US" dirty="0"/>
-              <a:t>Run</a:t>
-            </a:r>
-          </a:p>
-        </p:txBody>
-      </p:sp>
-      <p:sp>
-        <p:nvSpPr>
-          <p:cNvPr id="10" name="Textplatzhalter 9">
-            <a:extLst>
-              <a:ext uri="{FF2B5EF4-FFF2-40B4-BE49-F238E27FC236}">
-                <a16:creationId xmlns:a16="http://schemas.microsoft.com/office/drawing/2014/main" id="{928697EE-6436-B596-7F15-32B21257BEF3}"/>
-              </a:ext>
-            </a:extLst>
-          </p:cNvPr>
-          <p:cNvSpPr>
-            <a:spLocks noGrp="1"/>
-          </p:cNvSpPr>
-          <p:nvPr>
-            <p:ph type="body" sz="quarter" idx="10"/>
-          </p:nvPr>
-        </p:nvSpPr>
-        <p:spPr/>
-        <p:txBody>
-          <a:bodyPr/>
-          <a:lstStyle/>
-          <a:p>
-            <a:r>
-              <a:rPr lang="en-US" dirty="0"/>
-              <a:t>While there are many more options, we support two ways of running Python/</a:t>
-            </a:r>
-            <a:r>
-              <a:rPr lang="en-US" dirty="0" err="1"/>
-              <a:t>Jupyter</a:t>
-            </a:r>
-            <a:r>
-              <a:rPr lang="en-US" dirty="0"/>
-              <a:t> Notebooks</a:t>
-            </a:r>
-          </a:p>
-        </p:txBody>
-      </p:sp>
-      <p:sp>
-        <p:nvSpPr>
-          <p:cNvPr id="11" name="Textplatzhalter 10">
-            <a:extLst>
-              <a:ext uri="{FF2B5EF4-FFF2-40B4-BE49-F238E27FC236}">
-                <a16:creationId xmlns:a16="http://schemas.microsoft.com/office/drawing/2014/main" id="{308AFFDD-8EAB-EB4B-50AF-7FA3D183DFBF}"/>
-              </a:ext>
-            </a:extLst>
-          </p:cNvPr>
-          <p:cNvSpPr>
-            <a:spLocks noGrp="1"/>
-          </p:cNvSpPr>
-          <p:nvPr>
-            <p:ph type="body" sz="quarter" idx="18"/>
-          </p:nvPr>
-        </p:nvSpPr>
-        <p:spPr>
-          <a:xfrm>
-            <a:off x="412000" y="1054194"/>
-            <a:ext cx="2500011" cy="430887"/>
-          </a:xfrm>
-        </p:spPr>
-        <p:txBody>
-          <a:bodyPr/>
-          <a:lstStyle/>
-          <a:p>
-            <a:r>
-              <a:rPr lang="en-US" dirty="0"/>
-              <a:t>On your machine: Anaconda</a:t>
-            </a:r>
-          </a:p>
-        </p:txBody>
-      </p:sp>
-      <p:sp>
-        <p:nvSpPr>
-          <p:cNvPr id="12" name="Textplatzhalter 11">
-            <a:extLst>
-              <a:ext uri="{FF2B5EF4-FFF2-40B4-BE49-F238E27FC236}">
-                <a16:creationId xmlns:a16="http://schemas.microsoft.com/office/drawing/2014/main" id="{4623CE09-D813-978C-0BBD-278454AF5007}"/>
-              </a:ext>
-            </a:extLst>
-          </p:cNvPr>
-          <p:cNvSpPr>
-            <a:spLocks noGrp="1"/>
-          </p:cNvSpPr>
-          <p:nvPr>
-            <p:ph type="body" sz="quarter" idx="19"/>
-          </p:nvPr>
-        </p:nvSpPr>
-        <p:spPr>
-          <a:xfrm>
-            <a:off x="4712834" y="1054194"/>
-            <a:ext cx="2328046" cy="430887"/>
-          </a:xfrm>
-        </p:spPr>
-        <p:txBody>
-          <a:bodyPr/>
-          <a:lstStyle/>
-          <a:p>
-            <a:r>
-              <a:rPr lang="en-US" dirty="0"/>
-              <a:t>In the cloud: Google </a:t>
-            </a:r>
-            <a:r>
-              <a:rPr lang="en-US" dirty="0" err="1"/>
-              <a:t>Colab</a:t>
-            </a:r>
-            <a:endParaRPr lang="en-US" dirty="0"/>
-          </a:p>
-        </p:txBody>
-      </p:sp>
-      <p:pic>
-        <p:nvPicPr>
-          <p:cNvPr id="14" name="Grafik 13">
-            <a:extLst>
-              <a:ext uri="{FF2B5EF4-FFF2-40B4-BE49-F238E27FC236}">
-                <a16:creationId xmlns:a16="http://schemas.microsoft.com/office/drawing/2014/main" id="{AEC1404D-00AE-71C5-361F-FF30A31BBD86}"/>
-              </a:ext>
-            </a:extLst>
-          </p:cNvPr>
-          <p:cNvPicPr>
-            <a:picLocks noChangeAspect="1"/>
-          </p:cNvPicPr>
-          <p:nvPr/>
-        </p:nvPicPr>
-        <p:blipFill>
-          <a:blip r:embed="rId5"/>
-          <a:stretch>
-            <a:fillRect/>
-          </a:stretch>
-        </p:blipFill>
-        <p:spPr>
-          <a:xfrm>
-            <a:off x="865665" y="3606502"/>
-            <a:ext cx="1412443" cy="768784"/>
-          </a:xfrm>
-          <a:prstGeom prst="rect">
-            <a:avLst/>
-          </a:prstGeom>
-          <a:ln w="9525" cap="flat" cmpd="sng" algn="ctr">
-            <a:solidFill>
-              <a:srgbClr val="D9D9D9"/>
-            </a:solidFill>
-            <a:prstDash val="solid"/>
-            <a:round/>
-            <a:headEnd type="none" w="med" len="med"/>
-            <a:tailEnd type="none" w="med" len="med"/>
-          </a:ln>
-        </p:spPr>
-      </p:pic>
-      <p:pic>
-        <p:nvPicPr>
-          <p:cNvPr id="16" name="Grafik 15">
-            <a:extLst>
-              <a:ext uri="{FF2B5EF4-FFF2-40B4-BE49-F238E27FC236}">
-                <a16:creationId xmlns:a16="http://schemas.microsoft.com/office/drawing/2014/main" id="{FD23FE13-9230-1780-19C2-F982067995EE}"/>
-              </a:ext>
-            </a:extLst>
-          </p:cNvPr>
-          <p:cNvPicPr>
-            <a:picLocks noChangeAspect="1"/>
-          </p:cNvPicPr>
-          <p:nvPr/>
-        </p:nvPicPr>
-        <p:blipFill>
-          <a:blip r:embed="rId6"/>
-          <a:stretch>
-            <a:fillRect/>
-          </a:stretch>
-        </p:blipFill>
-        <p:spPr>
-          <a:xfrm>
-            <a:off x="2556804" y="3606502"/>
-            <a:ext cx="1491176" cy="768784"/>
-          </a:xfrm>
-          <a:prstGeom prst="rect">
-            <a:avLst/>
-          </a:prstGeom>
-          <a:ln w="9525" cap="flat" cmpd="sng" algn="ctr">
-            <a:solidFill>
-              <a:srgbClr val="D9D9D9"/>
-            </a:solidFill>
-            <a:prstDash val="solid"/>
-            <a:round/>
-            <a:headEnd type="none" w="med" len="med"/>
-            <a:tailEnd type="none" w="med" len="med"/>
-          </a:ln>
-        </p:spPr>
-      </p:pic>
-      <p:pic>
-        <p:nvPicPr>
-          <p:cNvPr id="18" name="Grafik 17">
-            <a:extLst>
-              <a:ext uri="{FF2B5EF4-FFF2-40B4-BE49-F238E27FC236}">
-                <a16:creationId xmlns:a16="http://schemas.microsoft.com/office/drawing/2014/main" id="{635DB8F5-5119-0388-63F2-487F770A5FA0}"/>
-              </a:ext>
-            </a:extLst>
-          </p:cNvPr>
-          <p:cNvPicPr>
-            <a:picLocks noChangeAspect="1"/>
-          </p:cNvPicPr>
-          <p:nvPr/>
-        </p:nvPicPr>
-        <p:blipFill>
-          <a:blip r:embed="rId7"/>
-          <a:stretch>
-            <a:fillRect/>
-          </a:stretch>
-        </p:blipFill>
-        <p:spPr>
-          <a:xfrm>
-            <a:off x="5173026" y="2879747"/>
-            <a:ext cx="2264898" cy="1495539"/>
-          </a:xfrm>
-          <a:prstGeom prst="rect">
-            <a:avLst/>
-          </a:prstGeom>
-          <a:ln w="9525" cap="flat" cmpd="sng" algn="ctr">
-            <a:solidFill>
-              <a:srgbClr val="D9D9D9"/>
-            </a:solidFill>
-            <a:prstDash val="solid"/>
-            <a:round/>
-            <a:headEnd type="none" w="med" len="med"/>
-            <a:tailEnd type="none" w="med" len="med"/>
-          </a:ln>
-        </p:spPr>
-      </p:pic>
-      <p:sp>
-        <p:nvSpPr>
-          <p:cNvPr id="19" name="Foliennummernplatzhalter 2">
-            <a:extLst>
-              <a:ext uri="{FF2B5EF4-FFF2-40B4-BE49-F238E27FC236}">
-                <a16:creationId xmlns:a16="http://schemas.microsoft.com/office/drawing/2014/main" id="{53BBFFC2-4A5E-BAAD-F048-0AC62DC89DFC}"/>
-              </a:ext>
-            </a:extLst>
-          </p:cNvPr>
-          <p:cNvSpPr>
-            <a:spLocks noGrp="1"/>
-          </p:cNvSpPr>
-          <p:nvPr>
-            <p:ph type="sldNum" sz="quarter" idx="16"/>
-          </p:nvPr>
-        </p:nvSpPr>
-        <p:spPr>
-          <a:xfrm>
-            <a:off x="8571600" y="4767263"/>
-            <a:ext cx="216000" cy="273844"/>
-          </a:xfrm>
-        </p:spPr>
-        <p:txBody>
-          <a:bodyPr/>
-          <a:lstStyle/>
-          <a:p>
-            <a:fld id="{7559FC98-AF75-4A00-A03C-DF9FEBF6BCB9}" type="slidenum">
-              <a:rPr lang="en-GB" smtClean="0"/>
-              <a:pPr/>
-              <a:t>10</a:t>
-            </a:fld>
-            <a:endParaRPr lang="en-GB" dirty="0"/>
-          </a:p>
-        </p:txBody>
-      </p:sp>
-      <p:pic>
-        <p:nvPicPr>
-          <p:cNvPr id="2" name="Picture 1">
-            <a:extLst>
-              <a:ext uri="{FF2B5EF4-FFF2-40B4-BE49-F238E27FC236}">
-                <a16:creationId xmlns:a16="http://schemas.microsoft.com/office/drawing/2014/main" id="{32A46A75-7647-0441-75B6-AEB01C50EA1E}"/>
-              </a:ext>
-            </a:extLst>
-          </p:cNvPr>
-          <p:cNvPicPr>
-            <a:picLocks noChangeAspect="1"/>
-          </p:cNvPicPr>
-          <p:nvPr/>
-        </p:nvPicPr>
-        <p:blipFill rotWithShape="1">
-          <a:blip r:embed="rId8"/>
-          <a:srcRect l="6716"/>
-          <a:stretch/>
-        </p:blipFill>
-        <p:spPr>
-          <a:xfrm>
-            <a:off x="683396" y="3930245"/>
-            <a:ext cx="1722919" cy="211400"/>
-          </a:xfrm>
-          <a:prstGeom prst="rect">
-            <a:avLst/>
-          </a:prstGeom>
-        </p:spPr>
-      </p:pic>
-      <p:pic>
-        <p:nvPicPr>
-          <p:cNvPr id="3" name="Picture 2">
-            <a:extLst>
-              <a:ext uri="{FF2B5EF4-FFF2-40B4-BE49-F238E27FC236}">
-                <a16:creationId xmlns:a16="http://schemas.microsoft.com/office/drawing/2014/main" id="{5B090431-C792-AEBB-175C-3268FA279008}"/>
-              </a:ext>
-            </a:extLst>
-          </p:cNvPr>
-          <p:cNvPicPr>
-            <a:picLocks noChangeAspect="1"/>
-          </p:cNvPicPr>
-          <p:nvPr/>
-        </p:nvPicPr>
-        <p:blipFill rotWithShape="1">
-          <a:blip r:embed="rId9"/>
-          <a:srcRect l="34219" t="14559" r="34473" b="46264"/>
-          <a:stretch/>
-        </p:blipFill>
-        <p:spPr>
-          <a:xfrm>
-            <a:off x="3004496" y="3647223"/>
-            <a:ext cx="610061" cy="692249"/>
-          </a:xfrm>
-          <a:prstGeom prst="rect">
-            <a:avLst/>
-          </a:prstGeom>
-        </p:spPr>
-      </p:pic>
-    </p:spTree>
-    <p:extLst>
-      <p:ext uri="{BB962C8B-B14F-4D97-AF65-F5344CB8AC3E}">
-        <p14:creationId xmlns:p14="http://schemas.microsoft.com/office/powerpoint/2010/main" val="3026330179"/>
-      </p:ext>
-    </p:extLst>
-  </p:cSld>
-  <p:clrMapOvr>
-    <a:masterClrMapping/>
-  </p:clrMapOvr>
-</p:sld>
-</file>
-
-<file path=ppt/slides/slide11.xml><?xml version="1.0" encoding="utf-8"?>
-<p:sld xmlns:a="http://schemas.openxmlformats.org/drawingml/2006/main" xmlns:r="http://schemas.openxmlformats.org/officeDocument/2006/relationships" xmlns:p="http://schemas.openxmlformats.org/presentationml/2006/main">
-  <p:cSld>
-    <p:spTree>
-      <p:nvGrpSpPr>
-        <p:cNvPr id="1" name=""/>
-        <p:cNvGrpSpPr/>
-        <p:nvPr/>
-      </p:nvGrpSpPr>
-      <p:grpSpPr>
-        <a:xfrm>
-          <a:off x="0" y="0"/>
-          <a:ext cx="0" cy="0"/>
-          <a:chOff x="0" y="0"/>
-          <a:chExt cx="0" cy="0"/>
-        </a:xfrm>
-      </p:grpSpPr>
-      <p:sp>
-        <p:nvSpPr>
-          <p:cNvPr id="9" name="Titel 8">
-            <a:extLst>
-              <a:ext uri="{FF2B5EF4-FFF2-40B4-BE49-F238E27FC236}">
-                <a16:creationId xmlns:a16="http://schemas.microsoft.com/office/drawing/2014/main" id="{A032125E-17FD-5DAD-6186-96B5D3493F4D}"/>
-              </a:ext>
-            </a:extLst>
-          </p:cNvPr>
-          <p:cNvSpPr>
-            <a:spLocks noGrp="1"/>
-          </p:cNvSpPr>
-          <p:nvPr>
-            <p:ph type="title"/>
-          </p:nvPr>
-        </p:nvSpPr>
-        <p:spPr>
-          <a:xfrm>
-            <a:off x="358775" y="376238"/>
-            <a:ext cx="8426450" cy="609662"/>
-          </a:xfrm>
-        </p:spPr>
-        <p:txBody>
-          <a:bodyPr anchor="t">
-            <a:normAutofit/>
-          </a:bodyPr>
-          <a:lstStyle/>
-          <a:p>
-            <a:r>
-              <a:rPr lang="en-US" dirty="0"/>
-              <a:t>Python / </a:t>
-            </a:r>
-            <a:r>
-              <a:rPr lang="en-US" dirty="0" err="1"/>
-              <a:t>Jupyter</a:t>
-            </a:r>
-            <a:r>
-              <a:rPr lang="en-US" dirty="0"/>
-              <a:t> Notebook</a:t>
-            </a:r>
-          </a:p>
-        </p:txBody>
-      </p:sp>
-      <p:pic>
-        <p:nvPicPr>
-          <p:cNvPr id="12" name="Picture 13">
-            <a:extLst>
-              <a:ext uri="{FF2B5EF4-FFF2-40B4-BE49-F238E27FC236}">
-                <a16:creationId xmlns:a16="http://schemas.microsoft.com/office/drawing/2014/main" id="{55C846E1-5276-C104-490A-6469B243C7DE}"/>
-              </a:ext>
-            </a:extLst>
-          </p:cNvPr>
-          <p:cNvPicPr>
-            <a:picLocks noChangeAspect="1"/>
-          </p:cNvPicPr>
-          <p:nvPr/>
-        </p:nvPicPr>
-        <p:blipFill rotWithShape="1">
-          <a:blip r:embed="rId2"/>
-          <a:srcRect t="4723" r="2" b="1"/>
-          <a:stretch/>
-        </p:blipFill>
-        <p:spPr>
-          <a:xfrm>
-            <a:off x="358776" y="1276349"/>
-            <a:ext cx="4122738" cy="2621959"/>
-          </a:xfrm>
-          <a:prstGeom prst="rect">
-            <a:avLst/>
-          </a:prstGeom>
-          <a:noFill/>
-        </p:spPr>
-      </p:pic>
-      <p:sp>
-        <p:nvSpPr>
-          <p:cNvPr id="10" name="Inhaltsplatzhalter 9">
-            <a:extLst>
-              <a:ext uri="{FF2B5EF4-FFF2-40B4-BE49-F238E27FC236}">
-                <a16:creationId xmlns:a16="http://schemas.microsoft.com/office/drawing/2014/main" id="{CC394EA4-C0A4-090D-9E3B-F536590008CE}"/>
-              </a:ext>
-            </a:extLst>
-          </p:cNvPr>
-          <p:cNvSpPr>
-            <a:spLocks noGrp="1"/>
-          </p:cNvSpPr>
-          <p:nvPr>
-            <p:ph sz="half" idx="2"/>
-          </p:nvPr>
-        </p:nvSpPr>
-        <p:spPr>
-          <a:xfrm>
-            <a:off x="4662487" y="1276351"/>
-            <a:ext cx="4122737" cy="2621958"/>
-          </a:xfrm>
-        </p:spPr>
-        <p:txBody>
-          <a:bodyPr>
-            <a:normAutofit/>
-          </a:bodyPr>
-          <a:lstStyle/>
-          <a:p>
-            <a:pPr>
-              <a:spcAft>
-                <a:spcPts val="600"/>
-              </a:spcAft>
-            </a:pPr>
-            <a:r>
-              <a:rPr lang="en-US" dirty="0"/>
-              <a:t>Having a running Python and </a:t>
-            </a:r>
-            <a:r>
-              <a:rPr lang="en-US" dirty="0" err="1"/>
-              <a:t>Jupyter</a:t>
-            </a:r>
-            <a:r>
-              <a:rPr lang="en-US" dirty="0"/>
-              <a:t> Notebook available is crucial, because …</a:t>
-            </a:r>
-          </a:p>
-          <a:p>
-            <a:pPr marL="464525" lvl="1" indent="-285750">
-              <a:spcAft>
-                <a:spcPts val="600"/>
-              </a:spcAft>
-              <a:buFont typeface="Symbol" panose="05050102010706020507" pitchFamily="18" charset="2"/>
-              <a:buChar char="-"/>
-            </a:pPr>
-            <a:r>
-              <a:rPr lang="en-US" dirty="0"/>
-              <a:t>All the assignments will need such an environment</a:t>
-            </a:r>
-          </a:p>
-          <a:p>
-            <a:pPr marL="464525" lvl="1" indent="-285750">
-              <a:spcAft>
-                <a:spcPts val="600"/>
-              </a:spcAft>
-              <a:buFont typeface="Symbol" panose="05050102010706020507" pitchFamily="18" charset="2"/>
-              <a:buChar char="-"/>
-            </a:pPr>
-            <a:r>
-              <a:rPr lang="en-US" dirty="0"/>
-              <a:t>All the lectures will provide their contents via notebooks</a:t>
-            </a:r>
-          </a:p>
-          <a:p>
-            <a:pPr marL="464525" lvl="1" indent="-285750">
-              <a:spcAft>
-                <a:spcPts val="600"/>
-              </a:spcAft>
-              <a:buFont typeface="Symbol" panose="05050102010706020507" pitchFamily="18" charset="2"/>
-              <a:buChar char="-"/>
-            </a:pPr>
-            <a:endParaRPr lang="en-US" dirty="0"/>
-          </a:p>
-          <a:p>
-            <a:pPr marL="0" indent="0">
-              <a:spcAft>
-                <a:spcPts val="600"/>
-              </a:spcAft>
-            </a:pPr>
-            <a:r>
-              <a:rPr lang="en-US" dirty="0"/>
-              <a:t>Let’s do it … now</a:t>
-            </a:r>
-          </a:p>
-          <a:p>
-            <a:pPr>
-              <a:spcAft>
-                <a:spcPts val="600"/>
-              </a:spcAft>
-            </a:pPr>
-            <a:endParaRPr lang="en-US" dirty="0"/>
-          </a:p>
-          <a:p>
-            <a:pPr>
-              <a:spcAft>
-                <a:spcPts val="600"/>
-              </a:spcAft>
-            </a:pPr>
-            <a:endParaRPr lang="en-US" dirty="0"/>
-          </a:p>
-        </p:txBody>
-      </p:sp>
-      <p:sp>
-        <p:nvSpPr>
-          <p:cNvPr id="5" name="Foliennummernplatzhalter 4">
-            <a:extLst>
-              <a:ext uri="{FF2B5EF4-FFF2-40B4-BE49-F238E27FC236}">
-                <a16:creationId xmlns:a16="http://schemas.microsoft.com/office/drawing/2014/main" id="{E27CBF56-EB9C-DB97-0C29-9D196AA189F3}"/>
-              </a:ext>
-            </a:extLst>
-          </p:cNvPr>
-          <p:cNvSpPr>
-            <a:spLocks noGrp="1"/>
-          </p:cNvSpPr>
-          <p:nvPr>
-            <p:ph type="sldNum" sz="quarter" idx="16"/>
-          </p:nvPr>
-        </p:nvSpPr>
-        <p:spPr>
-          <a:xfrm>
-            <a:off x="8571600" y="4767263"/>
-            <a:ext cx="216000" cy="273844"/>
-          </a:xfrm>
-        </p:spPr>
-        <p:txBody>
-          <a:bodyPr anchor="t">
-            <a:normAutofit/>
-          </a:bodyPr>
-          <a:lstStyle/>
-          <a:p>
-            <a:pPr>
-              <a:spcAft>
-                <a:spcPts val="600"/>
-              </a:spcAft>
-            </a:pPr>
-            <a:fld id="{7559FC98-AF75-4A00-A03C-DF9FEBF6BCB9}" type="slidenum">
-              <a:rPr lang="en-GB" smtClean="0"/>
-              <a:pPr>
-                <a:spcAft>
-                  <a:spcPts val="600"/>
-                </a:spcAft>
-              </a:pPr>
-              <a:t>11</a:t>
-            </a:fld>
-            <a:endParaRPr lang="en-GB"/>
-          </a:p>
-        </p:txBody>
-      </p:sp>
-      <p:sp>
-        <p:nvSpPr>
-          <p:cNvPr id="17" name="Text Placeholder 5">
-            <a:extLst>
-              <a:ext uri="{FF2B5EF4-FFF2-40B4-BE49-F238E27FC236}">
-                <a16:creationId xmlns:a16="http://schemas.microsoft.com/office/drawing/2014/main" id="{D880B19F-5254-E435-3C34-BBB1CA3BAEE7}"/>
-              </a:ext>
-            </a:extLst>
-          </p:cNvPr>
-          <p:cNvSpPr>
-            <a:spLocks noGrp="1"/>
-          </p:cNvSpPr>
-          <p:nvPr>
-            <p:ph type="body" sz="quarter" idx="10"/>
-          </p:nvPr>
-        </p:nvSpPr>
-        <p:spPr>
-          <a:xfrm>
-            <a:off x="359569" y="85788"/>
-            <a:ext cx="8425656" cy="290450"/>
-          </a:xfrm>
-        </p:spPr>
-        <p:txBody>
-          <a:bodyPr/>
-          <a:lstStyle/>
-          <a:p>
-            <a:endParaRPr lang="en-US"/>
-          </a:p>
-        </p:txBody>
-      </p:sp>
-      <p:sp>
-        <p:nvSpPr>
-          <p:cNvPr id="19" name="Text Placeholder 6">
-            <a:extLst>
-              <a:ext uri="{FF2B5EF4-FFF2-40B4-BE49-F238E27FC236}">
-                <a16:creationId xmlns:a16="http://schemas.microsoft.com/office/drawing/2014/main" id="{C57B54BC-A693-103A-DFA5-66A5F291D57B}"/>
-              </a:ext>
-            </a:extLst>
-          </p:cNvPr>
-          <p:cNvSpPr>
-            <a:spLocks noGrp="1"/>
-          </p:cNvSpPr>
-          <p:nvPr>
-            <p:ph type="body" sz="quarter" idx="15"/>
-          </p:nvPr>
-        </p:nvSpPr>
-        <p:spPr>
-          <a:xfrm>
-            <a:off x="358775" y="3939381"/>
-            <a:ext cx="8425087" cy="540544"/>
-          </a:xfrm>
-        </p:spPr>
-        <p:txBody>
-          <a:bodyPr/>
-          <a:lstStyle/>
-          <a:p>
-            <a:r>
-              <a:rPr lang="en-US"/>
-              <a:t>If there is one thing you should have by today it is a running Python / Jupyter Notebook.</a:t>
-            </a:r>
-            <a:endParaRPr lang="en-US" dirty="0"/>
-          </a:p>
-        </p:txBody>
-      </p:sp>
-      <p:sp>
-        <p:nvSpPr>
-          <p:cNvPr id="21" name="Content Placeholder 7">
-            <a:extLst>
-              <a:ext uri="{FF2B5EF4-FFF2-40B4-BE49-F238E27FC236}">
-                <a16:creationId xmlns:a16="http://schemas.microsoft.com/office/drawing/2014/main" id="{DECA08F5-4D90-61CD-8BC2-74B74F9318C2}"/>
-              </a:ext>
-            </a:extLst>
-          </p:cNvPr>
-          <p:cNvSpPr>
-            <a:spLocks noGrp="1"/>
-          </p:cNvSpPr>
-          <p:nvPr>
-            <p:ph sz="quarter" idx="18"/>
-          </p:nvPr>
-        </p:nvSpPr>
-        <p:spPr>
-          <a:xfrm>
-            <a:off x="358776" y="3939381"/>
-            <a:ext cx="311018" cy="541083"/>
-          </a:xfrm>
-        </p:spPr>
-        <p:txBody>
-          <a:bodyPr/>
-          <a:lstStyle/>
-          <a:p>
-            <a:endParaRPr lang="en-US"/>
-          </a:p>
-        </p:txBody>
-      </p:sp>
-    </p:spTree>
-    <p:extLst>
-      <p:ext uri="{BB962C8B-B14F-4D97-AF65-F5344CB8AC3E}">
-        <p14:creationId xmlns:p14="http://schemas.microsoft.com/office/powerpoint/2010/main" val="1968603738"/>
-      </p:ext>
-    </p:extLst>
-  </p:cSld>
-  <p:clrMapOvr>
-    <a:masterClrMapping/>
-  </p:clrMapOvr>
-</p:sld>
-</file>
-
-<file path=ppt/slides/slide12.xml><?xml version="1.0" encoding="utf-8"?>
-<p:sld xmlns:a="http://schemas.openxmlformats.org/drawingml/2006/main" xmlns:r="http://schemas.openxmlformats.org/officeDocument/2006/relationships" xmlns:p="http://schemas.openxmlformats.org/presentationml/2006/main">
-  <p:cSld>
-    <p:spTree>
-      <p:nvGrpSpPr>
-        <p:cNvPr id="1" name=""/>
-        <p:cNvGrpSpPr/>
-        <p:nvPr/>
-      </p:nvGrpSpPr>
-      <p:grpSpPr>
-        <a:xfrm>
-          <a:off x="0" y="0"/>
-          <a:ext cx="0" cy="0"/>
-          <a:chOff x="0" y="0"/>
-          <a:chExt cx="0" cy="0"/>
-        </a:xfrm>
-      </p:grpSpPr>
-      <p:sp>
-        <p:nvSpPr>
-          <p:cNvPr id="9" name="Titel 8">
-            <a:extLst>
-              <a:ext uri="{FF2B5EF4-FFF2-40B4-BE49-F238E27FC236}">
-                <a16:creationId xmlns:a16="http://schemas.microsoft.com/office/drawing/2014/main" id="{A032125E-17FD-5DAD-6186-96B5D3493F4D}"/>
-              </a:ext>
-            </a:extLst>
-          </p:cNvPr>
-          <p:cNvSpPr>
-            <a:spLocks noGrp="1"/>
-          </p:cNvSpPr>
-          <p:nvPr>
-            <p:ph type="title"/>
-          </p:nvPr>
-        </p:nvSpPr>
-        <p:spPr>
-          <a:xfrm>
-            <a:off x="358775" y="376238"/>
-            <a:ext cx="8426450" cy="609662"/>
-          </a:xfrm>
-        </p:spPr>
-        <p:txBody>
-          <a:bodyPr anchor="t">
-            <a:normAutofit/>
-          </a:bodyPr>
-          <a:lstStyle/>
-          <a:p>
-            <a:r>
-              <a:rPr lang="en-US" dirty="0"/>
-              <a:t>Troubleshooting in </a:t>
-            </a:r>
-            <a:r>
-              <a:rPr lang="en-US" dirty="0" err="1"/>
-              <a:t>Jupyter</a:t>
-            </a:r>
-            <a:endParaRPr lang="en-US" dirty="0"/>
-          </a:p>
-        </p:txBody>
-      </p:sp>
-      <p:sp>
-        <p:nvSpPr>
-          <p:cNvPr id="10" name="Inhaltsplatzhalter 9">
-            <a:extLst>
-              <a:ext uri="{FF2B5EF4-FFF2-40B4-BE49-F238E27FC236}">
-                <a16:creationId xmlns:a16="http://schemas.microsoft.com/office/drawing/2014/main" id="{CC394EA4-C0A4-090D-9E3B-F536590008CE}"/>
-              </a:ext>
-            </a:extLst>
-          </p:cNvPr>
-          <p:cNvSpPr>
-            <a:spLocks noGrp="1"/>
-          </p:cNvSpPr>
-          <p:nvPr>
-            <p:ph sz="half" idx="2"/>
-          </p:nvPr>
-        </p:nvSpPr>
-        <p:spPr>
-          <a:xfrm>
-            <a:off x="358775" y="1276351"/>
-            <a:ext cx="8426450" cy="2621958"/>
-          </a:xfrm>
-        </p:spPr>
-        <p:txBody>
-          <a:bodyPr>
-            <a:normAutofit/>
-          </a:bodyPr>
-          <a:lstStyle/>
-          <a:p>
-            <a:pPr marL="179388" indent="-1588">
-              <a:spcAft>
-                <a:spcPts val="600"/>
-              </a:spcAft>
-            </a:pPr>
-            <a:r>
-              <a:rPr lang="en-US" dirty="0"/>
-              <a:t>If your </a:t>
-            </a:r>
-            <a:r>
-              <a:rPr lang="en-US" dirty="0" err="1"/>
-              <a:t>Jupyter</a:t>
-            </a:r>
-            <a:r>
-              <a:rPr lang="en-US" dirty="0"/>
-              <a:t> Notebook:</a:t>
-            </a:r>
-          </a:p>
-          <a:p>
-            <a:pPr marL="464525" lvl="1" indent="-285750">
-              <a:spcAft>
-                <a:spcPts val="600"/>
-              </a:spcAft>
-              <a:buFont typeface="Symbol" panose="05050102010706020507" pitchFamily="18" charset="2"/>
-              <a:buChar char="-"/>
-            </a:pPr>
-            <a:r>
-              <a:rPr lang="en-US" dirty="0"/>
-              <a:t>does not run anymore, or</a:t>
-            </a:r>
-          </a:p>
-          <a:p>
-            <a:pPr marL="464525" lvl="1" indent="-285750">
-              <a:spcAft>
-                <a:spcPts val="600"/>
-              </a:spcAft>
-              <a:buFont typeface="Symbol" panose="05050102010706020507" pitchFamily="18" charset="2"/>
-              <a:buChar char="-"/>
-            </a:pPr>
-            <a:r>
-              <a:rPr lang="en-US" dirty="0"/>
-              <a:t>is taking more than a few (reasonable) seconds</a:t>
-            </a:r>
-          </a:p>
-          <a:p>
-            <a:pPr marL="178775" lvl="1" indent="0">
-              <a:spcAft>
-                <a:spcPts val="600"/>
-              </a:spcAft>
-              <a:buNone/>
-            </a:pPr>
-            <a:r>
-              <a:rPr lang="en-US" dirty="0"/>
-              <a:t>Restart the Kernel!</a:t>
-            </a:r>
-          </a:p>
-          <a:p>
-            <a:pPr marL="464525" lvl="1" indent="-285750">
-              <a:spcAft>
-                <a:spcPts val="600"/>
-              </a:spcAft>
-              <a:buFont typeface="Symbol" panose="05050102010706020507" pitchFamily="18" charset="2"/>
-              <a:buChar char="-"/>
-            </a:pPr>
-            <a:endParaRPr lang="en-US" dirty="0"/>
-          </a:p>
-          <a:p>
-            <a:pPr>
-              <a:spcAft>
-                <a:spcPts val="600"/>
-              </a:spcAft>
-            </a:pPr>
-            <a:endParaRPr lang="en-US" dirty="0"/>
-          </a:p>
-          <a:p>
-            <a:pPr>
-              <a:spcAft>
-                <a:spcPts val="600"/>
-              </a:spcAft>
-            </a:pPr>
-            <a:endParaRPr lang="en-US" dirty="0"/>
-          </a:p>
-        </p:txBody>
-      </p:sp>
-      <p:sp>
-        <p:nvSpPr>
-          <p:cNvPr id="5" name="Foliennummernplatzhalter 4">
-            <a:extLst>
-              <a:ext uri="{FF2B5EF4-FFF2-40B4-BE49-F238E27FC236}">
-                <a16:creationId xmlns:a16="http://schemas.microsoft.com/office/drawing/2014/main" id="{E27CBF56-EB9C-DB97-0C29-9D196AA189F3}"/>
-              </a:ext>
-            </a:extLst>
-          </p:cNvPr>
-          <p:cNvSpPr>
-            <a:spLocks noGrp="1"/>
-          </p:cNvSpPr>
-          <p:nvPr>
-            <p:ph type="sldNum" sz="quarter" idx="16"/>
-          </p:nvPr>
-        </p:nvSpPr>
-        <p:spPr>
-          <a:xfrm>
-            <a:off x="8571600" y="4767263"/>
-            <a:ext cx="216000" cy="273844"/>
-          </a:xfrm>
-        </p:spPr>
-        <p:txBody>
-          <a:bodyPr anchor="t">
-            <a:normAutofit/>
-          </a:bodyPr>
-          <a:lstStyle/>
-          <a:p>
-            <a:pPr>
-              <a:spcAft>
-                <a:spcPts val="600"/>
-              </a:spcAft>
-            </a:pPr>
-            <a:fld id="{7559FC98-AF75-4A00-A03C-DF9FEBF6BCB9}" type="slidenum">
-              <a:rPr lang="en-GB" smtClean="0"/>
-              <a:pPr>
-                <a:spcAft>
-                  <a:spcPts val="600"/>
-                </a:spcAft>
-              </a:pPr>
-              <a:t>12</a:t>
-            </a:fld>
-            <a:endParaRPr lang="en-GB"/>
-          </a:p>
-        </p:txBody>
-      </p:sp>
-      <p:sp>
-        <p:nvSpPr>
-          <p:cNvPr id="17" name="Text Placeholder 5">
-            <a:extLst>
-              <a:ext uri="{FF2B5EF4-FFF2-40B4-BE49-F238E27FC236}">
-                <a16:creationId xmlns:a16="http://schemas.microsoft.com/office/drawing/2014/main" id="{D880B19F-5254-E435-3C34-BBB1CA3BAEE7}"/>
-              </a:ext>
-            </a:extLst>
-          </p:cNvPr>
-          <p:cNvSpPr>
-            <a:spLocks noGrp="1"/>
-          </p:cNvSpPr>
-          <p:nvPr>
-            <p:ph type="body" sz="quarter" idx="10"/>
-          </p:nvPr>
-        </p:nvSpPr>
-        <p:spPr>
-          <a:xfrm>
-            <a:off x="359569" y="85788"/>
-            <a:ext cx="8425656" cy="290450"/>
-          </a:xfrm>
-        </p:spPr>
-        <p:txBody>
-          <a:bodyPr/>
-          <a:lstStyle/>
-          <a:p>
-            <a:endParaRPr lang="en-US" dirty="0"/>
-          </a:p>
-        </p:txBody>
-      </p:sp>
-      <p:pic>
-        <p:nvPicPr>
-          <p:cNvPr id="2" name="Picture 1">
-            <a:extLst>
-              <a:ext uri="{FF2B5EF4-FFF2-40B4-BE49-F238E27FC236}">
-                <a16:creationId xmlns:a16="http://schemas.microsoft.com/office/drawing/2014/main" id="{19659B16-88DD-1CB4-E77F-0705B0ADF25B}"/>
-              </a:ext>
-            </a:extLst>
-          </p:cNvPr>
-          <p:cNvPicPr>
-            <a:picLocks noChangeAspect="1"/>
-          </p:cNvPicPr>
-          <p:nvPr/>
-        </p:nvPicPr>
-        <p:blipFill>
-          <a:blip r:embed="rId2"/>
-          <a:stretch>
-            <a:fillRect/>
-          </a:stretch>
-        </p:blipFill>
-        <p:spPr>
-          <a:xfrm>
-            <a:off x="2138383" y="2136681"/>
-            <a:ext cx="6354817" cy="2342768"/>
-          </a:xfrm>
-          <a:prstGeom prst="rect">
-            <a:avLst/>
-          </a:prstGeom>
-        </p:spPr>
-      </p:pic>
-    </p:spTree>
-    <p:extLst>
-      <p:ext uri="{BB962C8B-B14F-4D97-AF65-F5344CB8AC3E}">
-        <p14:creationId xmlns:p14="http://schemas.microsoft.com/office/powerpoint/2010/main" val="3550677829"/>
-      </p:ext>
-    </p:extLst>
-  </p:cSld>
-  <p:clrMapOvr>
-    <a:masterClrMapping/>
-  </p:clrMapOvr>
-</p:sld>
-</file>
-
-<file path=ppt/slides/slide13.xml><?xml version="1.0" encoding="utf-8"?>
-<p:sld xmlns:a="http://schemas.openxmlformats.org/drawingml/2006/main" xmlns:r="http://schemas.openxmlformats.org/officeDocument/2006/relationships" xmlns:p="http://schemas.openxmlformats.org/presentationml/2006/main">
-  <p:cSld>
-    <p:spTree>
-      <p:nvGrpSpPr>
-        <p:cNvPr id="1" name=""/>
-        <p:cNvGrpSpPr/>
-        <p:nvPr/>
-      </p:nvGrpSpPr>
-      <p:grpSpPr>
-        <a:xfrm>
-          <a:off x="0" y="0"/>
-          <a:ext cx="0" cy="0"/>
-          <a:chOff x="0" y="0"/>
-          <a:chExt cx="0" cy="0"/>
-        </a:xfrm>
-      </p:grpSpPr>
-      <p:sp>
-        <p:nvSpPr>
-          <p:cNvPr id="15" name="Titel 14">
-            <a:extLst>
-              <a:ext uri="{FF2B5EF4-FFF2-40B4-BE49-F238E27FC236}">
-                <a16:creationId xmlns:a16="http://schemas.microsoft.com/office/drawing/2014/main" id="{60191505-0B0C-4A0A-B64A-55E5D7A2534E}"/>
-              </a:ext>
-            </a:extLst>
-          </p:cNvPr>
-          <p:cNvSpPr>
-            <a:spLocks noGrp="1"/>
-          </p:cNvSpPr>
-          <p:nvPr>
-            <p:ph type="title"/>
-          </p:nvPr>
-        </p:nvSpPr>
-        <p:spPr/>
-        <p:txBody>
-          <a:bodyPr/>
-          <a:lstStyle/>
-          <a:p>
-            <a:endParaRPr lang="de-DE"/>
-          </a:p>
-        </p:txBody>
-      </p:sp>
-      <p:sp>
-        <p:nvSpPr>
-          <p:cNvPr id="16" name="Inhaltsplatzhalter 15">
-            <a:extLst>
-              <a:ext uri="{FF2B5EF4-FFF2-40B4-BE49-F238E27FC236}">
-                <a16:creationId xmlns:a16="http://schemas.microsoft.com/office/drawing/2014/main" id="{909CA527-9C4E-4704-9579-AA53445EF11F}"/>
-              </a:ext>
-            </a:extLst>
-          </p:cNvPr>
-          <p:cNvSpPr>
-            <a:spLocks noGrp="1"/>
-          </p:cNvSpPr>
-          <p:nvPr>
-            <p:ph sz="quarter" idx="13"/>
-          </p:nvPr>
-        </p:nvSpPr>
-        <p:spPr/>
-        <p:txBody>
-          <a:bodyPr/>
-          <a:lstStyle/>
-          <a:p>
-            <a:pPr marL="0" indent="0"/>
-            <a:endParaRPr lang="de-DE" dirty="0">
-              <a:cs typeface="Arial" pitchFamily="34" charset="0"/>
-            </a:endParaRPr>
-          </a:p>
-          <a:p>
-            <a:pPr marL="0" indent="0"/>
-            <a:r>
-              <a:rPr lang="de-DE" dirty="0">
-                <a:cs typeface="Arial" pitchFamily="34" charset="0"/>
-              </a:rPr>
-              <a:t>Dominik Buchegger</a:t>
-            </a:r>
-          </a:p>
-          <a:p>
-            <a:pPr marL="0" indent="0"/>
-            <a:r>
-              <a:rPr lang="de-DE" b="0" dirty="0">
-                <a:hlinkClick r:id="rId3"/>
-              </a:rPr>
-              <a:t>dominik.buchegger@student.unisg.ch</a:t>
-            </a:r>
-            <a:r>
-              <a:rPr lang="de-DE" b="0" dirty="0"/>
-              <a:t> </a:t>
-            </a:r>
-            <a:endParaRPr lang="de-DE" dirty="0"/>
-          </a:p>
-        </p:txBody>
-      </p:sp>
-    </p:spTree>
-    <p:extLst>
-      <p:ext uri="{BB962C8B-B14F-4D97-AF65-F5344CB8AC3E}">
-        <p14:creationId xmlns:p14="http://schemas.microsoft.com/office/powerpoint/2010/main" val="3950133140"/>
       </p:ext>
     </p:extLst>
   </p:cSld>
@@ -15878,7 +14603,12 @@
             <p:ph type="title"/>
           </p:nvPr>
         </p:nvSpPr>
-        <p:spPr/>
+        <p:spPr>
+          <a:xfrm>
+            <a:off x="358775" y="439172"/>
+            <a:ext cx="8426450" cy="609662"/>
+          </a:xfrm>
+        </p:spPr>
         <p:txBody>
           <a:bodyPr/>
           <a:lstStyle/>
@@ -15973,7 +14703,7 @@
             </a:pPr>
             <a:r>
               <a:rPr lang="en-US" dirty="0"/>
-              <a:t>Currently I am studying Banking and Finance while also pursuing courses for the MSc Statistics at ETH.</a:t>
+              <a:t>Currently, I am studying Banking and Finance while also pursuing courses for the MSc Statistics at ETH.</a:t>
             </a:r>
           </a:p>
           <a:p>
@@ -16247,1853 +14977,65 @@
           </a:p>
         </p:txBody>
       </p:sp>
-      <p:sp>
-        <p:nvSpPr>
-          <p:cNvPr id="42" name="Rechteck 41">
-            <a:extLst>
-              <a:ext uri="{FF2B5EF4-FFF2-40B4-BE49-F238E27FC236}">
-                <a16:creationId xmlns:a16="http://schemas.microsoft.com/office/drawing/2014/main" id="{BE5569E4-5057-41B4-9E5C-A49A44F6106F}"/>
-              </a:ext>
-            </a:extLst>
-          </p:cNvPr>
-          <p:cNvSpPr/>
+      <p:pic>
+        <p:nvPicPr>
+          <p:cNvPr id="4" name="Picture 3">
+            <a:extLst>
+              <a:ext uri="{FF2B5EF4-FFF2-40B4-BE49-F238E27FC236}">
+                <a16:creationId xmlns:a16="http://schemas.microsoft.com/office/drawing/2014/main" id="{CF1D6110-2103-DEC9-E7A0-232B03108BD5}"/>
+              </a:ext>
+            </a:extLst>
+          </p:cNvPr>
+          <p:cNvPicPr>
+            <a:picLocks noChangeAspect="1"/>
+          </p:cNvPicPr>
           <p:nvPr/>
-        </p:nvSpPr>
-        <p:spPr bwMode="auto">
-          <a:xfrm>
-            <a:off x="7554657" y="1445329"/>
-            <a:ext cx="945390" cy="1147156"/>
+        </p:nvPicPr>
+        <p:blipFill>
+          <a:blip r:embed="rId3"/>
+          <a:stretch>
+            <a:fillRect/>
+          </a:stretch>
+        </p:blipFill>
+        <p:spPr>
+          <a:xfrm>
+            <a:off x="358775" y="956487"/>
+            <a:ext cx="8425656" cy="3443252"/>
           </a:xfrm>
           <a:prstGeom prst="rect">
             <a:avLst/>
           </a:prstGeom>
-          <a:solidFill>
-            <a:schemeClr val="accent1"/>
-          </a:solidFill>
-          <a:ln w="12700" cap="flat" cmpd="sng" algn="ctr">
-            <a:noFill/>
-            <a:prstDash val="solid"/>
-            <a:round/>
-            <a:headEnd type="none" w="med" len="med"/>
-            <a:tailEnd type="none" w="med" len="med"/>
-          </a:ln>
-          <a:effectLst/>
-        </p:spPr>
-        <p:txBody>
-          <a:bodyPr rot="0" spcFirstLastPara="0" vertOverflow="overflow" horzOverflow="overflow" vert="horz" wrap="square" lIns="64008" tIns="32004" rIns="64008" bIns="32004" numCol="1" spcCol="0" rtlCol="0" fromWordArt="0" anchor="ctr" anchorCtr="0" forceAA="0" compatLnSpc="1">
-            <a:prstTxWarp prst="textNoShape">
-              <a:avLst/>
-            </a:prstTxWarp>
-            <a:noAutofit/>
-          </a:bodyPr>
-          <a:lstStyle/>
-          <a:p>
-            <a:pPr marR="0" lvl="0" algn="ctr" defTabSz="785813" eaLnBrk="0" fontAlgn="base" latinLnBrk="0" hangingPunct="0">
-              <a:lnSpc>
-                <a:spcPct val="100000"/>
-              </a:lnSpc>
-              <a:spcBef>
-                <a:spcPct val="0"/>
-              </a:spcBef>
-              <a:spcAft>
-                <a:spcPct val="0"/>
-              </a:spcAft>
-              <a:buClrTx/>
-              <a:buSzTx/>
-              <a:buFontTx/>
-              <a:buNone/>
-              <a:tabLst/>
-              <a:defRPr/>
-            </a:pPr>
-            <a:r>
-              <a:rPr kumimoji="0" lang="en-US" sz="980" b="1" i="0" u="none" strike="noStrike" kern="0" cap="none" spc="0" normalizeH="0" baseline="0" noProof="0" dirty="0">
-                <a:ln>
-                  <a:noFill/>
-                </a:ln>
-                <a:solidFill>
-                  <a:srgbClr val="FFFFFF"/>
-                </a:solidFill>
-                <a:effectLst/>
-                <a:uLnTx/>
-                <a:uFillTx/>
-                <a:latin typeface="Arial"/>
-              </a:rPr>
-              <a:t>Lecture</a:t>
-            </a:r>
-            <a:br>
-              <a:rPr kumimoji="0" lang="en-US" sz="980" b="0" i="0" u="none" strike="noStrike" kern="0" cap="none" spc="0" normalizeH="0" baseline="0" noProof="0" dirty="0">
-                <a:ln>
-                  <a:noFill/>
-                </a:ln>
-                <a:solidFill>
-                  <a:srgbClr val="FFFFFF"/>
-                </a:solidFill>
-                <a:effectLst/>
-                <a:uLnTx/>
-                <a:uFillTx/>
-                <a:latin typeface="Arial"/>
-              </a:rPr>
-            </a:br>
-            <a:r>
-              <a:rPr kumimoji="0" lang="en-US" sz="630" b="0" i="0" u="none" strike="noStrike" kern="0" cap="none" spc="0" normalizeH="0" baseline="0" noProof="0" dirty="0">
-                <a:ln>
-                  <a:noFill/>
-                </a:ln>
-                <a:solidFill>
-                  <a:srgbClr val="FFFFFF"/>
-                </a:solidFill>
-                <a:effectLst/>
-                <a:uLnTx/>
-                <a:uFillTx/>
-                <a:latin typeface="Arial"/>
-              </a:rPr>
-              <a:t>frontal with interaction</a:t>
-            </a:r>
-          </a:p>
-        </p:txBody>
-      </p:sp>
-      <p:cxnSp>
-        <p:nvCxnSpPr>
-          <p:cNvPr id="48" name="Gerade Verbindung mit Pfeil 69">
-            <a:extLst>
-              <a:ext uri="{FF2B5EF4-FFF2-40B4-BE49-F238E27FC236}">
-                <a16:creationId xmlns:a16="http://schemas.microsoft.com/office/drawing/2014/main" id="{B7BCDDC4-E492-4531-8857-DFD188F69E09}"/>
-              </a:ext>
-            </a:extLst>
-          </p:cNvPr>
-          <p:cNvCxnSpPr>
-            <a:cxnSpLocks/>
-            <a:stCxn id="75" idx="3"/>
-            <a:endCxn id="62" idx="0"/>
-          </p:cNvCxnSpPr>
+        </p:spPr>
+      </p:pic>
+      <p:sp>
+        <p:nvSpPr>
+          <p:cNvPr id="5" name="Sprechblase: oval 7">
+            <a:extLst>
+              <a:ext uri="{FF2B5EF4-FFF2-40B4-BE49-F238E27FC236}">
+                <a16:creationId xmlns:a16="http://schemas.microsoft.com/office/drawing/2014/main" id="{85E8B098-CACA-1A3E-E496-D58D80478243}"/>
+              </a:ext>
+            </a:extLst>
+          </p:cNvPr>
+          <p:cNvSpPr/>
           <p:nvPr/>
-        </p:nvCxnSpPr>
-        <p:spPr bwMode="auto">
-          <a:xfrm>
-            <a:off x="2155052" y="2571908"/>
-            <a:ext cx="559944" cy="138339"/>
-          </a:xfrm>
-          <a:prstGeom prst="bentConnector2">
-            <a:avLst/>
+        </p:nvSpPr>
+        <p:spPr>
+          <a:xfrm>
+            <a:off x="4787411" y="476980"/>
+            <a:ext cx="1647366" cy="378764"/>
+          </a:xfrm>
+          <a:prstGeom prst="wedgeEllipseCallout">
+            <a:avLst>
+              <a:gd name="adj1" fmla="val -90064"/>
+              <a:gd name="adj2" fmla="val 363342"/>
+            </a:avLst>
           </a:prstGeom>
           <a:solidFill>
-            <a:srgbClr val="00802F"/>
-          </a:solidFill>
-          <a:ln w="15558" cap="flat" cmpd="sng" algn="ctr">
-            <a:solidFill>
-              <a:schemeClr val="accent4"/>
-            </a:solidFill>
-            <a:prstDash val="sysDash"/>
-            <a:round/>
-            <a:headEnd type="none" w="med" len="med"/>
-            <a:tailEnd type="none" w="med" len="med"/>
-          </a:ln>
-          <a:effectLst/>
-        </p:spPr>
-      </p:cxnSp>
-      <p:sp>
-        <p:nvSpPr>
-          <p:cNvPr id="49" name="Rechteck 48">
-            <a:extLst>
-              <a:ext uri="{FF2B5EF4-FFF2-40B4-BE49-F238E27FC236}">
-                <a16:creationId xmlns:a16="http://schemas.microsoft.com/office/drawing/2014/main" id="{1FCCFA7B-3B44-4436-94C2-0FBDC888C73D}"/>
-              </a:ext>
-            </a:extLst>
-          </p:cNvPr>
-          <p:cNvSpPr/>
-          <p:nvPr/>
-        </p:nvSpPr>
-        <p:spPr bwMode="auto">
-          <a:xfrm>
-            <a:off x="1198427" y="1424593"/>
-            <a:ext cx="914400" cy="1183669"/>
-          </a:xfrm>
-          <a:prstGeom prst="rect">
-            <a:avLst/>
-          </a:prstGeom>
-          <a:solidFill>
-            <a:schemeClr val="accent1"/>
+            <a:srgbClr val="EB6969"/>
           </a:solidFill>
           <a:ln w="12700" cap="flat" cmpd="sng" algn="ctr">
             <a:solidFill>
-              <a:schemeClr val="accent1"/>
-            </a:solidFill>
-            <a:prstDash val="solid"/>
-            <a:round/>
-            <a:headEnd type="none" w="med" len="med"/>
-            <a:tailEnd type="none" w="med" len="med"/>
-          </a:ln>
-          <a:effectLst/>
-        </p:spPr>
-        <p:txBody>
-          <a:bodyPr rot="0" spcFirstLastPara="0" vertOverflow="overflow" horzOverflow="overflow" vert="horz" wrap="square" lIns="64008" tIns="32004" rIns="64008" bIns="32004" numCol="1" spcCol="0" rtlCol="0" fromWordArt="0" anchor="ctr" anchorCtr="0" forceAA="0" compatLnSpc="1">
-            <a:prstTxWarp prst="textNoShape">
-              <a:avLst/>
-            </a:prstTxWarp>
-            <a:noAutofit/>
-          </a:bodyPr>
-          <a:lstStyle/>
-          <a:p>
-            <a:pPr marR="0" lvl="0" algn="ctr" defTabSz="785813" eaLnBrk="0" fontAlgn="base" latinLnBrk="0" hangingPunct="0">
-              <a:lnSpc>
-                <a:spcPct val="100000"/>
-              </a:lnSpc>
-              <a:spcBef>
-                <a:spcPct val="0"/>
-              </a:spcBef>
-              <a:spcAft>
-                <a:spcPct val="0"/>
-              </a:spcAft>
-              <a:buClrTx/>
-              <a:buSzTx/>
-              <a:buFontTx/>
-              <a:buNone/>
-              <a:tabLst/>
-              <a:defRPr/>
-            </a:pPr>
-            <a:r>
-              <a:rPr kumimoji="0" lang="en-US" sz="980" b="1" i="0" u="none" strike="noStrike" kern="0" cap="none" spc="0" normalizeH="0" baseline="0" noProof="0" dirty="0">
-                <a:ln>
-                  <a:noFill/>
-                </a:ln>
-                <a:solidFill>
-                  <a:srgbClr val="FFFFFF"/>
-                </a:solidFill>
-                <a:effectLst/>
-                <a:uLnTx/>
-                <a:uFillTx/>
-                <a:latin typeface="Arial"/>
-              </a:rPr>
-              <a:t>Lecture</a:t>
-            </a:r>
-            <a:br>
-              <a:rPr kumimoji="0" lang="en-US" sz="980" b="0" i="0" u="none" strike="noStrike" kern="0" cap="none" spc="0" normalizeH="0" baseline="0" noProof="0" dirty="0">
-                <a:ln>
-                  <a:noFill/>
-                </a:ln>
-                <a:solidFill>
-                  <a:srgbClr val="FFFFFF"/>
-                </a:solidFill>
-                <a:effectLst/>
-                <a:uLnTx/>
-                <a:uFillTx/>
-                <a:latin typeface="Arial"/>
-              </a:rPr>
-            </a:br>
-            <a:r>
-              <a:rPr kumimoji="0" lang="en-US" sz="630" b="0" i="0" u="none" strike="noStrike" kern="0" cap="none" spc="0" normalizeH="0" baseline="0" noProof="0" dirty="0">
-                <a:ln>
-                  <a:noFill/>
-                </a:ln>
-                <a:solidFill>
-                  <a:srgbClr val="FFFFFF"/>
-                </a:solidFill>
-                <a:effectLst/>
-                <a:uLnTx/>
-                <a:uFillTx/>
-                <a:latin typeface="Arial"/>
-              </a:rPr>
-              <a:t>frontal with interaction</a:t>
-            </a:r>
-          </a:p>
-        </p:txBody>
-      </p:sp>
-      <p:cxnSp>
-        <p:nvCxnSpPr>
-          <p:cNvPr id="50" name="Gerade Verbindung 9">
-            <a:extLst>
-              <a:ext uri="{FF2B5EF4-FFF2-40B4-BE49-F238E27FC236}">
-                <a16:creationId xmlns:a16="http://schemas.microsoft.com/office/drawing/2014/main" id="{5C164C50-C90A-43A7-8010-C407997C8933}"/>
-              </a:ext>
-            </a:extLst>
-          </p:cNvPr>
-          <p:cNvCxnSpPr>
-            <a:cxnSpLocks/>
-          </p:cNvCxnSpPr>
-          <p:nvPr/>
-        </p:nvCxnSpPr>
-        <p:spPr bwMode="auto">
-          <a:xfrm>
-            <a:off x="359569" y="1375710"/>
-            <a:ext cx="8212031" cy="0"/>
-          </a:xfrm>
-          <a:prstGeom prst="line">
-            <a:avLst/>
-          </a:prstGeom>
-          <a:solidFill>
-            <a:srgbClr val="00802F"/>
-          </a:solidFill>
-          <a:ln w="8890" cap="flat" cmpd="sng" algn="ctr">
-            <a:solidFill>
-              <a:srgbClr val="818284"/>
-            </a:solidFill>
-            <a:prstDash val="solid"/>
-            <a:round/>
-            <a:headEnd type="none" w="med" len="med"/>
-            <a:tailEnd type="none" w="med" len="med"/>
-          </a:ln>
-          <a:effectLst/>
-        </p:spPr>
-      </p:cxnSp>
-      <p:cxnSp>
-        <p:nvCxnSpPr>
-          <p:cNvPr id="51" name="Gerade Verbindung 11">
-            <a:extLst>
-              <a:ext uri="{FF2B5EF4-FFF2-40B4-BE49-F238E27FC236}">
-                <a16:creationId xmlns:a16="http://schemas.microsoft.com/office/drawing/2014/main" id="{0D659638-551D-4435-AD45-0CCFF59C7A9E}"/>
-              </a:ext>
-            </a:extLst>
-          </p:cNvPr>
-          <p:cNvCxnSpPr>
-            <a:cxnSpLocks/>
-          </p:cNvCxnSpPr>
-          <p:nvPr/>
-        </p:nvCxnSpPr>
-        <p:spPr bwMode="auto">
-          <a:xfrm>
-            <a:off x="359569" y="2662104"/>
-            <a:ext cx="8212031" cy="0"/>
-          </a:xfrm>
-          <a:prstGeom prst="line">
-            <a:avLst/>
-          </a:prstGeom>
-          <a:solidFill>
-            <a:srgbClr val="00802F"/>
-          </a:solidFill>
-          <a:ln w="8890" cap="flat" cmpd="sng" algn="ctr">
-            <a:solidFill>
-              <a:srgbClr val="818284"/>
-            </a:solidFill>
-            <a:prstDash val="solid"/>
-            <a:round/>
-            <a:headEnd type="none" w="med" len="med"/>
-            <a:tailEnd type="none" w="med" len="med"/>
-          </a:ln>
-          <a:effectLst/>
-        </p:spPr>
-      </p:cxnSp>
-      <p:cxnSp>
-        <p:nvCxnSpPr>
-          <p:cNvPr id="52" name="Gerade Verbindung 12">
-            <a:extLst>
-              <a:ext uri="{FF2B5EF4-FFF2-40B4-BE49-F238E27FC236}">
-                <a16:creationId xmlns:a16="http://schemas.microsoft.com/office/drawing/2014/main" id="{C056818D-0669-4F69-ADAB-5EE06AA7E5E5}"/>
-              </a:ext>
-            </a:extLst>
-          </p:cNvPr>
-          <p:cNvCxnSpPr>
-            <a:cxnSpLocks/>
-          </p:cNvCxnSpPr>
-          <p:nvPr/>
-        </p:nvCxnSpPr>
-        <p:spPr bwMode="auto">
-          <a:xfrm>
-            <a:off x="359569" y="3987984"/>
-            <a:ext cx="8212031" cy="0"/>
-          </a:xfrm>
-          <a:prstGeom prst="line">
-            <a:avLst/>
-          </a:prstGeom>
-          <a:solidFill>
-            <a:srgbClr val="00802F"/>
-          </a:solidFill>
-          <a:ln w="8890" cap="flat" cmpd="sng" algn="ctr">
-            <a:solidFill>
-              <a:srgbClr val="818284"/>
-            </a:solidFill>
-            <a:prstDash val="solid"/>
-            <a:round/>
-            <a:headEnd type="none" w="med" len="med"/>
-            <a:tailEnd type="none" w="med" len="med"/>
-          </a:ln>
-          <a:effectLst/>
-        </p:spPr>
-      </p:cxnSp>
-      <p:cxnSp>
-        <p:nvCxnSpPr>
-          <p:cNvPr id="53" name="Gerade Verbindung 13">
-            <a:extLst>
-              <a:ext uri="{FF2B5EF4-FFF2-40B4-BE49-F238E27FC236}">
-                <a16:creationId xmlns:a16="http://schemas.microsoft.com/office/drawing/2014/main" id="{51B41271-F4E3-4D05-A267-F745D20AE273}"/>
-              </a:ext>
-            </a:extLst>
-          </p:cNvPr>
-          <p:cNvCxnSpPr>
-            <a:cxnSpLocks/>
-          </p:cNvCxnSpPr>
-          <p:nvPr/>
-        </p:nvCxnSpPr>
-        <p:spPr bwMode="auto">
-          <a:xfrm>
-            <a:off x="1122288" y="1205299"/>
-            <a:ext cx="0" cy="3370810"/>
-          </a:xfrm>
-          <a:prstGeom prst="line">
-            <a:avLst/>
-          </a:prstGeom>
-          <a:solidFill>
-            <a:srgbClr val="00802F"/>
-          </a:solidFill>
-          <a:ln w="8890" cap="flat" cmpd="sng" algn="ctr">
-            <a:solidFill>
-              <a:srgbClr val="818284"/>
-            </a:solidFill>
-            <a:prstDash val="solid"/>
-            <a:round/>
-            <a:headEnd type="none" w="med" len="med"/>
-            <a:tailEnd type="none" w="med" len="med"/>
-          </a:ln>
-          <a:effectLst/>
-        </p:spPr>
-      </p:cxnSp>
-      <p:sp>
-        <p:nvSpPr>
-          <p:cNvPr id="54" name="Textfeld 53">
-            <a:extLst>
-              <a:ext uri="{FF2B5EF4-FFF2-40B4-BE49-F238E27FC236}">
-                <a16:creationId xmlns:a16="http://schemas.microsoft.com/office/drawing/2014/main" id="{8022A716-C756-45D6-9C67-B3738CAA5FBA}"/>
-              </a:ext>
-            </a:extLst>
-          </p:cNvPr>
-          <p:cNvSpPr txBox="1"/>
-          <p:nvPr/>
-        </p:nvSpPr>
-        <p:spPr>
-          <a:xfrm>
-            <a:off x="359570" y="1916531"/>
-            <a:ext cx="682711" cy="253516"/>
-          </a:xfrm>
-          <a:prstGeom prst="rect">
-            <a:avLst/>
-          </a:prstGeom>
-          <a:noFill/>
-        </p:spPr>
-        <p:txBody>
-          <a:bodyPr wrap="none" lIns="0" tIns="0" rIns="0" bIns="0" rtlCol="0" anchor="ctr">
-            <a:noAutofit/>
-          </a:bodyPr>
-          <a:lstStyle/>
-          <a:p>
-            <a:pPr algn="ctr" defTabSz="914400"/>
-            <a:r>
-              <a:rPr lang="en-US" sz="980">
-                <a:solidFill>
-                  <a:srgbClr val="818284"/>
-                </a:solidFill>
-                <a:latin typeface="Arial"/>
-              </a:rPr>
-              <a:t>8.15-12.00</a:t>
-            </a:r>
-            <a:endParaRPr lang="en-US" sz="980" dirty="0">
-              <a:solidFill>
-                <a:srgbClr val="818284"/>
-              </a:solidFill>
-              <a:latin typeface="Arial"/>
-            </a:endParaRPr>
-          </a:p>
-        </p:txBody>
-      </p:sp>
-      <p:sp>
-        <p:nvSpPr>
-          <p:cNvPr id="55" name="Textfeld 54">
-            <a:extLst>
-              <a:ext uri="{FF2B5EF4-FFF2-40B4-BE49-F238E27FC236}">
-                <a16:creationId xmlns:a16="http://schemas.microsoft.com/office/drawing/2014/main" id="{3B4AE453-88EB-4E73-BCAF-F79D5D1B169C}"/>
-              </a:ext>
-            </a:extLst>
-          </p:cNvPr>
-          <p:cNvSpPr txBox="1"/>
-          <p:nvPr/>
-        </p:nvSpPr>
-        <p:spPr>
-          <a:xfrm>
-            <a:off x="359570" y="3198287"/>
-            <a:ext cx="682711" cy="253516"/>
-          </a:xfrm>
-          <a:prstGeom prst="rect">
-            <a:avLst/>
-          </a:prstGeom>
-          <a:noFill/>
-        </p:spPr>
-        <p:txBody>
-          <a:bodyPr wrap="none" lIns="0" tIns="0" rIns="0" bIns="0" rtlCol="0" anchor="ctr">
-            <a:noAutofit/>
-          </a:bodyPr>
-          <a:lstStyle/>
-          <a:p>
-            <a:pPr algn="ctr" defTabSz="914400"/>
-            <a:r>
-              <a:rPr lang="en-US" sz="980">
-                <a:solidFill>
-                  <a:srgbClr val="818284"/>
-                </a:solidFill>
-                <a:latin typeface="Arial"/>
-              </a:rPr>
-              <a:t>12.15-16.00</a:t>
-            </a:r>
-            <a:endParaRPr lang="en-US" sz="980" dirty="0">
-              <a:solidFill>
-                <a:srgbClr val="818284"/>
-              </a:solidFill>
-              <a:latin typeface="Arial"/>
-            </a:endParaRPr>
-          </a:p>
-        </p:txBody>
-      </p:sp>
-      <p:sp>
-        <p:nvSpPr>
-          <p:cNvPr id="56" name="Textfeld 55">
-            <a:extLst>
-              <a:ext uri="{FF2B5EF4-FFF2-40B4-BE49-F238E27FC236}">
-                <a16:creationId xmlns:a16="http://schemas.microsoft.com/office/drawing/2014/main" id="{2EA8FCF8-CB18-4BD4-9072-13A58D6044D4}"/>
-              </a:ext>
-            </a:extLst>
-          </p:cNvPr>
-          <p:cNvSpPr txBox="1"/>
-          <p:nvPr/>
-        </p:nvSpPr>
-        <p:spPr>
-          <a:xfrm>
-            <a:off x="359570" y="4129771"/>
-            <a:ext cx="682711" cy="253516"/>
-          </a:xfrm>
-          <a:prstGeom prst="rect">
-            <a:avLst/>
-          </a:prstGeom>
-          <a:noFill/>
-        </p:spPr>
-        <p:txBody>
-          <a:bodyPr wrap="none" lIns="0" tIns="0" rIns="0" bIns="0" rtlCol="0" anchor="ctr">
-            <a:noAutofit/>
-          </a:bodyPr>
-          <a:lstStyle/>
-          <a:p>
-            <a:pPr algn="ctr" defTabSz="914400"/>
-            <a:r>
-              <a:rPr lang="en-US" sz="980">
-                <a:solidFill>
-                  <a:srgbClr val="818284"/>
-                </a:solidFill>
-                <a:latin typeface="Arial"/>
-              </a:rPr>
-              <a:t>16.15-18.00</a:t>
-            </a:r>
-            <a:endParaRPr lang="en-US" sz="980" dirty="0">
-              <a:solidFill>
-                <a:srgbClr val="818284"/>
-              </a:solidFill>
-              <a:latin typeface="Arial"/>
-            </a:endParaRPr>
-          </a:p>
-        </p:txBody>
-      </p:sp>
-      <p:cxnSp>
-        <p:nvCxnSpPr>
-          <p:cNvPr id="57" name="Gerade Verbindung 21">
-            <a:extLst>
-              <a:ext uri="{FF2B5EF4-FFF2-40B4-BE49-F238E27FC236}">
-                <a16:creationId xmlns:a16="http://schemas.microsoft.com/office/drawing/2014/main" id="{3F5162B1-6E9E-46E0-B0FF-E349DD33048E}"/>
-              </a:ext>
-            </a:extLst>
-          </p:cNvPr>
-          <p:cNvCxnSpPr>
-            <a:cxnSpLocks/>
-          </p:cNvCxnSpPr>
-          <p:nvPr/>
-        </p:nvCxnSpPr>
-        <p:spPr bwMode="auto">
-          <a:xfrm>
-            <a:off x="2181659" y="1205299"/>
-            <a:ext cx="0" cy="3370810"/>
-          </a:xfrm>
-          <a:prstGeom prst="line">
-            <a:avLst/>
-          </a:prstGeom>
-          <a:solidFill>
-            <a:srgbClr val="00802F"/>
-          </a:solidFill>
-          <a:ln w="8890" cap="flat" cmpd="sng" algn="ctr">
-            <a:solidFill>
-              <a:srgbClr val="818284"/>
-            </a:solidFill>
-            <a:prstDash val="solid"/>
-            <a:round/>
-            <a:headEnd type="none" w="med" len="med"/>
-            <a:tailEnd type="none" w="med" len="med"/>
-          </a:ln>
-          <a:effectLst/>
-        </p:spPr>
-      </p:cxnSp>
-      <p:cxnSp>
-        <p:nvCxnSpPr>
-          <p:cNvPr id="58" name="Gerade Verbindung 22">
-            <a:extLst>
-              <a:ext uri="{FF2B5EF4-FFF2-40B4-BE49-F238E27FC236}">
-                <a16:creationId xmlns:a16="http://schemas.microsoft.com/office/drawing/2014/main" id="{B854466A-DB07-4FA5-B42B-E82A234D0BAF}"/>
-              </a:ext>
-            </a:extLst>
-          </p:cNvPr>
-          <p:cNvCxnSpPr>
-            <a:cxnSpLocks/>
-          </p:cNvCxnSpPr>
-          <p:nvPr/>
-        </p:nvCxnSpPr>
-        <p:spPr bwMode="auto">
-          <a:xfrm>
-            <a:off x="3241031" y="1205299"/>
-            <a:ext cx="0" cy="3370810"/>
-          </a:xfrm>
-          <a:prstGeom prst="line">
-            <a:avLst/>
-          </a:prstGeom>
-          <a:solidFill>
-            <a:srgbClr val="00802F"/>
-          </a:solidFill>
-          <a:ln w="8890" cap="flat" cmpd="sng" algn="ctr">
-            <a:solidFill>
-              <a:srgbClr val="818284"/>
-            </a:solidFill>
-            <a:prstDash val="solid"/>
-            <a:round/>
-            <a:headEnd type="none" w="med" len="med"/>
-            <a:tailEnd type="none" w="med" len="med"/>
-          </a:ln>
-          <a:effectLst/>
-        </p:spPr>
-      </p:cxnSp>
-      <p:cxnSp>
-        <p:nvCxnSpPr>
-          <p:cNvPr id="59" name="Gerade Verbindung 23">
-            <a:extLst>
-              <a:ext uri="{FF2B5EF4-FFF2-40B4-BE49-F238E27FC236}">
-                <a16:creationId xmlns:a16="http://schemas.microsoft.com/office/drawing/2014/main" id="{CF88C2DE-BB31-404A-BD71-57F493C03C88}"/>
-              </a:ext>
-            </a:extLst>
-          </p:cNvPr>
-          <p:cNvCxnSpPr>
-            <a:cxnSpLocks/>
-          </p:cNvCxnSpPr>
-          <p:nvPr/>
-        </p:nvCxnSpPr>
-        <p:spPr bwMode="auto">
-          <a:xfrm>
-            <a:off x="4300403" y="1205299"/>
-            <a:ext cx="0" cy="3370810"/>
-          </a:xfrm>
-          <a:prstGeom prst="line">
-            <a:avLst/>
-          </a:prstGeom>
-          <a:solidFill>
-            <a:srgbClr val="00802F"/>
-          </a:solidFill>
-          <a:ln w="8890" cap="flat" cmpd="sng" algn="ctr">
-            <a:solidFill>
-              <a:srgbClr val="818284"/>
-            </a:solidFill>
-            <a:prstDash val="solid"/>
-            <a:round/>
-            <a:headEnd type="none" w="med" len="med"/>
-            <a:tailEnd type="none" w="med" len="med"/>
-          </a:ln>
-          <a:effectLst/>
-        </p:spPr>
-      </p:cxnSp>
-      <p:cxnSp>
-        <p:nvCxnSpPr>
-          <p:cNvPr id="60" name="Gerade Verbindung 24">
-            <a:extLst>
-              <a:ext uri="{FF2B5EF4-FFF2-40B4-BE49-F238E27FC236}">
-                <a16:creationId xmlns:a16="http://schemas.microsoft.com/office/drawing/2014/main" id="{17716BEB-411F-409B-952E-E981C6B57DE0}"/>
-              </a:ext>
-            </a:extLst>
-          </p:cNvPr>
-          <p:cNvCxnSpPr>
-            <a:cxnSpLocks/>
-          </p:cNvCxnSpPr>
-          <p:nvPr/>
-        </p:nvCxnSpPr>
-        <p:spPr bwMode="auto">
-          <a:xfrm>
-            <a:off x="5359774" y="1205299"/>
-            <a:ext cx="0" cy="3370810"/>
-          </a:xfrm>
-          <a:prstGeom prst="line">
-            <a:avLst/>
-          </a:prstGeom>
-          <a:solidFill>
-            <a:srgbClr val="00802F"/>
-          </a:solidFill>
-          <a:ln w="8890" cap="flat" cmpd="sng" algn="ctr">
-            <a:solidFill>
-              <a:srgbClr val="818284"/>
-            </a:solidFill>
-            <a:prstDash val="solid"/>
-            <a:round/>
-            <a:headEnd type="none" w="med" len="med"/>
-            <a:tailEnd type="none" w="med" len="med"/>
-          </a:ln>
-          <a:effectLst/>
-        </p:spPr>
-      </p:cxnSp>
-      <p:sp>
-        <p:nvSpPr>
-          <p:cNvPr id="61" name="Rechteck 60">
-            <a:extLst>
-              <a:ext uri="{FF2B5EF4-FFF2-40B4-BE49-F238E27FC236}">
-                <a16:creationId xmlns:a16="http://schemas.microsoft.com/office/drawing/2014/main" id="{6B253527-B896-4249-98BB-5E5C7FFF7156}"/>
-              </a:ext>
-            </a:extLst>
-          </p:cNvPr>
-          <p:cNvSpPr/>
-          <p:nvPr/>
-        </p:nvSpPr>
-        <p:spPr bwMode="auto">
-          <a:xfrm>
-            <a:off x="2257797" y="2073139"/>
-            <a:ext cx="914400" cy="547601"/>
-          </a:xfrm>
-          <a:prstGeom prst="rect">
-            <a:avLst/>
-          </a:prstGeom>
-          <a:solidFill>
-            <a:schemeClr val="accent1"/>
-          </a:solidFill>
-          <a:ln w="12700" cap="flat" cmpd="sng" algn="ctr">
-            <a:noFill/>
-            <a:prstDash val="solid"/>
-            <a:round/>
-            <a:headEnd type="none" w="med" len="med"/>
-            <a:tailEnd type="none" w="med" len="med"/>
-          </a:ln>
-          <a:effectLst/>
-        </p:spPr>
-        <p:txBody>
-          <a:bodyPr rot="0" spcFirstLastPara="0" vertOverflow="overflow" horzOverflow="overflow" vert="horz" wrap="square" lIns="64008" tIns="32004" rIns="64008" bIns="32004" numCol="1" spcCol="0" rtlCol="0" fromWordArt="0" anchor="ctr" anchorCtr="0" forceAA="0" compatLnSpc="1">
-            <a:prstTxWarp prst="textNoShape">
-              <a:avLst/>
-            </a:prstTxWarp>
-            <a:noAutofit/>
-          </a:bodyPr>
-          <a:lstStyle/>
-          <a:p>
-            <a:pPr marR="0" lvl="0" algn="ctr" defTabSz="785813" eaLnBrk="0" fontAlgn="base" latinLnBrk="0" hangingPunct="0">
-              <a:lnSpc>
-                <a:spcPct val="100000"/>
-              </a:lnSpc>
-              <a:spcBef>
-                <a:spcPct val="0"/>
-              </a:spcBef>
-              <a:spcAft>
-                <a:spcPct val="0"/>
-              </a:spcAft>
-              <a:buClrTx/>
-              <a:buSzTx/>
-              <a:buFontTx/>
-              <a:buNone/>
-              <a:tabLst/>
-              <a:defRPr/>
-            </a:pPr>
-            <a:r>
-              <a:rPr kumimoji="0" lang="en-US" sz="980" b="1" i="0" u="none" strike="noStrike" kern="0" cap="none" spc="0" normalizeH="0" baseline="0" noProof="0" dirty="0">
-                <a:ln>
-                  <a:noFill/>
-                </a:ln>
-                <a:solidFill>
-                  <a:srgbClr val="FFFFFF"/>
-                </a:solidFill>
-                <a:effectLst/>
-                <a:uLnTx/>
-                <a:uFillTx/>
-                <a:latin typeface="Arial"/>
-              </a:rPr>
-              <a:t>Guided Exercise</a:t>
-            </a:r>
-            <a:br>
-              <a:rPr kumimoji="0" lang="en-US" sz="980" b="0" i="0" u="none" strike="noStrike" kern="0" cap="none" spc="0" normalizeH="0" baseline="0" noProof="0" dirty="0">
-                <a:ln>
-                  <a:noFill/>
-                </a:ln>
-                <a:solidFill>
-                  <a:srgbClr val="FFFFFF"/>
-                </a:solidFill>
-                <a:effectLst/>
-                <a:uLnTx/>
-                <a:uFillTx/>
-                <a:latin typeface="Arial"/>
-              </a:rPr>
-            </a:br>
-            <a:r>
-              <a:rPr kumimoji="0" lang="en-US" sz="630" b="0" i="0" u="none" strike="noStrike" kern="0" cap="none" spc="0" normalizeH="0" baseline="0" noProof="0" dirty="0">
-                <a:ln>
-                  <a:noFill/>
-                </a:ln>
-                <a:solidFill>
-                  <a:srgbClr val="FFFFFF"/>
-                </a:solidFill>
-                <a:effectLst/>
-                <a:uLnTx/>
-                <a:uFillTx/>
-                <a:latin typeface="Arial"/>
-              </a:rPr>
-              <a:t>frontal with interaction</a:t>
-            </a:r>
-          </a:p>
-        </p:txBody>
-      </p:sp>
-      <p:sp>
-        <p:nvSpPr>
-          <p:cNvPr id="62" name="Rechteck 61">
-            <a:extLst>
-              <a:ext uri="{FF2B5EF4-FFF2-40B4-BE49-F238E27FC236}">
-                <a16:creationId xmlns:a16="http://schemas.microsoft.com/office/drawing/2014/main" id="{3C37652C-F8CE-40A4-A3DE-0DAA6425B970}"/>
-              </a:ext>
-            </a:extLst>
-          </p:cNvPr>
-          <p:cNvSpPr/>
-          <p:nvPr/>
-        </p:nvSpPr>
-        <p:spPr bwMode="auto">
-          <a:xfrm>
-            <a:off x="2257796" y="2710247"/>
-            <a:ext cx="914400" cy="547601"/>
-          </a:xfrm>
-          <a:prstGeom prst="rect">
-            <a:avLst/>
-          </a:prstGeom>
-          <a:solidFill>
-            <a:schemeClr val="accent3"/>
-          </a:solidFill>
-          <a:ln w="12700" cap="flat" cmpd="sng" algn="ctr">
-            <a:noFill/>
-            <a:prstDash val="solid"/>
-            <a:round/>
-            <a:headEnd type="none" w="med" len="med"/>
-            <a:tailEnd type="none" w="med" len="med"/>
-          </a:ln>
-          <a:effectLst/>
-        </p:spPr>
-        <p:txBody>
-          <a:bodyPr rot="0" spcFirstLastPara="0" vertOverflow="overflow" horzOverflow="overflow" vert="horz" wrap="square" lIns="64008" tIns="32004" rIns="64008" bIns="32004" numCol="1" spcCol="0" rtlCol="0" fromWordArt="0" anchor="ctr" anchorCtr="0" forceAA="0" compatLnSpc="1">
-            <a:prstTxWarp prst="textNoShape">
-              <a:avLst/>
-            </a:prstTxWarp>
-            <a:noAutofit/>
-          </a:bodyPr>
-          <a:lstStyle/>
-          <a:p>
-            <a:pPr marR="0" lvl="0" algn="ctr" defTabSz="785813" eaLnBrk="0" fontAlgn="base" latinLnBrk="0" hangingPunct="0">
-              <a:lnSpc>
-                <a:spcPct val="100000"/>
-              </a:lnSpc>
-              <a:spcBef>
-                <a:spcPct val="0"/>
-              </a:spcBef>
-              <a:spcAft>
-                <a:spcPct val="0"/>
-              </a:spcAft>
-              <a:buClrTx/>
-              <a:buSzTx/>
-              <a:buFontTx/>
-              <a:buNone/>
-              <a:tabLst/>
-              <a:defRPr/>
-            </a:pPr>
-            <a:r>
-              <a:rPr kumimoji="0" lang="en-US" sz="980" b="1" i="0" u="none" strike="noStrike" kern="0" cap="none" spc="0" normalizeH="0" baseline="0" noProof="0" dirty="0">
-                <a:ln>
-                  <a:noFill/>
-                </a:ln>
-                <a:solidFill>
-                  <a:srgbClr val="FFFFFF"/>
-                </a:solidFill>
-                <a:effectLst/>
-                <a:uLnTx/>
-                <a:uFillTx/>
-                <a:latin typeface="Arial"/>
-              </a:rPr>
-              <a:t>Exercise</a:t>
-            </a:r>
-          </a:p>
-          <a:p>
-            <a:pPr marR="0" lvl="0" algn="ctr" defTabSz="785813" eaLnBrk="0" fontAlgn="base" latinLnBrk="0" hangingPunct="0">
-              <a:lnSpc>
-                <a:spcPct val="100000"/>
-              </a:lnSpc>
-              <a:spcBef>
-                <a:spcPct val="0"/>
-              </a:spcBef>
-              <a:spcAft>
-                <a:spcPct val="0"/>
-              </a:spcAft>
-              <a:buClrTx/>
-              <a:buSzTx/>
-              <a:buFontTx/>
-              <a:buNone/>
-              <a:tabLst/>
-              <a:defRPr/>
-            </a:pPr>
-            <a:r>
-              <a:rPr kumimoji="0" lang="en-US" sz="630" b="0" i="0" u="none" strike="noStrike" kern="0" cap="none" spc="0" normalizeH="0" baseline="0" noProof="0" dirty="0">
-                <a:ln>
-                  <a:noFill/>
-                </a:ln>
-                <a:solidFill>
-                  <a:srgbClr val="FFFFFF"/>
-                </a:solidFill>
-                <a:effectLst/>
-                <a:uLnTx/>
-                <a:uFillTx/>
-                <a:latin typeface="Arial"/>
-              </a:rPr>
-              <a:t>in (smaller) groups</a:t>
-            </a:r>
-          </a:p>
-        </p:txBody>
-      </p:sp>
-      <p:sp>
-        <p:nvSpPr>
-          <p:cNvPr id="63" name="Rechteck 62">
-            <a:extLst>
-              <a:ext uri="{FF2B5EF4-FFF2-40B4-BE49-F238E27FC236}">
-                <a16:creationId xmlns:a16="http://schemas.microsoft.com/office/drawing/2014/main" id="{BCF06E7B-4D22-4AC7-BEC0-A735121588C9}"/>
-              </a:ext>
-            </a:extLst>
-          </p:cNvPr>
-          <p:cNvSpPr/>
-          <p:nvPr/>
-        </p:nvSpPr>
-        <p:spPr bwMode="auto">
-          <a:xfrm>
-            <a:off x="7630937" y="1480808"/>
-            <a:ext cx="351363" cy="161600"/>
-          </a:xfrm>
-          <a:prstGeom prst="rect">
-            <a:avLst/>
-          </a:prstGeom>
-          <a:solidFill>
-            <a:schemeClr val="accent4"/>
-          </a:solidFill>
-          <a:ln w="12700" cap="flat" cmpd="sng" algn="ctr">
-            <a:noFill/>
-            <a:prstDash val="solid"/>
-            <a:round/>
-            <a:headEnd type="none" w="med" len="med"/>
-            <a:tailEnd type="none" w="med" len="med"/>
-          </a:ln>
-          <a:effectLst/>
-        </p:spPr>
-        <p:txBody>
-          <a:bodyPr rot="0" spcFirstLastPara="0" vertOverflow="overflow" horzOverflow="overflow" vert="horz" wrap="square" lIns="0" tIns="0" rIns="0" bIns="0" numCol="1" spcCol="0" rtlCol="0" fromWordArt="0" anchor="ctr" anchorCtr="0" forceAA="0" compatLnSpc="1">
-            <a:prstTxWarp prst="textNoShape">
-              <a:avLst/>
-            </a:prstTxWarp>
-            <a:noAutofit/>
-          </a:bodyPr>
-          <a:lstStyle/>
-          <a:p>
-            <a:pPr marR="0" lvl="0" algn="ctr" defTabSz="785813" eaLnBrk="0" fontAlgn="base" latinLnBrk="0" hangingPunct="0">
-              <a:lnSpc>
-                <a:spcPct val="100000"/>
-              </a:lnSpc>
-              <a:spcBef>
-                <a:spcPct val="0"/>
-              </a:spcBef>
-              <a:spcAft>
-                <a:spcPct val="0"/>
-              </a:spcAft>
-              <a:buClrTx/>
-              <a:buSzTx/>
-              <a:buFontTx/>
-              <a:buNone/>
-              <a:tabLst/>
-              <a:defRPr/>
-            </a:pPr>
-            <a:r>
-              <a:rPr kumimoji="0" lang="en-US" sz="630" b="1" i="0" u="none" strike="noStrike" kern="0" cap="none" spc="0" normalizeH="0" baseline="0" noProof="0" dirty="0">
-                <a:ln>
-                  <a:noFill/>
-                </a:ln>
-                <a:solidFill>
-                  <a:srgbClr val="FFFFFF"/>
-                </a:solidFill>
-                <a:effectLst/>
-                <a:uLnTx/>
-                <a:uFillTx/>
-                <a:latin typeface="Arial"/>
-              </a:rPr>
-              <a:t>Quiz*</a:t>
-            </a:r>
-          </a:p>
-        </p:txBody>
-      </p:sp>
-      <p:sp>
-        <p:nvSpPr>
-          <p:cNvPr id="64" name="Rechteck 63">
-            <a:extLst>
-              <a:ext uri="{FF2B5EF4-FFF2-40B4-BE49-F238E27FC236}">
-                <a16:creationId xmlns:a16="http://schemas.microsoft.com/office/drawing/2014/main" id="{7662128E-83C4-45E4-997D-997528EBD0EB}"/>
-              </a:ext>
-            </a:extLst>
-          </p:cNvPr>
-          <p:cNvSpPr/>
-          <p:nvPr/>
-        </p:nvSpPr>
-        <p:spPr bwMode="auto">
-          <a:xfrm>
-            <a:off x="4375528" y="4035250"/>
-            <a:ext cx="914400" cy="498380"/>
-          </a:xfrm>
-          <a:prstGeom prst="rect">
-            <a:avLst/>
-          </a:prstGeom>
-          <a:solidFill>
-            <a:schemeClr val="accent2"/>
-          </a:solidFill>
-          <a:ln w="12700" cap="flat" cmpd="sng" algn="ctr">
-            <a:noFill/>
-            <a:prstDash val="solid"/>
-            <a:round/>
-            <a:headEnd type="none" w="med" len="med"/>
-            <a:tailEnd type="none" w="med" len="med"/>
-          </a:ln>
-          <a:effectLst/>
-        </p:spPr>
-        <p:txBody>
-          <a:bodyPr rot="0" spcFirstLastPara="0" vertOverflow="overflow" horzOverflow="overflow" vert="horz" wrap="square" lIns="64008" tIns="32004" rIns="64008" bIns="32004" numCol="1" spcCol="0" rtlCol="0" fromWordArt="0" anchor="ctr" anchorCtr="0" forceAA="0" compatLnSpc="1">
-            <a:prstTxWarp prst="textNoShape">
-              <a:avLst/>
-            </a:prstTxWarp>
-            <a:noAutofit/>
-          </a:bodyPr>
-          <a:lstStyle/>
-          <a:p>
-            <a:pPr marR="0" lvl="0" algn="ctr" defTabSz="785813" eaLnBrk="0" fontAlgn="base" latinLnBrk="0" hangingPunct="0">
-              <a:lnSpc>
-                <a:spcPct val="100000"/>
-              </a:lnSpc>
-              <a:spcBef>
-                <a:spcPct val="0"/>
-              </a:spcBef>
-              <a:spcAft>
-                <a:spcPct val="0"/>
-              </a:spcAft>
-              <a:buClrTx/>
-              <a:buSzTx/>
-              <a:buFontTx/>
-              <a:buNone/>
-              <a:tabLst/>
-              <a:defRPr/>
-            </a:pPr>
-            <a:r>
-              <a:rPr kumimoji="0" lang="en-US" sz="630" b="0" i="0" u="none" strike="noStrike" kern="0" cap="none" spc="0" normalizeH="0" baseline="0" noProof="0" dirty="0">
-                <a:ln>
-                  <a:noFill/>
-                </a:ln>
-                <a:effectLst/>
-                <a:uLnTx/>
-                <a:uFillTx/>
-                <a:latin typeface="Arial"/>
-              </a:rPr>
-              <a:t>optional</a:t>
-            </a:r>
-          </a:p>
-          <a:p>
-            <a:pPr marR="0" lvl="0" algn="ctr" defTabSz="785813" eaLnBrk="0" fontAlgn="base" latinLnBrk="0" hangingPunct="0">
-              <a:lnSpc>
-                <a:spcPct val="100000"/>
-              </a:lnSpc>
-              <a:spcBef>
-                <a:spcPct val="0"/>
-              </a:spcBef>
-              <a:spcAft>
-                <a:spcPct val="0"/>
-              </a:spcAft>
-              <a:buClrTx/>
-              <a:buSzTx/>
-              <a:buFontTx/>
-              <a:buNone/>
-              <a:tabLst/>
-              <a:defRPr/>
-            </a:pPr>
-            <a:r>
-              <a:rPr kumimoji="0" lang="en-US" sz="980" b="1" i="0" u="none" strike="noStrike" kern="0" cap="none" spc="0" normalizeH="0" baseline="0" noProof="0" dirty="0">
-                <a:ln>
-                  <a:noFill/>
-                </a:ln>
-                <a:effectLst/>
-                <a:uLnTx/>
-                <a:uFillTx/>
-                <a:latin typeface="Arial"/>
-              </a:rPr>
-              <a:t>Coaching</a:t>
-            </a:r>
-          </a:p>
-        </p:txBody>
-      </p:sp>
-      <p:sp>
-        <p:nvSpPr>
-          <p:cNvPr id="65" name="Textfeld 64">
-            <a:extLst>
-              <a:ext uri="{FF2B5EF4-FFF2-40B4-BE49-F238E27FC236}">
-                <a16:creationId xmlns:a16="http://schemas.microsoft.com/office/drawing/2014/main" id="{1CBA6BF6-1708-421B-9C13-0011304C82F4}"/>
-              </a:ext>
-            </a:extLst>
-          </p:cNvPr>
-          <p:cNvSpPr txBox="1"/>
-          <p:nvPr/>
-        </p:nvSpPr>
-        <p:spPr>
-          <a:xfrm>
-            <a:off x="1122289" y="1142952"/>
-            <a:ext cx="1057934" cy="234883"/>
-          </a:xfrm>
-          <a:prstGeom prst="rect">
-            <a:avLst/>
-          </a:prstGeom>
-          <a:noFill/>
-        </p:spPr>
-        <p:txBody>
-          <a:bodyPr wrap="none" lIns="0" tIns="0" rIns="0" bIns="0" rtlCol="0" anchor="ctr">
-            <a:noAutofit/>
-          </a:bodyPr>
-          <a:lstStyle/>
-          <a:p>
-            <a:pPr algn="ctr" defTabSz="914400"/>
-            <a:r>
-              <a:rPr lang="en-US" sz="980" b="1" dirty="0">
-                <a:solidFill>
-                  <a:srgbClr val="818284"/>
-                </a:solidFill>
-                <a:latin typeface="Arial"/>
-              </a:rPr>
-              <a:t>Thursday</a:t>
-            </a:r>
-          </a:p>
-        </p:txBody>
-      </p:sp>
-      <p:sp>
-        <p:nvSpPr>
-          <p:cNvPr id="66" name="Textfeld 65">
-            <a:extLst>
-              <a:ext uri="{FF2B5EF4-FFF2-40B4-BE49-F238E27FC236}">
-                <a16:creationId xmlns:a16="http://schemas.microsoft.com/office/drawing/2014/main" id="{8E22255D-28A2-4AA7-A293-D7A29F5535C6}"/>
-              </a:ext>
-            </a:extLst>
-          </p:cNvPr>
-          <p:cNvSpPr txBox="1"/>
-          <p:nvPr/>
-        </p:nvSpPr>
-        <p:spPr>
-          <a:xfrm>
-            <a:off x="2180223" y="1140827"/>
-            <a:ext cx="1057934" cy="234883"/>
-          </a:xfrm>
-          <a:prstGeom prst="rect">
-            <a:avLst/>
-          </a:prstGeom>
-          <a:noFill/>
-        </p:spPr>
-        <p:txBody>
-          <a:bodyPr wrap="none" lIns="0" tIns="0" rIns="0" bIns="0" rtlCol="0" anchor="ctr">
-            <a:noAutofit/>
-          </a:bodyPr>
-          <a:lstStyle/>
-          <a:p>
-            <a:pPr algn="ctr" defTabSz="914400"/>
-            <a:r>
-              <a:rPr lang="en-US" sz="980" b="1" dirty="0">
-                <a:solidFill>
-                  <a:srgbClr val="818284"/>
-                </a:solidFill>
-                <a:latin typeface="Arial"/>
-              </a:rPr>
-              <a:t>Friday</a:t>
-            </a:r>
-          </a:p>
-        </p:txBody>
-      </p:sp>
-      <p:sp>
-        <p:nvSpPr>
-          <p:cNvPr id="67" name="Textfeld 66">
-            <a:extLst>
-              <a:ext uri="{FF2B5EF4-FFF2-40B4-BE49-F238E27FC236}">
-                <a16:creationId xmlns:a16="http://schemas.microsoft.com/office/drawing/2014/main" id="{D0F8B015-2AE3-4652-ADBF-E204C8C7C196}"/>
-              </a:ext>
-            </a:extLst>
-          </p:cNvPr>
-          <p:cNvSpPr txBox="1"/>
-          <p:nvPr/>
-        </p:nvSpPr>
-        <p:spPr>
-          <a:xfrm>
-            <a:off x="3238157" y="1142494"/>
-            <a:ext cx="1063683" cy="234883"/>
-          </a:xfrm>
-          <a:prstGeom prst="rect">
-            <a:avLst/>
-          </a:prstGeom>
-          <a:noFill/>
-        </p:spPr>
-        <p:txBody>
-          <a:bodyPr wrap="none" lIns="0" tIns="0" rIns="0" bIns="0" rtlCol="0" anchor="ctr">
-            <a:noAutofit/>
-          </a:bodyPr>
-          <a:lstStyle/>
-          <a:p>
-            <a:pPr algn="ctr" defTabSz="914400"/>
-            <a:r>
-              <a:rPr lang="en-US" sz="600" dirty="0">
-                <a:solidFill>
-                  <a:srgbClr val="818284"/>
-                </a:solidFill>
-                <a:latin typeface="Arial"/>
-              </a:rPr>
-              <a:t>weekend</a:t>
-            </a:r>
-            <a:br>
-              <a:rPr lang="en-US" sz="600" dirty="0">
-                <a:solidFill>
-                  <a:srgbClr val="818284"/>
-                </a:solidFill>
-                <a:latin typeface="Arial"/>
-              </a:rPr>
-            </a:br>
-            <a:r>
-              <a:rPr lang="en-US" sz="600" dirty="0">
-                <a:solidFill>
-                  <a:srgbClr val="818284"/>
-                </a:solidFill>
-                <a:latin typeface="Arial"/>
-              </a:rPr>
-              <a:t>(yeah…)</a:t>
-            </a:r>
-          </a:p>
-        </p:txBody>
-      </p:sp>
-      <p:sp>
-        <p:nvSpPr>
-          <p:cNvPr id="68" name="Textfeld 67">
-            <a:extLst>
-              <a:ext uri="{FF2B5EF4-FFF2-40B4-BE49-F238E27FC236}">
-                <a16:creationId xmlns:a16="http://schemas.microsoft.com/office/drawing/2014/main" id="{CB00179A-D360-438B-83AA-F65AF91183C1}"/>
-              </a:ext>
-            </a:extLst>
-          </p:cNvPr>
-          <p:cNvSpPr txBox="1"/>
-          <p:nvPr/>
-        </p:nvSpPr>
-        <p:spPr>
-          <a:xfrm>
-            <a:off x="4301840" y="1142952"/>
-            <a:ext cx="1056496" cy="234883"/>
-          </a:xfrm>
-          <a:prstGeom prst="rect">
-            <a:avLst/>
-          </a:prstGeom>
-          <a:noFill/>
-        </p:spPr>
-        <p:txBody>
-          <a:bodyPr wrap="none" lIns="0" tIns="0" rIns="0" bIns="0" rtlCol="0" anchor="ctr">
-            <a:noAutofit/>
-          </a:bodyPr>
-          <a:lstStyle/>
-          <a:p>
-            <a:pPr algn="ctr" defTabSz="914400"/>
-            <a:r>
-              <a:rPr lang="en-US" sz="980" b="1" dirty="0">
-                <a:solidFill>
-                  <a:srgbClr val="818284"/>
-                </a:solidFill>
-                <a:latin typeface="Arial"/>
-              </a:rPr>
-              <a:t>Monday</a:t>
-            </a:r>
-          </a:p>
-        </p:txBody>
-      </p:sp>
-      <p:sp>
-        <p:nvSpPr>
-          <p:cNvPr id="69" name="Textfeld 68">
-            <a:extLst>
-              <a:ext uri="{FF2B5EF4-FFF2-40B4-BE49-F238E27FC236}">
-                <a16:creationId xmlns:a16="http://schemas.microsoft.com/office/drawing/2014/main" id="{02BEECB6-F2D7-4E35-9A90-9F36213146CE}"/>
-              </a:ext>
-            </a:extLst>
-          </p:cNvPr>
-          <p:cNvSpPr txBox="1"/>
-          <p:nvPr/>
-        </p:nvSpPr>
-        <p:spPr>
-          <a:xfrm>
-            <a:off x="5358336" y="1142952"/>
-            <a:ext cx="1056495" cy="234883"/>
-          </a:xfrm>
-          <a:prstGeom prst="rect">
-            <a:avLst/>
-          </a:prstGeom>
-          <a:noFill/>
-        </p:spPr>
-        <p:txBody>
-          <a:bodyPr wrap="none" lIns="0" tIns="0" rIns="0" bIns="0" rtlCol="0" anchor="ctr">
-            <a:noAutofit/>
-          </a:bodyPr>
-          <a:lstStyle/>
-          <a:p>
-            <a:pPr algn="ctr" defTabSz="914400"/>
-            <a:r>
-              <a:rPr lang="en-US" sz="980" b="1" dirty="0">
-                <a:solidFill>
-                  <a:srgbClr val="818284"/>
-                </a:solidFill>
-                <a:latin typeface="Arial"/>
-              </a:rPr>
-              <a:t>Tuesday</a:t>
-            </a:r>
-          </a:p>
-        </p:txBody>
-      </p:sp>
-      <p:cxnSp>
-        <p:nvCxnSpPr>
-          <p:cNvPr id="71" name="Gewinkelte Verbindung 42">
-            <a:extLst>
-              <a:ext uri="{FF2B5EF4-FFF2-40B4-BE49-F238E27FC236}">
-                <a16:creationId xmlns:a16="http://schemas.microsoft.com/office/drawing/2014/main" id="{8517F573-90F9-453F-8A6F-2830C980A583}"/>
-              </a:ext>
-            </a:extLst>
-          </p:cNvPr>
-          <p:cNvCxnSpPr>
-            <a:cxnSpLocks/>
-            <a:stCxn id="49" idx="3"/>
-            <a:endCxn id="61" idx="0"/>
-          </p:cNvCxnSpPr>
-          <p:nvPr/>
-        </p:nvCxnSpPr>
-        <p:spPr bwMode="auto">
-          <a:xfrm>
-            <a:off x="2112827" y="2016428"/>
-            <a:ext cx="602170" cy="56711"/>
-          </a:xfrm>
-          <a:prstGeom prst="bentConnector2">
-            <a:avLst/>
-          </a:prstGeom>
-          <a:solidFill>
-            <a:srgbClr val="00802F"/>
-          </a:solidFill>
-          <a:ln w="15558" cap="flat" cmpd="sng" algn="ctr">
-            <a:solidFill>
-              <a:schemeClr val="accent4"/>
-            </a:solidFill>
-            <a:prstDash val="solid"/>
-            <a:round/>
-            <a:headEnd type="none" w="med" len="med"/>
-            <a:tailEnd type="none" w="med" len="med"/>
-          </a:ln>
-          <a:effectLst/>
-        </p:spPr>
-      </p:cxnSp>
-      <p:sp>
-        <p:nvSpPr>
-          <p:cNvPr id="72" name="Textfeld 71">
-            <a:extLst>
-              <a:ext uri="{FF2B5EF4-FFF2-40B4-BE49-F238E27FC236}">
-                <a16:creationId xmlns:a16="http://schemas.microsoft.com/office/drawing/2014/main" id="{85247F30-F80B-4E57-8800-DBE6C4FB451A}"/>
-              </a:ext>
-            </a:extLst>
-          </p:cNvPr>
-          <p:cNvSpPr txBox="1"/>
-          <p:nvPr/>
-        </p:nvSpPr>
-        <p:spPr>
-          <a:xfrm>
-            <a:off x="7402382" y="4349535"/>
-            <a:ext cx="1394761" cy="130390"/>
-          </a:xfrm>
-          <a:prstGeom prst="rect">
-            <a:avLst/>
-          </a:prstGeom>
-          <a:noFill/>
-        </p:spPr>
-        <p:txBody>
-          <a:bodyPr wrap="square" lIns="0" tIns="0" rIns="0" bIns="0" rtlCol="0" anchor="b">
-            <a:noAutofit/>
-          </a:bodyPr>
-          <a:lstStyle/>
-          <a:p>
-            <a:pPr algn="r" defTabSz="914400"/>
-            <a:r>
-              <a:rPr lang="en-US" sz="700" dirty="0">
-                <a:solidFill>
-                  <a:schemeClr val="accent4"/>
-                </a:solidFill>
-                <a:latin typeface="Arial"/>
-              </a:rPr>
-              <a:t>* 08:17-08:37, (mostly) graded</a:t>
-            </a:r>
-          </a:p>
-        </p:txBody>
-      </p:sp>
-      <p:sp>
-        <p:nvSpPr>
-          <p:cNvPr id="73" name="Rechteck 72">
-            <a:extLst>
-              <a:ext uri="{FF2B5EF4-FFF2-40B4-BE49-F238E27FC236}">
-                <a16:creationId xmlns:a16="http://schemas.microsoft.com/office/drawing/2014/main" id="{67E9E5E8-30F6-4E6A-B24E-1A0F78E8092C}"/>
-              </a:ext>
-            </a:extLst>
-          </p:cNvPr>
-          <p:cNvSpPr/>
-          <p:nvPr/>
-        </p:nvSpPr>
-        <p:spPr bwMode="auto">
-          <a:xfrm>
-            <a:off x="4325999" y="3348873"/>
-            <a:ext cx="1013459" cy="434147"/>
-          </a:xfrm>
-          <a:prstGeom prst="rect">
-            <a:avLst/>
-          </a:prstGeom>
-          <a:noFill/>
-          <a:ln w="8890" cap="flat" cmpd="sng" algn="ctr">
-            <a:solidFill>
-              <a:srgbClr val="818284"/>
-            </a:solidFill>
-            <a:prstDash val="solid"/>
-            <a:round/>
-            <a:headEnd type="none" w="med" len="med"/>
-            <a:tailEnd type="none" w="med" len="med"/>
-          </a:ln>
-          <a:effectLst/>
-          <a:extLst>
-            <a:ext uri="{909E8E84-426E-40DD-AFC4-6F175D3DCCD1}">
-              <a14:hiddenFill xmlns:a14="http://schemas.microsoft.com/office/drawing/2010/main">
-                <a:solidFill>
-                  <a:schemeClr val="bg2"/>
-                </a:solidFill>
-              </a14:hiddenFill>
-            </a:ext>
-          </a:extLst>
-        </p:spPr>
-        <p:txBody>
-          <a:bodyPr rot="0" spcFirstLastPara="0" vertOverflow="overflow" horzOverflow="overflow" vert="horz" wrap="square" lIns="0" tIns="0" rIns="0" bIns="0" numCol="1" spcCol="0" rtlCol="0" fromWordArt="0" anchor="ctr" anchorCtr="0" forceAA="0" compatLnSpc="1">
-            <a:prstTxWarp prst="textNoShape">
-              <a:avLst/>
-            </a:prstTxWarp>
-            <a:noAutofit/>
-          </a:bodyPr>
-          <a:lstStyle/>
-          <a:p>
-            <a:pPr marR="0" lvl="0" algn="ctr" defTabSz="785813" eaLnBrk="0" fontAlgn="base" latinLnBrk="0" hangingPunct="0">
-              <a:lnSpc>
-                <a:spcPct val="100000"/>
-              </a:lnSpc>
-              <a:spcBef>
-                <a:spcPct val="0"/>
-              </a:spcBef>
-              <a:spcAft>
-                <a:spcPct val="0"/>
-              </a:spcAft>
-              <a:buClrTx/>
-              <a:buSzTx/>
-              <a:buFontTx/>
-              <a:buNone/>
-              <a:tabLst/>
-              <a:defRPr/>
-            </a:pPr>
-            <a:r>
-              <a:rPr kumimoji="0" lang="en-US" sz="560" b="0" i="0" u="none" strike="noStrike" kern="0" cap="none" spc="0" normalizeH="0" baseline="0" noProof="0" dirty="0">
-                <a:ln>
-                  <a:noFill/>
-                </a:ln>
-                <a:solidFill>
-                  <a:srgbClr val="818284"/>
-                </a:solidFill>
-                <a:effectLst/>
-                <a:uLnTx/>
-                <a:uFillTx/>
-                <a:latin typeface="Arial"/>
-              </a:rPr>
-              <a:t>There is no presentation, but coaches will support you individually, with your relevant questions</a:t>
-            </a:r>
-          </a:p>
-        </p:txBody>
-      </p:sp>
-      <p:cxnSp>
-        <p:nvCxnSpPr>
-          <p:cNvPr id="74" name="Gerader Verbinder 73">
-            <a:extLst>
-              <a:ext uri="{FF2B5EF4-FFF2-40B4-BE49-F238E27FC236}">
-                <a16:creationId xmlns:a16="http://schemas.microsoft.com/office/drawing/2014/main" id="{A3098734-E048-4FD1-BA34-CFDCCDE5FFEB}"/>
-              </a:ext>
-            </a:extLst>
-          </p:cNvPr>
-          <p:cNvCxnSpPr>
-            <a:cxnSpLocks/>
-            <a:stCxn id="73" idx="2"/>
-            <a:endCxn id="64" idx="0"/>
-          </p:cNvCxnSpPr>
-          <p:nvPr/>
-        </p:nvCxnSpPr>
-        <p:spPr bwMode="auto">
-          <a:xfrm flipH="1">
-            <a:off x="4832728" y="3783020"/>
-            <a:ext cx="1" cy="252230"/>
-          </a:xfrm>
-          <a:prstGeom prst="line">
-            <a:avLst/>
-          </a:prstGeom>
-          <a:solidFill>
-            <a:srgbClr val="00802F"/>
-          </a:solidFill>
-          <a:ln w="8890" cap="flat" cmpd="sng" algn="ctr">
-            <a:solidFill>
-              <a:srgbClr val="818284"/>
-            </a:solidFill>
-            <a:prstDash val="sysDash"/>
-            <a:round/>
-            <a:headEnd type="none" w="med" len="med"/>
-            <a:tailEnd type="none" w="med" len="med"/>
-          </a:ln>
-          <a:effectLst/>
-        </p:spPr>
-      </p:cxnSp>
-      <p:sp>
-        <p:nvSpPr>
-          <p:cNvPr id="75" name="Rechteck 74">
-            <a:extLst>
-              <a:ext uri="{FF2B5EF4-FFF2-40B4-BE49-F238E27FC236}">
-                <a16:creationId xmlns:a16="http://schemas.microsoft.com/office/drawing/2014/main" id="{DB325014-1ADD-4CFC-9762-E6923FC58F94}"/>
-              </a:ext>
-            </a:extLst>
-          </p:cNvPr>
-          <p:cNvSpPr/>
-          <p:nvPr/>
-        </p:nvSpPr>
-        <p:spPr bwMode="auto">
-          <a:xfrm>
-            <a:off x="1648321" y="2506388"/>
-            <a:ext cx="506731" cy="131040"/>
-          </a:xfrm>
-          <a:prstGeom prst="rect">
-            <a:avLst/>
-          </a:prstGeom>
-          <a:solidFill>
-            <a:schemeClr val="accent2"/>
-          </a:solidFill>
-          <a:ln w="12700" cap="flat" cmpd="sng" algn="ctr">
-            <a:noFill/>
-            <a:prstDash val="solid"/>
-            <a:round/>
-            <a:headEnd type="none" w="med" len="med"/>
-            <a:tailEnd type="none" w="med" len="med"/>
-          </a:ln>
-          <a:effectLst/>
-        </p:spPr>
-        <p:txBody>
-          <a:bodyPr rot="0" spcFirstLastPara="0" vertOverflow="overflow" horzOverflow="overflow" vert="horz" wrap="square" lIns="0" tIns="0" rIns="0" bIns="0" numCol="1" spcCol="0" rtlCol="0" fromWordArt="0" anchor="ctr" anchorCtr="0" forceAA="0" compatLnSpc="1">
-            <a:prstTxWarp prst="textNoShape">
-              <a:avLst/>
-            </a:prstTxWarp>
-            <a:noAutofit/>
-          </a:bodyPr>
-          <a:lstStyle/>
-          <a:p>
-            <a:pPr marR="0" lvl="0" algn="ctr" defTabSz="785813" eaLnBrk="0" fontAlgn="base" latinLnBrk="0" hangingPunct="0">
-              <a:lnSpc>
-                <a:spcPct val="100000"/>
-              </a:lnSpc>
-              <a:spcBef>
-                <a:spcPct val="0"/>
-              </a:spcBef>
-              <a:spcAft>
-                <a:spcPct val="0"/>
-              </a:spcAft>
-              <a:buClrTx/>
-              <a:buSzTx/>
-              <a:buFontTx/>
-              <a:buNone/>
-              <a:tabLst/>
-              <a:defRPr/>
-            </a:pPr>
-            <a:r>
-              <a:rPr kumimoji="0" lang="en-US" sz="630" b="0" i="0" u="none" strike="noStrike" kern="0" cap="none" spc="0" normalizeH="0" baseline="0" noProof="0" dirty="0">
-                <a:ln>
-                  <a:noFill/>
-                </a:ln>
-                <a:effectLst/>
-                <a:uLnTx/>
-                <a:uFillTx/>
-                <a:latin typeface="Arial"/>
-              </a:rPr>
-              <a:t>Assignment</a:t>
-            </a:r>
-          </a:p>
-        </p:txBody>
-      </p:sp>
-      <p:sp>
-        <p:nvSpPr>
-          <p:cNvPr id="76" name="Textfeld 75">
-            <a:extLst>
-              <a:ext uri="{FF2B5EF4-FFF2-40B4-BE49-F238E27FC236}">
-                <a16:creationId xmlns:a16="http://schemas.microsoft.com/office/drawing/2014/main" id="{7EDBA38E-909C-43FB-8CD8-ACE95B1B1909}"/>
-              </a:ext>
-            </a:extLst>
-          </p:cNvPr>
-          <p:cNvSpPr txBox="1"/>
-          <p:nvPr/>
-        </p:nvSpPr>
-        <p:spPr>
-          <a:xfrm>
-            <a:off x="6423461" y="1142952"/>
-            <a:ext cx="1055056" cy="234883"/>
-          </a:xfrm>
-          <a:prstGeom prst="rect">
-            <a:avLst/>
-          </a:prstGeom>
-          <a:noFill/>
-        </p:spPr>
-        <p:txBody>
-          <a:bodyPr wrap="none" lIns="0" tIns="0" rIns="0" bIns="0" rtlCol="0" anchor="ctr">
-            <a:noAutofit/>
-          </a:bodyPr>
-          <a:lstStyle/>
-          <a:p>
-            <a:pPr algn="ctr" defTabSz="914400"/>
-            <a:r>
-              <a:rPr lang="en-US" sz="980" b="1" dirty="0">
-                <a:solidFill>
-                  <a:srgbClr val="818284"/>
-                </a:solidFill>
-                <a:latin typeface="Arial"/>
-              </a:rPr>
-              <a:t>Wednesday</a:t>
-            </a:r>
-          </a:p>
-        </p:txBody>
-      </p:sp>
-      <p:cxnSp>
-        <p:nvCxnSpPr>
-          <p:cNvPr id="77" name="Gerade Verbindung 24">
-            <a:extLst>
-              <a:ext uri="{FF2B5EF4-FFF2-40B4-BE49-F238E27FC236}">
-                <a16:creationId xmlns:a16="http://schemas.microsoft.com/office/drawing/2014/main" id="{C6B7B004-F1B4-45A9-B995-EFCCBACB9592}"/>
-              </a:ext>
-            </a:extLst>
-          </p:cNvPr>
-          <p:cNvCxnSpPr>
-            <a:cxnSpLocks/>
-          </p:cNvCxnSpPr>
-          <p:nvPr/>
-        </p:nvCxnSpPr>
-        <p:spPr bwMode="auto">
-          <a:xfrm>
-            <a:off x="6419146" y="1205299"/>
-            <a:ext cx="0" cy="3370810"/>
-          </a:xfrm>
-          <a:prstGeom prst="line">
-            <a:avLst/>
-          </a:prstGeom>
-          <a:solidFill>
-            <a:srgbClr val="00802F"/>
-          </a:solidFill>
-          <a:ln w="8890" cap="flat" cmpd="sng" algn="ctr">
-            <a:solidFill>
-              <a:srgbClr val="818284"/>
-            </a:solidFill>
-            <a:prstDash val="solid"/>
-            <a:round/>
-            <a:headEnd type="none" w="med" len="med"/>
-            <a:tailEnd type="none" w="med" len="med"/>
-          </a:ln>
-          <a:effectLst/>
-        </p:spPr>
-      </p:cxnSp>
-      <p:cxnSp>
-        <p:nvCxnSpPr>
-          <p:cNvPr id="78" name="Gerade Verbindung 24">
-            <a:extLst>
-              <a:ext uri="{FF2B5EF4-FFF2-40B4-BE49-F238E27FC236}">
-                <a16:creationId xmlns:a16="http://schemas.microsoft.com/office/drawing/2014/main" id="{51C6D6D4-1468-4722-9B91-290CE6C692C1}"/>
-              </a:ext>
-            </a:extLst>
-          </p:cNvPr>
-          <p:cNvCxnSpPr>
-            <a:cxnSpLocks/>
-          </p:cNvCxnSpPr>
-          <p:nvPr/>
-        </p:nvCxnSpPr>
-        <p:spPr bwMode="auto">
-          <a:xfrm>
-            <a:off x="7478520" y="1205299"/>
-            <a:ext cx="0" cy="3370810"/>
-          </a:xfrm>
-          <a:prstGeom prst="line">
-            <a:avLst/>
-          </a:prstGeom>
-          <a:solidFill>
-            <a:srgbClr val="00802F"/>
-          </a:solidFill>
-          <a:ln w="8890" cap="flat" cmpd="sng" algn="ctr">
-            <a:solidFill>
-              <a:srgbClr val="818284"/>
-            </a:solidFill>
-            <a:prstDash val="solid"/>
-            <a:round/>
-            <a:headEnd type="none" w="med" len="med"/>
-            <a:tailEnd type="none" w="med" len="med"/>
-          </a:ln>
-          <a:effectLst/>
-        </p:spPr>
-      </p:cxnSp>
-      <p:cxnSp>
-        <p:nvCxnSpPr>
-          <p:cNvPr id="79" name="Gerade Verbindung mit Pfeil 69">
-            <a:extLst>
-              <a:ext uri="{FF2B5EF4-FFF2-40B4-BE49-F238E27FC236}">
-                <a16:creationId xmlns:a16="http://schemas.microsoft.com/office/drawing/2014/main" id="{8EF04FD7-47CF-4FF8-8443-8C076F3F97FD}"/>
-              </a:ext>
-            </a:extLst>
-          </p:cNvPr>
-          <p:cNvCxnSpPr>
-            <a:cxnSpLocks/>
-            <a:stCxn id="62" idx="2"/>
-            <a:endCxn id="64" idx="1"/>
-          </p:cNvCxnSpPr>
-          <p:nvPr/>
-        </p:nvCxnSpPr>
-        <p:spPr bwMode="auto">
-          <a:xfrm rot="16200000" flipH="1">
-            <a:off x="3031966" y="2940878"/>
-            <a:ext cx="1026592" cy="1660532"/>
-          </a:xfrm>
-          <a:prstGeom prst="bentConnector2">
-            <a:avLst/>
-          </a:prstGeom>
-          <a:solidFill>
-            <a:srgbClr val="00802F"/>
-          </a:solidFill>
-          <a:ln w="15558" cap="flat" cmpd="sng" algn="ctr">
-            <a:solidFill>
-              <a:schemeClr val="accent4"/>
-            </a:solidFill>
-            <a:prstDash val="sysDash"/>
-            <a:round/>
-            <a:headEnd type="none" w="med" len="med"/>
-            <a:tailEnd type="none" w="med" len="med"/>
-          </a:ln>
-          <a:effectLst/>
-        </p:spPr>
-      </p:cxnSp>
-      <p:cxnSp>
-        <p:nvCxnSpPr>
-          <p:cNvPr id="80" name="Gerade Verbindung mit Pfeil 69">
-            <a:extLst>
-              <a:ext uri="{FF2B5EF4-FFF2-40B4-BE49-F238E27FC236}">
-                <a16:creationId xmlns:a16="http://schemas.microsoft.com/office/drawing/2014/main" id="{B5A3530C-A967-4754-A1C6-F42F80DECC49}"/>
-              </a:ext>
-            </a:extLst>
-          </p:cNvPr>
-          <p:cNvCxnSpPr>
-            <a:cxnSpLocks/>
-            <a:stCxn id="64" idx="3"/>
-            <a:endCxn id="63" idx="1"/>
-          </p:cNvCxnSpPr>
-          <p:nvPr/>
-        </p:nvCxnSpPr>
-        <p:spPr bwMode="auto">
-          <a:xfrm flipV="1">
-            <a:off x="5289928" y="1561608"/>
-            <a:ext cx="2341009" cy="2722832"/>
-          </a:xfrm>
-          <a:prstGeom prst="bentConnector3">
-            <a:avLst>
-              <a:gd name="adj1" fmla="val 59995"/>
-            </a:avLst>
-          </a:prstGeom>
-          <a:solidFill>
-            <a:srgbClr val="00802F"/>
-          </a:solidFill>
-          <a:ln w="15558" cap="flat" cmpd="sng" algn="ctr">
-            <a:solidFill>
-              <a:schemeClr val="accent4"/>
-            </a:solidFill>
-            <a:prstDash val="sysDash"/>
-            <a:round/>
-            <a:headEnd type="none" w="med" len="med"/>
-            <a:tailEnd type="none" w="med" len="med"/>
-          </a:ln>
-          <a:effectLst/>
-        </p:spPr>
-      </p:cxnSp>
-      <p:sp>
-        <p:nvSpPr>
-          <p:cNvPr id="81" name="Textfeld 80">
-            <a:extLst>
-              <a:ext uri="{FF2B5EF4-FFF2-40B4-BE49-F238E27FC236}">
-                <a16:creationId xmlns:a16="http://schemas.microsoft.com/office/drawing/2014/main" id="{E0DA24BA-0AA9-4AD8-94CC-A1805D85856A}"/>
-              </a:ext>
-            </a:extLst>
-          </p:cNvPr>
-          <p:cNvSpPr txBox="1"/>
-          <p:nvPr/>
-        </p:nvSpPr>
-        <p:spPr>
-          <a:xfrm>
-            <a:off x="7478518" y="1142952"/>
-            <a:ext cx="945393" cy="234883"/>
-          </a:xfrm>
-          <a:prstGeom prst="rect">
-            <a:avLst/>
-          </a:prstGeom>
-          <a:noFill/>
-        </p:spPr>
-        <p:txBody>
-          <a:bodyPr wrap="none" lIns="0" tIns="0" rIns="0" bIns="0" rtlCol="0" anchor="ctr">
-            <a:noAutofit/>
-          </a:bodyPr>
-          <a:lstStyle/>
-          <a:p>
-            <a:pPr algn="ctr" defTabSz="914400"/>
-            <a:r>
-              <a:rPr lang="en-US" sz="980" b="1" dirty="0">
-                <a:solidFill>
-                  <a:srgbClr val="818284"/>
-                </a:solidFill>
-                <a:latin typeface="Arial"/>
-              </a:rPr>
-              <a:t>Thursday</a:t>
-            </a:r>
-          </a:p>
-        </p:txBody>
-      </p:sp>
-      <p:sp>
-        <p:nvSpPr>
-          <p:cNvPr id="8" name="Sprechblase: oval 7">
-            <a:extLst>
-              <a:ext uri="{FF2B5EF4-FFF2-40B4-BE49-F238E27FC236}">
-                <a16:creationId xmlns:a16="http://schemas.microsoft.com/office/drawing/2014/main" id="{029ABE2B-2AF8-1ED5-B85A-181E555521D8}"/>
-              </a:ext>
-            </a:extLst>
-          </p:cNvPr>
-          <p:cNvSpPr/>
-          <p:nvPr/>
-        </p:nvSpPr>
-        <p:spPr>
-          <a:xfrm>
-            <a:off x="4552970" y="376238"/>
-            <a:ext cx="1647366" cy="378764"/>
-          </a:xfrm>
-          <a:prstGeom prst="wedgeEllipseCallout">
-            <a:avLst>
-              <a:gd name="adj1" fmla="val -140177"/>
-              <a:gd name="adj2" fmla="val 598895"/>
-            </a:avLst>
-          </a:prstGeom>
-          <a:solidFill>
-            <a:schemeClr val="accent4"/>
-          </a:solidFill>
-          <a:ln w="12700" cap="flat" cmpd="sng" algn="ctr">
-            <a:solidFill>
-              <a:srgbClr val="808080"/>
+              <a:schemeClr val="tx1"/>
             </a:solidFill>
             <a:prstDash val="solid"/>
             <a:miter lim="800000"/>
@@ -18123,9 +15065,79 @@
           <a:p>
             <a:pPr algn="ctr"/>
             <a:r>
-              <a:rPr lang="en-US" dirty="0"/>
+              <a:rPr lang="en-US" dirty="0">
+                <a:solidFill>
+                  <a:schemeClr val="tx1"/>
+                </a:solidFill>
+              </a:rPr>
               <a:t>We are here.</a:t>
             </a:r>
+          </a:p>
+        </p:txBody>
+      </p:sp>
+      <p:sp>
+        <p:nvSpPr>
+          <p:cNvPr id="7" name="Rectangle 6">
+            <a:extLst>
+              <a:ext uri="{FF2B5EF4-FFF2-40B4-BE49-F238E27FC236}">
+                <a16:creationId xmlns:a16="http://schemas.microsoft.com/office/drawing/2014/main" id="{204B8EAA-5C64-0887-06A4-1160C8BC387C}"/>
+              </a:ext>
+            </a:extLst>
+          </p:cNvPr>
+          <p:cNvSpPr/>
+          <p:nvPr/>
+        </p:nvSpPr>
+        <p:spPr>
+          <a:xfrm>
+            <a:off x="5360531" y="3176337"/>
+            <a:ext cx="1028612" cy="547270"/>
+          </a:xfrm>
+          <a:prstGeom prst="rect">
+            <a:avLst/>
+          </a:prstGeom>
+          <a:solidFill>
+            <a:srgbClr val="EB6969"/>
+          </a:solidFill>
+          <a:ln>
+            <a:solidFill>
+              <a:srgbClr val="EB6969"/>
+            </a:solidFill>
+          </a:ln>
+        </p:spPr>
+        <p:style>
+          <a:lnRef idx="2">
+            <a:schemeClr val="accent1">
+              <a:shade val="50000"/>
+            </a:schemeClr>
+          </a:lnRef>
+          <a:fillRef idx="1">
+            <a:schemeClr val="accent1"/>
+          </a:fillRef>
+          <a:effectRef idx="0">
+            <a:schemeClr val="accent1"/>
+          </a:effectRef>
+          <a:fontRef idx="minor">
+            <a:schemeClr val="lt1"/>
+          </a:fontRef>
+        </p:style>
+        <p:txBody>
+          <a:bodyPr rtlCol="0" anchor="ctr"/>
+          <a:lstStyle/>
+          <a:p>
+            <a:pPr algn="ctr"/>
+            <a:r>
+              <a:rPr lang="de-CH" sz="1000" b="1" dirty="0">
+                <a:solidFill>
+                  <a:schemeClr val="tx1"/>
+                </a:solidFill>
+              </a:rPr>
+              <a:t>Virtual Office Hour (15-16)</a:t>
+            </a:r>
+            <a:endParaRPr lang="en-GB" sz="1000" b="1" dirty="0">
+              <a:solidFill>
+                <a:schemeClr val="tx1"/>
+              </a:solidFill>
+            </a:endParaRPr>
           </a:p>
         </p:txBody>
       </p:sp>
@@ -18161,10 +15173,10 @@
       </p:grpSpPr>
       <p:sp>
         <p:nvSpPr>
-          <p:cNvPr id="2" name="Titel 1">
-            <a:extLst>
-              <a:ext uri="{FF2B5EF4-FFF2-40B4-BE49-F238E27FC236}">
-                <a16:creationId xmlns:a16="http://schemas.microsoft.com/office/drawing/2014/main" id="{12C68583-740F-2E2C-B3B0-EA3708098CAC}"/>
+          <p:cNvPr id="3" name="Titel 2">
+            <a:extLst>
+              <a:ext uri="{FF2B5EF4-FFF2-40B4-BE49-F238E27FC236}">
+                <a16:creationId xmlns:a16="http://schemas.microsoft.com/office/drawing/2014/main" id="{FE3BA84A-E2E7-6142-9CC1-17BA5D2765A0}"/>
               </a:ext>
             </a:extLst>
           </p:cNvPr>
@@ -18182,25 +15194,25 @@
           <a:p>
             <a:r>
               <a:rPr lang="en-US" dirty="0"/>
-              <a:t>What is the general idea of the exercises?</a:t>
-            </a:r>
-          </a:p>
-        </p:txBody>
-      </p:sp>
-      <p:sp>
-        <p:nvSpPr>
-          <p:cNvPr id="6" name="Inhaltsplatzhalter 5">
-            <a:extLst>
-              <a:ext uri="{FF2B5EF4-FFF2-40B4-BE49-F238E27FC236}">
-                <a16:creationId xmlns:a16="http://schemas.microsoft.com/office/drawing/2014/main" id="{2C86CC65-00F7-0E50-4FE4-E9E74D6FB8FB}"/>
-              </a:ext>
-            </a:extLst>
-          </p:cNvPr>
-          <p:cNvSpPr>
-            <a:spLocks noGrp="1"/>
-          </p:cNvSpPr>
-          <p:nvPr>
-            <p:ph idx="1"/>
+              <a:t>What is graded?</a:t>
+            </a:r>
+          </a:p>
+        </p:txBody>
+      </p:sp>
+      <p:sp>
+        <p:nvSpPr>
+          <p:cNvPr id="6" name="Foliennummernplatzhalter 5">
+            <a:extLst>
+              <a:ext uri="{FF2B5EF4-FFF2-40B4-BE49-F238E27FC236}">
+                <a16:creationId xmlns:a16="http://schemas.microsoft.com/office/drawing/2014/main" id="{7F9114CC-7A07-354B-8665-B21DC223C4D1}"/>
+              </a:ext>
+            </a:extLst>
+          </p:cNvPr>
+          <p:cNvSpPr>
+            <a:spLocks noGrp="1"/>
+          </p:cNvSpPr>
+          <p:nvPr>
+            <p:ph type="sldNum" sz="quarter" idx="12"/>
           </p:nvPr>
         </p:nvSpPr>
         <p:spPr/>
@@ -18208,185 +15220,21 @@
           <a:bodyPr/>
           <a:lstStyle/>
           <a:p>
-            <a:pPr marL="285750" indent="-285750">
-              <a:buFont typeface="Symbol" panose="05050102010706020507" pitchFamily="18" charset="2"/>
-              <a:buChar char="-"/>
-            </a:pPr>
-            <a:r>
-              <a:rPr lang="en-US" dirty="0"/>
-              <a:t>Computer science </a:t>
-            </a:r>
-            <a:r>
-              <a:rPr lang="en-US" b="1" dirty="0"/>
-              <a:t>implementation competence </a:t>
-            </a:r>
-            <a:r>
-              <a:rPr lang="en-US" dirty="0"/>
-              <a:t>cannot be achieved through frontal teaching only</a:t>
-            </a:r>
-          </a:p>
-          <a:p>
-            <a:pPr marL="285750" indent="-285750">
-              <a:buFont typeface="Symbol" panose="05050102010706020507" pitchFamily="18" charset="2"/>
-              <a:buChar char="-"/>
-            </a:pPr>
-            <a:r>
-              <a:rPr lang="en-US" dirty="0"/>
-              <a:t>Similar to learning an instrument, it is necessary that we </a:t>
-            </a:r>
-            <a:r>
-              <a:rPr lang="en-US" b="1" dirty="0"/>
-              <a:t>actively practice</a:t>
-            </a:r>
-          </a:p>
-          <a:p>
-            <a:pPr marL="285750" indent="-285750">
-              <a:buFont typeface="Symbol" panose="05050102010706020507" pitchFamily="18" charset="2"/>
-              <a:buChar char="-"/>
-            </a:pPr>
-            <a:r>
-              <a:rPr lang="en-US" dirty="0"/>
-              <a:t>To guide practicing, we have </a:t>
-            </a:r>
-            <a:r>
-              <a:rPr lang="en-US" b="1" dirty="0"/>
-              <a:t>weekly assignments</a:t>
-            </a:r>
-            <a:r>
-              <a:rPr lang="en-US" dirty="0"/>
-              <a:t> (and their assessments, i.e., the quizzes)</a:t>
-            </a:r>
-          </a:p>
-          <a:p>
-            <a:pPr marL="285750" indent="-285750">
-              <a:buFont typeface="Symbol" panose="05050102010706020507" pitchFamily="18" charset="2"/>
-              <a:buChar char="-"/>
-            </a:pPr>
-            <a:endParaRPr lang="en-US" dirty="0"/>
-          </a:p>
-          <a:p>
-            <a:pPr marL="285750" indent="-285750">
-              <a:buFont typeface="Symbol" panose="05050102010706020507" pitchFamily="18" charset="2"/>
-              <a:buChar char="-"/>
-            </a:pPr>
-            <a:r>
-              <a:rPr lang="en-US" dirty="0"/>
-              <a:t>In the weekly exercises we</a:t>
-            </a:r>
-          </a:p>
-          <a:p>
-            <a:pPr marL="538163" lvl="1" indent="-285750">
-              <a:buFont typeface="Symbol" panose="05050102010706020507" pitchFamily="18" charset="2"/>
-              <a:buChar char="-"/>
-            </a:pPr>
-            <a:r>
-              <a:rPr lang="en-US" dirty="0"/>
-              <a:t>Discuss the </a:t>
-            </a:r>
-            <a:r>
-              <a:rPr lang="en-US" b="1" dirty="0"/>
-              <a:t>previous week’s assignment</a:t>
-            </a:r>
-            <a:r>
-              <a:rPr lang="en-US" dirty="0"/>
-              <a:t> and respective </a:t>
-            </a:r>
-            <a:r>
-              <a:rPr lang="en-US" b="1" dirty="0"/>
-              <a:t>quiz </a:t>
-            </a:r>
-            <a:r>
-              <a:rPr lang="en-US" dirty="0"/>
-              <a:t>(in depth) </a:t>
-            </a:r>
-            <a:r>
-              <a:rPr lang="en-US" dirty="0">
-                <a:solidFill>
-                  <a:srgbClr val="BFBFBF"/>
-                </a:solidFill>
-                <a:sym typeface="Wingdings" panose="05000000000000000000" pitchFamily="2" charset="2"/>
-              </a:rPr>
-              <a:t> starting next week</a:t>
-            </a:r>
-            <a:endParaRPr lang="en-US" dirty="0">
-              <a:solidFill>
-                <a:srgbClr val="BFBFBF"/>
-              </a:solidFill>
-            </a:endParaRPr>
-          </a:p>
-          <a:p>
-            <a:pPr marL="538163" lvl="1" indent="-285750">
-              <a:buFont typeface="Symbol" panose="05050102010706020507" pitchFamily="18" charset="2"/>
-              <a:buChar char="-"/>
-            </a:pPr>
-            <a:r>
-              <a:rPr lang="en-US" dirty="0"/>
-              <a:t>Briefly summarize the current week’s </a:t>
-            </a:r>
-            <a:r>
-              <a:rPr lang="en-US" b="1" dirty="0"/>
-              <a:t>lecture contents</a:t>
-            </a:r>
-          </a:p>
-          <a:p>
-            <a:pPr marL="538163" lvl="1" indent="-285750">
-              <a:buFont typeface="Symbol" panose="05050102010706020507" pitchFamily="18" charset="2"/>
-              <a:buChar char="-"/>
-            </a:pPr>
-            <a:r>
-              <a:rPr lang="en-US" dirty="0"/>
-              <a:t>Provide (some) time and support for the </a:t>
-            </a:r>
-            <a:r>
-              <a:rPr lang="en-US" b="1" dirty="0"/>
-              <a:t>current week’s assignment</a:t>
-            </a:r>
-          </a:p>
-          <a:p>
-            <a:pPr marL="538163" lvl="1" indent="-285750">
-              <a:buFont typeface="Symbol" panose="05050102010706020507" pitchFamily="18" charset="2"/>
-              <a:buChar char="-"/>
-            </a:pPr>
-            <a:endParaRPr lang="en-US" dirty="0"/>
-          </a:p>
-        </p:txBody>
-      </p:sp>
-      <p:sp>
-        <p:nvSpPr>
-          <p:cNvPr id="4" name="Foliennummernplatzhalter 3">
-            <a:extLst>
-              <a:ext uri="{FF2B5EF4-FFF2-40B4-BE49-F238E27FC236}">
-                <a16:creationId xmlns:a16="http://schemas.microsoft.com/office/drawing/2014/main" id="{55F397C5-7D5E-3607-2E90-33F00AC0949E}"/>
-              </a:ext>
-            </a:extLst>
-          </p:cNvPr>
-          <p:cNvSpPr>
-            <a:spLocks noGrp="1"/>
-          </p:cNvSpPr>
-          <p:nvPr>
-            <p:ph type="sldNum" sz="quarter" idx="12"/>
-          </p:nvPr>
-        </p:nvSpPr>
-        <p:spPr/>
-        <p:txBody>
-          <a:bodyPr/>
-          <a:lstStyle/>
-          <a:p>
-            <a:fld id="{7559FC98-AF75-4A00-A03C-DF9FEBF6BCB9}" type="slidenum">
-              <a:rPr lang="en-GB" smtClean="0"/>
+            <a:fld id="{7D77B3A3-157C-467D-BC92-7A7CB5728D67}" type="slidenum">
+              <a:rPr lang="en-US" smtClean="0"/>
               <a:pPr/>
               <a:t>4</a:t>
             </a:fld>
-            <a:endParaRPr lang="en-GB" dirty="0"/>
-          </a:p>
-        </p:txBody>
-      </p:sp>
-      <p:sp>
-        <p:nvSpPr>
-          <p:cNvPr id="7" name="Textplatzhalter 6">
-            <a:extLst>
-              <a:ext uri="{FF2B5EF4-FFF2-40B4-BE49-F238E27FC236}">
-                <a16:creationId xmlns:a16="http://schemas.microsoft.com/office/drawing/2014/main" id="{4C6A07A3-498F-E5BC-4AAA-19B63E7E2434}"/>
+            <a:endParaRPr lang="en-US" dirty="0"/>
+          </a:p>
+        </p:txBody>
+      </p:sp>
+      <p:sp>
+        <p:nvSpPr>
+          <p:cNvPr id="9" name="Textplatzhalter 8">
+            <a:extLst>
+              <a:ext uri="{FF2B5EF4-FFF2-40B4-BE49-F238E27FC236}">
+                <a16:creationId xmlns:a16="http://schemas.microsoft.com/office/drawing/2014/main" id="{5954732A-58D0-58D1-407A-8388ABDBBA44}"/>
               </a:ext>
             </a:extLst>
           </p:cNvPr>
@@ -18408,61 +15256,734 @@
       </p:sp>
       <p:sp>
         <p:nvSpPr>
-          <p:cNvPr id="8" name="Textplatzhalter 7">
-            <a:extLst>
-              <a:ext uri="{FF2B5EF4-FFF2-40B4-BE49-F238E27FC236}">
-                <a16:creationId xmlns:a16="http://schemas.microsoft.com/office/drawing/2014/main" id="{2F08026C-5BB3-D151-B4A9-0621CFB67E29}"/>
-              </a:ext>
-            </a:extLst>
-          </p:cNvPr>
-          <p:cNvSpPr>
-            <a:spLocks noGrp="1"/>
-          </p:cNvSpPr>
-          <p:nvPr>
-            <p:ph type="body" sz="quarter" idx="15"/>
-          </p:nvPr>
-        </p:nvSpPr>
-        <p:spPr/>
-        <p:txBody>
-          <a:bodyPr/>
+          <p:cNvPr id="7" name="TextBox 6">
+            <a:extLst>
+              <a:ext uri="{FF2B5EF4-FFF2-40B4-BE49-F238E27FC236}">
+                <a16:creationId xmlns:a16="http://schemas.microsoft.com/office/drawing/2014/main" id="{F36A6D9E-506E-1E8C-8F6A-FE203F40E9FD}"/>
+              </a:ext>
+            </a:extLst>
+          </p:cNvPr>
+          <p:cNvSpPr txBox="1"/>
+          <p:nvPr/>
+        </p:nvSpPr>
+        <p:spPr>
+          <a:xfrm>
+            <a:off x="273950" y="777747"/>
+            <a:ext cx="8596100" cy="3662541"/>
+          </a:xfrm>
+          <a:prstGeom prst="rect">
+            <a:avLst/>
+          </a:prstGeom>
+          <a:noFill/>
+        </p:spPr>
+        <p:txBody>
+          <a:bodyPr wrap="square">
+            <a:spAutoFit/>
+          </a:bodyPr>
           <a:lstStyle/>
           <a:p>
-            <a:r>
-              <a:rPr lang="en-US" dirty="0"/>
-              <a:t>In our small(er) group we have sufficient time and opportunity for discussing your individual questions.</a:t>
-            </a:r>
-          </a:p>
-        </p:txBody>
-      </p:sp>
-      <p:sp>
-        <p:nvSpPr>
-          <p:cNvPr id="9" name="Inhaltsplatzhalter 8">
-            <a:extLst>
-              <a:ext uri="{FF2B5EF4-FFF2-40B4-BE49-F238E27FC236}">
-                <a16:creationId xmlns:a16="http://schemas.microsoft.com/office/drawing/2014/main" id="{0C65080D-9E38-E59E-63F3-290A6485E057}"/>
-              </a:ext>
-            </a:extLst>
-          </p:cNvPr>
-          <p:cNvSpPr>
-            <a:spLocks noGrp="1"/>
-          </p:cNvSpPr>
-          <p:nvPr>
-            <p:ph sz="quarter" idx="17"/>
-          </p:nvPr>
-        </p:nvSpPr>
-        <p:spPr/>
-        <p:txBody>
-          <a:bodyPr/>
+            <a:pPr algn="l" rtl="0" fontAlgn="base"/>
+            <a:r>
+              <a:rPr lang="en-US" sz="1400" b="1" i="0" u="none" strike="noStrike" dirty="0">
+                <a:solidFill>
+                  <a:srgbClr val="000000"/>
+                </a:solidFill>
+                <a:effectLst/>
+                <a:latin typeface="Gill Sans Nova" panose="020B0602020104020203" pitchFamily="34" charset="0"/>
+              </a:rPr>
+              <a:t>Weekly Quizzes</a:t>
+            </a:r>
+            <a:r>
+              <a:rPr lang="en-US" sz="1400" i="0" u="none" strike="noStrike" dirty="0">
+                <a:solidFill>
+                  <a:srgbClr val="000000"/>
+                </a:solidFill>
+                <a:effectLst/>
+                <a:latin typeface="Gill Sans Nova" panose="020B0602020104020203" pitchFamily="34" charset="0"/>
+              </a:rPr>
+              <a:t> </a:t>
+            </a:r>
+            <a:r>
+              <a:rPr lang="en-US" sz="1400" dirty="0">
+                <a:solidFill>
+                  <a:srgbClr val="000000"/>
+                </a:solidFill>
+                <a:latin typeface="Gill Sans Nova" panose="020B0602020104020203" pitchFamily="34" charset="0"/>
+              </a:rPr>
+              <a:t>on Canvas (main course page)</a:t>
+            </a:r>
+          </a:p>
+          <a:p>
+            <a:pPr marL="285750" indent="-285750" algn="l" rtl="0" fontAlgn="base">
+              <a:buFont typeface="Arial" panose="020B0604020202020204" pitchFamily="34" charset="0"/>
+              <a:buChar char="•"/>
+            </a:pPr>
+            <a:r>
+              <a:rPr lang="en-US" sz="1400" dirty="0">
+                <a:solidFill>
+                  <a:srgbClr val="000000"/>
+                </a:solidFill>
+                <a:latin typeface="Gill Sans Nova" panose="020B0602020104020203" pitchFamily="34" charset="0"/>
+              </a:rPr>
+              <a:t>To be taken after working on the respective assignment</a:t>
+            </a:r>
+            <a:endParaRPr lang="en-US" sz="1400" i="0" u="none" strike="noStrike" dirty="0">
+              <a:solidFill>
+                <a:srgbClr val="000000"/>
+              </a:solidFill>
+              <a:effectLst/>
+              <a:latin typeface="Gill Sans Nova" panose="020B0602020104020203" pitchFamily="34" charset="0"/>
+            </a:endParaRPr>
+          </a:p>
+          <a:p>
+            <a:pPr marL="285750" indent="-285750" fontAlgn="base">
+              <a:buFont typeface="Arial" panose="020B0604020202020204" pitchFamily="34" charset="0"/>
+              <a:buChar char="•"/>
+            </a:pPr>
+            <a:r>
+              <a:rPr lang="en-US" sz="1400" dirty="0">
+                <a:solidFill>
+                  <a:srgbClr val="000000"/>
+                </a:solidFill>
+                <a:latin typeface="Gill Sans Nova" panose="020B0602020104020203" pitchFamily="34" charset="0"/>
+              </a:rPr>
+              <a:t>Graded Quizzes (2-5); </a:t>
+            </a:r>
+            <a:r>
+              <a:rPr lang="en-US" sz="1400" b="0" i="0" u="none" strike="noStrike" dirty="0">
+                <a:solidFill>
+                  <a:srgbClr val="000000"/>
+                </a:solidFill>
+                <a:effectLst/>
+                <a:latin typeface="Gill Sans Nova" panose="020B0602020104020203" pitchFamily="34" charset="0"/>
+              </a:rPr>
+              <a:t>“pass” (&gt;= 50%) or “fail” (&lt;50%)</a:t>
+            </a:r>
+            <a:r>
+              <a:rPr lang="en-US" sz="1400" u="none" strike="noStrike" dirty="0">
+                <a:solidFill>
+                  <a:srgbClr val="000000"/>
+                </a:solidFill>
+                <a:latin typeface="Gill Sans Nova" panose="020B0602020104020203" pitchFamily="34" charset="0"/>
+              </a:rPr>
+              <a:t> </a:t>
+            </a:r>
+            <a:r>
+              <a:rPr lang="en-US" sz="1400" b="1" dirty="0">
+                <a:solidFill>
+                  <a:srgbClr val="000000"/>
+                </a:solidFill>
+                <a:latin typeface="Gill Sans Nova" panose="020B0602020104020203" pitchFamily="34" charset="0"/>
+              </a:rPr>
+              <a:t>[</a:t>
+            </a:r>
+            <a:r>
+              <a:rPr lang="en-US" sz="1400" b="1" dirty="0">
+                <a:solidFill>
+                  <a:srgbClr val="00B050"/>
+                </a:solidFill>
+                <a:latin typeface="Gill Sans Nova" panose="020B0602020104020203" pitchFamily="34" charset="0"/>
+              </a:rPr>
+              <a:t>10%</a:t>
+            </a:r>
+            <a:r>
+              <a:rPr lang="en-US" sz="1400" b="1" dirty="0">
+                <a:solidFill>
+                  <a:srgbClr val="000000"/>
+                </a:solidFill>
+                <a:latin typeface="Gill Sans Nova" panose="020B0602020104020203" pitchFamily="34" charset="0"/>
+              </a:rPr>
+              <a:t>]</a:t>
+            </a:r>
+          </a:p>
+          <a:p>
+            <a:pPr marL="285750" indent="-285750" fontAlgn="base">
+              <a:buFont typeface="Arial" panose="020B0604020202020204" pitchFamily="34" charset="0"/>
+              <a:buChar char="•"/>
+            </a:pPr>
+            <a:r>
+              <a:rPr lang="en-US" sz="1400" dirty="0">
+                <a:solidFill>
+                  <a:srgbClr val="000000"/>
+                </a:solidFill>
+                <a:latin typeface="Gill Sans Nova" panose="020B0602020104020203" pitchFamily="34" charset="0"/>
+              </a:rPr>
+              <a:t>Ungraded Quizzes (1, 6-11)</a:t>
+            </a:r>
+          </a:p>
+          <a:p>
+            <a:pPr fontAlgn="base"/>
+            <a:endParaRPr lang="en-US" sz="400" i="0" u="none" strike="noStrike" dirty="0">
+              <a:solidFill>
+                <a:srgbClr val="000000"/>
+              </a:solidFill>
+              <a:effectLst/>
+              <a:latin typeface="Gill Sans Nova" panose="020B0602020104020203" pitchFamily="34" charset="0"/>
+            </a:endParaRPr>
+          </a:p>
+          <a:p>
+            <a:pPr algn="l" rtl="0" fontAlgn="base"/>
+            <a:r>
+              <a:rPr lang="en-US" sz="1400" b="1" i="0" u="none" strike="noStrike" dirty="0">
+                <a:solidFill>
+                  <a:srgbClr val="000000"/>
+                </a:solidFill>
+                <a:effectLst/>
+                <a:latin typeface="Gill Sans Nova" panose="020B0602020104020203" pitchFamily="34" charset="0"/>
+              </a:rPr>
+              <a:t>Project group </a:t>
+            </a:r>
+            <a:r>
+              <a:rPr lang="en-US" sz="1400" i="0" u="none" strike="noStrike" dirty="0">
+                <a:solidFill>
+                  <a:srgbClr val="000000"/>
+                </a:solidFill>
+                <a:effectLst/>
+                <a:latin typeface="Gill Sans Nova" panose="020B0602020104020203" pitchFamily="34" charset="0"/>
+              </a:rPr>
+              <a:t>(size to be determined)</a:t>
+            </a:r>
+            <a:r>
+              <a:rPr lang="en-US" sz="1400" b="1" i="0" u="none" strike="noStrike" dirty="0">
+                <a:solidFill>
+                  <a:srgbClr val="000000"/>
+                </a:solidFill>
+                <a:effectLst/>
+                <a:latin typeface="Gill Sans Nova" panose="020B0602020104020203" pitchFamily="34" charset="0"/>
+              </a:rPr>
+              <a:t> work [</a:t>
+            </a:r>
+            <a:r>
+              <a:rPr lang="en-US" sz="1400" b="1" i="0" u="none" strike="noStrike" dirty="0">
+                <a:solidFill>
+                  <a:srgbClr val="00B050"/>
+                </a:solidFill>
+                <a:effectLst/>
+                <a:latin typeface="Gill Sans Nova" panose="020B0602020104020203" pitchFamily="34" charset="0"/>
+              </a:rPr>
+              <a:t>10%</a:t>
+            </a:r>
+            <a:r>
+              <a:rPr lang="en-US" sz="1400" b="1" i="0" u="none" strike="noStrike" dirty="0">
+                <a:solidFill>
+                  <a:srgbClr val="000000"/>
+                </a:solidFill>
+                <a:effectLst/>
+                <a:latin typeface="Gill Sans Nova" panose="020B0602020104020203" pitchFamily="34" charset="0"/>
+              </a:rPr>
+              <a:t>] – </a:t>
+            </a:r>
+            <a:r>
+              <a:rPr lang="en-US" sz="1400" b="1" i="0" u="none" strike="noStrike" dirty="0">
+                <a:solidFill>
+                  <a:srgbClr val="FF0000"/>
+                </a:solidFill>
+                <a:effectLst/>
+                <a:latin typeface="Gill Sans Nova" panose="020B0602020104020203" pitchFamily="34" charset="0"/>
+              </a:rPr>
+              <a:t>attention: </a:t>
+            </a:r>
+            <a:r>
+              <a:rPr lang="en-US" sz="1400" i="0" u="none" strike="noStrike" dirty="0">
+                <a:solidFill>
+                  <a:srgbClr val="FF0000"/>
+                </a:solidFill>
+                <a:effectLst/>
+                <a:latin typeface="Gill Sans Nova" panose="020B0602020104020203" pitchFamily="34" charset="0"/>
+              </a:rPr>
+              <a:t>official examination part; do not plagiarize!</a:t>
+            </a:r>
+            <a:endParaRPr lang="en-US" sz="1400" b="1" i="0" u="none" strike="noStrike" dirty="0">
+              <a:solidFill>
+                <a:srgbClr val="000000"/>
+              </a:solidFill>
+              <a:effectLst/>
+              <a:latin typeface="Gill Sans Nova" panose="020B0602020104020203" pitchFamily="34" charset="0"/>
+            </a:endParaRPr>
+          </a:p>
+          <a:p>
+            <a:pPr marL="285750" indent="-285750" fontAlgn="base">
+              <a:buFont typeface="Arial" panose="020B0604020202020204" pitchFamily="34" charset="0"/>
+              <a:buChar char="•"/>
+            </a:pPr>
+            <a:r>
+              <a:rPr lang="en-US" sz="1400" dirty="0">
+                <a:solidFill>
+                  <a:srgbClr val="000000"/>
+                </a:solidFill>
+                <a:latin typeface="Gill Sans Nova" panose="020B0602020104020203" pitchFamily="34" charset="0"/>
+              </a:rPr>
+              <a:t>Decentral, starting before the break</a:t>
+            </a:r>
+          </a:p>
+          <a:p>
+            <a:pPr marL="285750" indent="-285750" fontAlgn="base">
+              <a:buFont typeface="Arial" panose="020B0604020202020204" pitchFamily="34" charset="0"/>
+              <a:buChar char="•"/>
+            </a:pPr>
+            <a:r>
+              <a:rPr lang="en-US" sz="1400" dirty="0"/>
+              <a:t>Small web application using </a:t>
+            </a:r>
+            <a:r>
+              <a:rPr lang="en-US" sz="1400" dirty="0">
+                <a:hlinkClick r:id="rId3">
+                  <a:extLst>
+                    <a:ext uri="{A12FA001-AC4F-418D-AE19-62706E023703}">
+                      <ahyp:hlinkClr xmlns:ahyp="http://schemas.microsoft.com/office/drawing/2018/hyperlinkcolor" val="tx"/>
+                    </a:ext>
+                  </a:extLst>
+                </a:hlinkClick>
+              </a:rPr>
+              <a:t>https://streamlit.io/</a:t>
+            </a:r>
+            <a:endParaRPr lang="en-US" sz="1400" dirty="0">
+              <a:solidFill>
+                <a:srgbClr val="000000"/>
+              </a:solidFill>
+              <a:latin typeface="Gill Sans Nova" panose="020B0602020104020203" pitchFamily="34" charset="0"/>
+            </a:endParaRPr>
+          </a:p>
+          <a:p>
+            <a:pPr marL="285750" indent="-285750" fontAlgn="base">
+              <a:buFont typeface="Arial" panose="020B0604020202020204" pitchFamily="34" charset="0"/>
+              <a:buChar char="•"/>
+            </a:pPr>
+            <a:r>
+              <a:rPr lang="en-US" sz="1400" dirty="0">
+                <a:solidFill>
+                  <a:srgbClr val="000000"/>
+                </a:solidFill>
+                <a:latin typeface="Gill Sans Nova" panose="020B0602020104020203" pitchFamily="34" charset="0"/>
+              </a:rPr>
+              <a:t>Important dates:</a:t>
+            </a:r>
+          </a:p>
+          <a:p>
+            <a:pPr marL="628650" lvl="1" indent="-285750" fontAlgn="base">
+              <a:buFont typeface="Arial" panose="020B0604020202020204" pitchFamily="34" charset="0"/>
+              <a:buChar char="•"/>
+            </a:pPr>
+            <a:r>
+              <a:rPr lang="en-US" sz="1400" b="1" dirty="0">
+                <a:solidFill>
+                  <a:srgbClr val="000000"/>
+                </a:solidFill>
+                <a:latin typeface="Gill Sans Nova" panose="020B0602020104020203" pitchFamily="34" charset="0"/>
+              </a:rPr>
+              <a:t>Week 06</a:t>
+            </a:r>
+            <a:r>
+              <a:rPr lang="en-US" sz="1400" dirty="0">
+                <a:solidFill>
+                  <a:srgbClr val="000000"/>
+                </a:solidFill>
+                <a:latin typeface="Gill Sans Nova" panose="020B0602020104020203" pitchFamily="34" charset="0"/>
+              </a:rPr>
+              <a:t>: Group definition / assignment, Q&amp;A for project</a:t>
+            </a:r>
+          </a:p>
+          <a:p>
+            <a:pPr marL="628650" lvl="1" indent="-285750" fontAlgn="base">
+              <a:buFont typeface="Arial" panose="020B0604020202020204" pitchFamily="34" charset="0"/>
+              <a:buChar char="•"/>
+            </a:pPr>
+            <a:r>
+              <a:rPr lang="en-US" sz="1400" b="1" dirty="0">
+                <a:solidFill>
+                  <a:srgbClr val="000000"/>
+                </a:solidFill>
+                <a:latin typeface="Gill Sans Nova" panose="020B0602020104020203" pitchFamily="34" charset="0"/>
+              </a:rPr>
+              <a:t>Week 07</a:t>
+            </a:r>
+            <a:r>
+              <a:rPr lang="en-US" sz="1400" dirty="0">
+                <a:solidFill>
+                  <a:srgbClr val="000000"/>
+                </a:solidFill>
+                <a:latin typeface="Gill Sans Nova" panose="020B0602020104020203" pitchFamily="34" charset="0"/>
+              </a:rPr>
+              <a:t>: Presentation of project idea / approach</a:t>
+            </a:r>
+          </a:p>
+          <a:p>
+            <a:pPr marL="628650" lvl="1" indent="-285750" fontAlgn="base">
+              <a:buFont typeface="Arial" panose="020B0604020202020204" pitchFamily="34" charset="0"/>
+              <a:buChar char="•"/>
+            </a:pPr>
+            <a:r>
+              <a:rPr lang="en-US" sz="1400" b="1" dirty="0">
+                <a:solidFill>
+                  <a:srgbClr val="000000"/>
+                </a:solidFill>
+                <a:latin typeface="Gill Sans Nova" panose="020B0602020104020203" pitchFamily="34" charset="0"/>
+              </a:rPr>
+              <a:t>Week 09</a:t>
+            </a:r>
+            <a:r>
+              <a:rPr lang="en-US" sz="1400" dirty="0">
+                <a:solidFill>
+                  <a:srgbClr val="000000"/>
+                </a:solidFill>
+                <a:latin typeface="Gill Sans Nova" panose="020B0602020104020203" pitchFamily="34" charset="0"/>
+              </a:rPr>
+              <a:t>: Presentation of MVP (first version of results)</a:t>
+            </a:r>
+          </a:p>
+          <a:p>
+            <a:pPr marL="628650" lvl="1" indent="-285750" fontAlgn="base">
+              <a:buFont typeface="Arial" panose="020B0604020202020204" pitchFamily="34" charset="0"/>
+              <a:buChar char="•"/>
+            </a:pPr>
+            <a:r>
+              <a:rPr lang="en-US" sz="1400" b="1" dirty="0">
+                <a:solidFill>
+                  <a:srgbClr val="000000"/>
+                </a:solidFill>
+                <a:latin typeface="Gill Sans Nova" panose="020B0602020104020203" pitchFamily="34" charset="0"/>
+              </a:rPr>
+              <a:t>Week 11</a:t>
+            </a:r>
+            <a:r>
+              <a:rPr lang="en-US" sz="1400" dirty="0">
+                <a:solidFill>
+                  <a:srgbClr val="000000"/>
+                </a:solidFill>
+                <a:latin typeface="Gill Sans Nova" panose="020B0602020104020203" pitchFamily="34" charset="0"/>
+              </a:rPr>
+              <a:t>: Presentation of 5 minutes video, application demo, 5 minutes Q&amp;A session</a:t>
+            </a:r>
+          </a:p>
+          <a:p>
+            <a:pPr marL="628650" lvl="1" indent="-285750" fontAlgn="base">
+              <a:buFont typeface="Arial" panose="020B0604020202020204" pitchFamily="34" charset="0"/>
+              <a:buChar char="•"/>
+            </a:pPr>
+            <a:r>
+              <a:rPr lang="en-US" sz="1400" b="1" dirty="0">
+                <a:solidFill>
+                  <a:srgbClr val="000000"/>
+                </a:solidFill>
+                <a:latin typeface="Gill Sans Nova" panose="020B0602020104020203" pitchFamily="34" charset="0"/>
+              </a:rPr>
+              <a:t>Week 12</a:t>
+            </a:r>
+            <a:r>
+              <a:rPr lang="en-US" sz="1400" dirty="0">
+                <a:solidFill>
+                  <a:srgbClr val="000000"/>
+                </a:solidFill>
+                <a:latin typeface="Gill Sans Nova" panose="020B0602020104020203" pitchFamily="34" charset="0"/>
+              </a:rPr>
+              <a:t>: Presentation of top-3 groups in lecture</a:t>
+            </a:r>
+          </a:p>
+          <a:p>
+            <a:pPr algn="l" rtl="0" fontAlgn="base"/>
+            <a:endParaRPr lang="en-US" sz="400" b="0" i="0" dirty="0">
+              <a:solidFill>
+                <a:srgbClr val="000000"/>
+              </a:solidFill>
+              <a:effectLst/>
+              <a:latin typeface="Segoe UI" panose="020B0502040204020203" pitchFamily="34" charset="0"/>
+            </a:endParaRPr>
+          </a:p>
+          <a:p>
+            <a:pPr algn="l" rtl="0" fontAlgn="base"/>
+            <a:r>
+              <a:rPr lang="en-US" sz="1400" b="1" i="0" u="none" strike="noStrike" dirty="0">
+                <a:solidFill>
+                  <a:srgbClr val="000000"/>
+                </a:solidFill>
+                <a:effectLst/>
+                <a:latin typeface="Gill Sans Nova" panose="020B0602020104020203" pitchFamily="34" charset="0"/>
+              </a:rPr>
+              <a:t>Written Exam (</a:t>
+            </a:r>
+            <a:r>
+              <a:rPr lang="en-US" sz="1400" b="1" i="0" u="none" strike="noStrike" dirty="0">
+                <a:solidFill>
+                  <a:srgbClr val="00B050"/>
+                </a:solidFill>
+                <a:effectLst/>
+                <a:latin typeface="Gill Sans Nova" panose="020B0602020104020203" pitchFamily="34" charset="0"/>
+              </a:rPr>
+              <a:t>80%</a:t>
+            </a:r>
+            <a:r>
+              <a:rPr lang="en-US" sz="1400" b="1" i="0" u="none" strike="noStrike" dirty="0">
+                <a:solidFill>
+                  <a:srgbClr val="000000"/>
+                </a:solidFill>
+                <a:effectLst/>
+                <a:latin typeface="Gill Sans Nova" panose="020B0602020104020203" pitchFamily="34" charset="0"/>
+              </a:rPr>
+              <a:t>, 120 Min.)</a:t>
+            </a:r>
+            <a:r>
+              <a:rPr lang="en-US" sz="1400" b="0" i="0" dirty="0">
+                <a:solidFill>
+                  <a:srgbClr val="000000"/>
+                </a:solidFill>
+                <a:effectLst/>
+                <a:latin typeface="Gill Sans Nova" panose="020B0602020104020203" pitchFamily="34" charset="0"/>
+              </a:rPr>
+              <a:t>​</a:t>
+            </a:r>
+          </a:p>
+          <a:p>
+            <a:pPr marL="285750" indent="-285750" algn="l" rtl="0" fontAlgn="base">
+              <a:buFont typeface="Arial" panose="020B0604020202020204" pitchFamily="34" charset="0"/>
+              <a:buChar char="•"/>
+            </a:pPr>
+            <a:r>
+              <a:rPr lang="en-US" sz="1400" dirty="0">
+                <a:solidFill>
+                  <a:srgbClr val="000000"/>
+                </a:solidFill>
+                <a:latin typeface="Gill Sans Nova" panose="020B0602020104020203" pitchFamily="34" charset="0"/>
+              </a:rPr>
+              <a:t>Central, after the course</a:t>
+            </a:r>
+          </a:p>
+          <a:p>
+            <a:pPr marL="285750" indent="-285750" algn="l" rtl="0" fontAlgn="base">
+              <a:buFont typeface="Arial" panose="020B0604020202020204" pitchFamily="34" charset="0"/>
+              <a:buChar char="•"/>
+            </a:pPr>
+            <a:r>
+              <a:rPr lang="en-US" sz="1400" b="0" i="0" dirty="0">
+                <a:solidFill>
+                  <a:srgbClr val="000000"/>
+                </a:solidFill>
+                <a:effectLst/>
+                <a:latin typeface="Gill Sans Nova" panose="020B0602020104020203" pitchFamily="34" charset="0"/>
+              </a:rPr>
+              <a:t>Planned digital on BYOD (extended </a:t>
+            </a:r>
+            <a:r>
+              <a:rPr lang="en-US" sz="1400" dirty="0">
+                <a:solidFill>
+                  <a:srgbClr val="000000"/>
+                </a:solidFill>
+                <a:latin typeface="Gill Sans Nova" panose="020B0602020104020203" pitchFamily="34" charset="0"/>
+              </a:rPr>
+              <a:t>c</a:t>
+            </a:r>
+            <a:r>
+              <a:rPr lang="en-US" sz="1400" b="0" i="0" dirty="0">
+                <a:solidFill>
+                  <a:srgbClr val="000000"/>
+                </a:solidFill>
+                <a:effectLst/>
+                <a:latin typeface="Gill Sans Nova" panose="020B0602020104020203" pitchFamily="34" charset="0"/>
+              </a:rPr>
+              <a:t>losed </a:t>
+            </a:r>
+            <a:r>
+              <a:rPr lang="en-US" sz="1400" dirty="0">
+                <a:solidFill>
+                  <a:srgbClr val="000000"/>
+                </a:solidFill>
+                <a:latin typeface="Gill Sans Nova" panose="020B0602020104020203" pitchFamily="34" charset="0"/>
+              </a:rPr>
+              <a:t>b</a:t>
+            </a:r>
+            <a:r>
+              <a:rPr lang="en-US" sz="1400" b="0" i="0" dirty="0">
+                <a:solidFill>
+                  <a:srgbClr val="000000"/>
+                </a:solidFill>
+                <a:effectLst/>
+                <a:latin typeface="Gill Sans Nova" panose="020B0602020104020203" pitchFamily="34" charset="0"/>
+              </a:rPr>
+              <a:t>ook )</a:t>
+            </a:r>
+            <a:endParaRPr lang="en-US" b="0" i="0" dirty="0">
+              <a:solidFill>
+                <a:srgbClr val="000000"/>
+              </a:solidFill>
+              <a:effectLst/>
+              <a:latin typeface="Segoe UI" panose="020B0502040204020203" pitchFamily="34" charset="0"/>
+            </a:endParaRPr>
+          </a:p>
+        </p:txBody>
+      </p:sp>
+      <p:sp>
+        <p:nvSpPr>
+          <p:cNvPr id="8" name="Rectangle 7">
+            <a:extLst>
+              <a:ext uri="{FF2B5EF4-FFF2-40B4-BE49-F238E27FC236}">
+                <a16:creationId xmlns:a16="http://schemas.microsoft.com/office/drawing/2014/main" id="{A7EA16CC-F2D6-32AA-8029-160A3B7255AB}"/>
+              </a:ext>
+            </a:extLst>
+          </p:cNvPr>
+          <p:cNvSpPr/>
+          <p:nvPr/>
+        </p:nvSpPr>
+        <p:spPr>
+          <a:xfrm>
+            <a:off x="6369093" y="249895"/>
+            <a:ext cx="2415338" cy="527852"/>
+          </a:xfrm>
+          <a:prstGeom prst="rect">
+            <a:avLst/>
+          </a:prstGeom>
+          <a:solidFill>
+            <a:srgbClr val="EB6969"/>
+          </a:solidFill>
+          <a:ln>
+            <a:solidFill>
+              <a:schemeClr val="tx1"/>
+            </a:solidFill>
+          </a:ln>
+        </p:spPr>
+        <p:style>
+          <a:lnRef idx="2">
+            <a:schemeClr val="accent1">
+              <a:shade val="50000"/>
+            </a:schemeClr>
+          </a:lnRef>
+          <a:fillRef idx="1">
+            <a:schemeClr val="accent1"/>
+          </a:fillRef>
+          <a:effectRef idx="0">
+            <a:schemeClr val="accent1"/>
+          </a:effectRef>
+          <a:fontRef idx="minor">
+            <a:schemeClr val="lt1"/>
+          </a:fontRef>
+        </p:style>
+        <p:txBody>
+          <a:bodyPr rtlCol="0" anchor="ctr"/>
           <a:lstStyle/>
           <a:p>
-            <a:endParaRPr lang="en-US"/>
+            <a:pPr algn="ctr"/>
+            <a:r>
+              <a:rPr lang="de-CH" sz="1400" b="1" dirty="0" err="1">
+                <a:solidFill>
+                  <a:schemeClr val="tx1"/>
+                </a:solidFill>
+              </a:rPr>
+              <a:t>Please</a:t>
+            </a:r>
+            <a:r>
+              <a:rPr lang="de-CH" sz="1400" b="1" dirty="0">
+                <a:solidFill>
+                  <a:schemeClr val="tx1"/>
+                </a:solidFill>
+              </a:rPr>
+              <a:t> </a:t>
+            </a:r>
+            <a:r>
+              <a:rPr lang="de-CH" sz="1400" b="1" u="sng" dirty="0" err="1">
+                <a:solidFill>
+                  <a:schemeClr val="tx1"/>
+                </a:solidFill>
+              </a:rPr>
+              <a:t>always</a:t>
+            </a:r>
+            <a:r>
+              <a:rPr lang="de-CH" sz="1400" b="1" dirty="0">
+                <a:solidFill>
+                  <a:schemeClr val="tx1"/>
+                </a:solidFill>
+              </a:rPr>
+              <a:t> </a:t>
+            </a:r>
+            <a:r>
+              <a:rPr lang="de-CH" sz="1400" b="1" dirty="0" err="1">
+                <a:solidFill>
+                  <a:schemeClr val="tx1"/>
+                </a:solidFill>
+              </a:rPr>
+              <a:t>refer</a:t>
+            </a:r>
+            <a:r>
+              <a:rPr lang="de-CH" sz="1400" b="1" dirty="0">
+                <a:solidFill>
+                  <a:schemeClr val="tx1"/>
+                </a:solidFill>
+              </a:rPr>
+              <a:t> to </a:t>
+            </a:r>
+            <a:r>
+              <a:rPr lang="de-CH" sz="1400" b="1" dirty="0" err="1">
+                <a:solidFill>
+                  <a:schemeClr val="tx1"/>
+                </a:solidFill>
+              </a:rPr>
+              <a:t>the</a:t>
+            </a:r>
+            <a:r>
+              <a:rPr lang="de-CH" sz="1400" b="1" dirty="0">
+                <a:solidFill>
+                  <a:schemeClr val="tx1"/>
+                </a:solidFill>
+              </a:rPr>
+              <a:t> </a:t>
+            </a:r>
+            <a:r>
+              <a:rPr lang="de-CH" sz="1400" b="1" dirty="0" err="1">
+                <a:solidFill>
+                  <a:schemeClr val="tx1"/>
+                </a:solidFill>
+              </a:rPr>
+              <a:t>official</a:t>
+            </a:r>
+            <a:r>
+              <a:rPr lang="de-CH" sz="1400" b="1" dirty="0">
+                <a:solidFill>
+                  <a:schemeClr val="tx1"/>
+                </a:solidFill>
+              </a:rPr>
+              <a:t> </a:t>
+            </a:r>
+            <a:r>
+              <a:rPr lang="de-CH" sz="1400" b="1" dirty="0" err="1">
+                <a:solidFill>
+                  <a:schemeClr val="tx1"/>
+                </a:solidFill>
+              </a:rPr>
+              <a:t>lecture</a:t>
+            </a:r>
+            <a:r>
+              <a:rPr lang="de-CH" sz="1400" b="1" dirty="0">
+                <a:solidFill>
+                  <a:schemeClr val="tx1"/>
+                </a:solidFill>
+              </a:rPr>
+              <a:t> </a:t>
+            </a:r>
+            <a:r>
+              <a:rPr lang="de-CH" sz="1400" b="1" dirty="0" err="1">
+                <a:solidFill>
+                  <a:schemeClr val="tx1"/>
+                </a:solidFill>
+              </a:rPr>
+              <a:t>slides</a:t>
+            </a:r>
+            <a:r>
+              <a:rPr lang="de-CH" sz="1400" b="1" dirty="0">
+                <a:solidFill>
+                  <a:schemeClr val="tx1"/>
+                </a:solidFill>
+              </a:rPr>
+              <a:t>!</a:t>
+            </a:r>
+            <a:endParaRPr lang="en-GB" sz="1400" b="1" dirty="0">
+              <a:solidFill>
+                <a:schemeClr val="tx1"/>
+              </a:solidFill>
+            </a:endParaRPr>
           </a:p>
         </p:txBody>
       </p:sp>
     </p:spTree>
     <p:extLst>
       <p:ext uri="{BB962C8B-B14F-4D97-AF65-F5344CB8AC3E}">
-        <p14:creationId xmlns:p14="http://schemas.microsoft.com/office/powerpoint/2010/main" val="534269199"/>
+        <p14:creationId xmlns:p14="http://schemas.microsoft.com/office/powerpoint/2010/main" val="682445171"/>
       </p:ext>
     </p:extLst>
   </p:cSld>
@@ -18512,19 +16033,7 @@
           <a:p>
             <a:r>
               <a:rPr lang="en-US" dirty="0"/>
-              <a:t>What are </a:t>
-            </a:r>
-            <a:r>
-              <a:rPr lang="en-US" dirty="0">
-                <a:solidFill>
-                  <a:srgbClr val="FF0000"/>
-                </a:solidFill>
-              </a:rPr>
-              <a:t>we</a:t>
-            </a:r>
-            <a:r>
-              <a:rPr lang="en-US" dirty="0"/>
-              <a:t> doing in the exercises?</a:t>
+              <a:t>What is the general idea of the exercises?</a:t>
             </a:r>
           </a:p>
         </p:txBody>
@@ -18545,16 +16054,9 @@
             <p:ph idx="1"/>
           </p:nvPr>
         </p:nvSpPr>
-        <p:spPr>
-          <a:xfrm>
-            <a:off x="358093" y="985900"/>
-            <a:ext cx="8426450" cy="2556921"/>
-          </a:xfrm>
-        </p:spPr>
-        <p:txBody>
-          <a:bodyPr>
-            <a:normAutofit/>
-          </a:bodyPr>
+        <p:spPr/>
+        <p:txBody>
+          <a:bodyPr/>
           <a:lstStyle/>
           <a:p>
             <a:pPr marL="285750" indent="-285750">
@@ -18563,27 +16065,82 @@
             </a:pPr>
             <a:r>
               <a:rPr lang="en-US" dirty="0"/>
-              <a:t> Discuss the </a:t>
+              <a:t>Computer science </a:t>
             </a:r>
             <a:r>
               <a:rPr lang="en-US" b="1" dirty="0"/>
-              <a:t>previous week’s assignment </a:t>
-            </a:r>
-            <a:r>
-              <a:rPr lang="en-US" dirty="0">
-                <a:solidFill>
-                  <a:srgbClr val="FF0000"/>
-                </a:solidFill>
-              </a:rPr>
-              <a:t>(briefly)</a:t>
+              <a:t>implementation competence </a:t>
+            </a:r>
+            <a:r>
+              <a:rPr lang="en-US" dirty="0"/>
+              <a:t>cannot be achieved through frontal teaching only</a:t>
+            </a:r>
+          </a:p>
+          <a:p>
+            <a:pPr marL="285750" indent="-285750">
+              <a:buFont typeface="Symbol" panose="05050102010706020507" pitchFamily="18" charset="2"/>
+              <a:buChar char="-"/>
+            </a:pPr>
+            <a:r>
+              <a:rPr lang="en-US" dirty="0"/>
+              <a:t>Similar to learning an instrument, it is necessary that we </a:t>
             </a:r>
             <a:r>
               <a:rPr lang="en-US" b="1" dirty="0"/>
-              <a:t> </a:t>
-            </a:r>
+              <a:t>actively practice</a:t>
+            </a:r>
+          </a:p>
+          <a:p>
+            <a:pPr marL="285750" indent="-285750">
+              <a:buFont typeface="Symbol" panose="05050102010706020507" pitchFamily="18" charset="2"/>
+              <a:buChar char="-"/>
+            </a:pPr>
             <a:r>
               <a:rPr lang="en-US" dirty="0"/>
-              <a:t>and respective </a:t>
+              <a:t>To guide practicing, we have </a:t>
+            </a:r>
+            <a:r>
+              <a:rPr lang="en-US" b="1" dirty="0"/>
+              <a:t>weekly assignments</a:t>
+            </a:r>
+            <a:r>
+              <a:rPr lang="en-US" dirty="0"/>
+              <a:t> (and their assessments, i.e., the quizzes)</a:t>
+            </a:r>
+          </a:p>
+          <a:p>
+            <a:pPr marL="285750" indent="-285750">
+              <a:buFont typeface="Symbol" panose="05050102010706020507" pitchFamily="18" charset="2"/>
+              <a:buChar char="-"/>
+            </a:pPr>
+            <a:endParaRPr lang="en-US" dirty="0"/>
+          </a:p>
+          <a:p>
+            <a:pPr marL="285750" indent="-285750">
+              <a:buFont typeface="Symbol" panose="05050102010706020507" pitchFamily="18" charset="2"/>
+              <a:buChar char="-"/>
+            </a:pPr>
+            <a:r>
+              <a:rPr lang="en-US" dirty="0"/>
+              <a:t>In the weekly exercises we</a:t>
+            </a:r>
+          </a:p>
+          <a:p>
+            <a:pPr marL="538163" lvl="1" indent="-285750">
+              <a:buFont typeface="Symbol" panose="05050102010706020507" pitchFamily="18" charset="2"/>
+              <a:buChar char="-"/>
+            </a:pPr>
+            <a:r>
+              <a:rPr lang="en-US" dirty="0"/>
+              <a:t>Discuss the </a:t>
+            </a:r>
+            <a:r>
+              <a:rPr lang="en-US" b="1" dirty="0"/>
+              <a:t>previous week’s assignment</a:t>
+            </a:r>
+            <a:r>
+              <a:rPr lang="en-US" dirty="0"/>
+              <a:t> and respective </a:t>
             </a:r>
             <a:r>
               <a:rPr lang="en-US" b="1" dirty="0"/>
@@ -18602,218 +16159,46 @@
               </a:rPr>
               <a:t> starting next week</a:t>
             </a:r>
-            <a:endParaRPr lang="en-US" dirty="0"/>
-          </a:p>
-          <a:p>
-            <a:pPr marL="285750" indent="-285750">
+            <a:endParaRPr lang="en-US" dirty="0">
+              <a:solidFill>
+                <a:srgbClr val="BFBFBF"/>
+              </a:solidFill>
+            </a:endParaRPr>
+          </a:p>
+          <a:p>
+            <a:pPr marL="538163" lvl="1" indent="-285750">
               <a:buFont typeface="Symbol" panose="05050102010706020507" pitchFamily="18" charset="2"/>
               <a:buChar char="-"/>
             </a:pPr>
             <a:r>
               <a:rPr lang="en-US" dirty="0"/>
-              <a:t> Summarize the current week’s </a:t>
+              <a:t>Briefly summarize the current week’s </a:t>
             </a:r>
             <a:r>
               <a:rPr lang="en-US" b="1" dirty="0"/>
-              <a:t>lecture contents </a:t>
-            </a:r>
-            <a:r>
-              <a:rPr lang="en-US" dirty="0">
-                <a:solidFill>
-                  <a:srgbClr val="FF0000"/>
-                </a:solidFill>
-              </a:rPr>
-              <a:t>(in more detail &amp; including theory)</a:t>
-            </a:r>
-          </a:p>
-          <a:p>
-            <a:pPr marL="285750" indent="-285750">
+              <a:t>lecture contents</a:t>
+            </a:r>
+          </a:p>
+          <a:p>
+            <a:pPr marL="538163" lvl="1" indent="-285750">
               <a:buFont typeface="Symbol" panose="05050102010706020507" pitchFamily="18" charset="2"/>
               <a:buChar char="-"/>
             </a:pPr>
             <a:r>
               <a:rPr lang="en-US" dirty="0"/>
-              <a:t> </a:t>
-            </a:r>
-            <a:r>
-              <a:rPr lang="en-US" dirty="0">
-                <a:solidFill>
-                  <a:srgbClr val="FF0000"/>
-                </a:solidFill>
-              </a:rPr>
-              <a:t>Provide additional material on Python Basics, Object Oriented Programming &amp; Data Science</a:t>
-            </a:r>
-            <a:br>
-              <a:rPr lang="en-US" dirty="0">
-                <a:solidFill>
-                  <a:srgbClr val="FF0000"/>
-                </a:solidFill>
-              </a:rPr>
-            </a:br>
-            <a:r>
-              <a:rPr lang="en-US" dirty="0">
-                <a:solidFill>
-                  <a:srgbClr val="FF0000"/>
-                </a:solidFill>
-              </a:rPr>
-              <a:t> </a:t>
-            </a:r>
-            <a:r>
-              <a:rPr lang="en-US" dirty="0">
-                <a:sym typeface="Wingdings" panose="05000000000000000000" pitchFamily="2" charset="2"/>
-              </a:rPr>
-              <a:t> </a:t>
-            </a:r>
-            <a:r>
-              <a:rPr lang="en-US" i="1" dirty="0">
-                <a:sym typeface="Wingdings" panose="05000000000000000000" pitchFamily="2" charset="2"/>
-              </a:rPr>
-              <a:t>We will go through some of these material, but the idea behind them is self study / reference for questions.</a:t>
-            </a:r>
-            <a:endParaRPr lang="en-US" dirty="0">
-              <a:solidFill>
-                <a:srgbClr val="FF0000"/>
-              </a:solidFill>
-            </a:endParaRPr>
-          </a:p>
-          <a:p>
-            <a:pPr marL="285750" indent="-285750">
+              <a:t>Provide (some) time and support for the </a:t>
+            </a:r>
+            <a:r>
+              <a:rPr lang="en-US" b="1" dirty="0"/>
+              <a:t>current week’s assignment</a:t>
+            </a:r>
+          </a:p>
+          <a:p>
+            <a:pPr marL="538163" lvl="1" indent="-285750">
               <a:buFont typeface="Symbol" panose="05050102010706020507" pitchFamily="18" charset="2"/>
               <a:buChar char="-"/>
             </a:pPr>
-            <a:r>
-              <a:rPr lang="en-US" dirty="0"/>
-              <a:t> </a:t>
-            </a:r>
-            <a:r>
-              <a:rPr lang="en-US" dirty="0">
-                <a:solidFill>
-                  <a:srgbClr val="FF0000"/>
-                </a:solidFill>
-              </a:rPr>
-              <a:t>Solve together additional, smaller exercises to prepare you for the current week’s assignment</a:t>
-            </a:r>
-            <a:br>
-              <a:rPr lang="en-US" dirty="0">
-                <a:solidFill>
-                  <a:srgbClr val="FF0000"/>
-                </a:solidFill>
-              </a:rPr>
-            </a:br>
-            <a:r>
-              <a:rPr lang="en-US" dirty="0">
-                <a:solidFill>
-                  <a:srgbClr val="FF0000"/>
-                </a:solidFill>
-              </a:rPr>
-              <a:t> </a:t>
-            </a:r>
-            <a:r>
-              <a:rPr lang="en-US" dirty="0">
-                <a:sym typeface="Wingdings" panose="05000000000000000000" pitchFamily="2" charset="2"/>
-              </a:rPr>
-              <a:t> </a:t>
-            </a:r>
-            <a:r>
-              <a:rPr lang="en-US" i="1" dirty="0">
-                <a:sym typeface="Wingdings" panose="05000000000000000000" pitchFamily="2" charset="2"/>
-              </a:rPr>
-              <a:t>I will upload them by Wednesday Noon. You benefit </a:t>
-            </a:r>
-            <a:r>
-              <a:rPr lang="en-US" i="1" u="sng" dirty="0">
-                <a:sym typeface="Wingdings" panose="05000000000000000000" pitchFamily="2" charset="2"/>
-              </a:rPr>
-              <a:t>most</a:t>
-            </a:r>
-            <a:r>
-              <a:rPr lang="en-US" i="1" dirty="0">
-                <a:sym typeface="Wingdings" panose="05000000000000000000" pitchFamily="2" charset="2"/>
-              </a:rPr>
-              <a:t> if you already try to solve them on your own.</a:t>
-            </a:r>
             <a:endParaRPr lang="en-US" dirty="0"/>
-          </a:p>
-          <a:p>
-            <a:pPr marL="0" indent="0"/>
-            <a:endParaRPr lang="en-US" dirty="0"/>
-          </a:p>
-          <a:p>
-            <a:pPr marL="285750" indent="-285750">
-              <a:buFont typeface="Symbol" panose="05050102010706020507" pitchFamily="18" charset="2"/>
-              <a:buChar char="-"/>
-            </a:pPr>
-            <a:r>
-              <a:rPr lang="en-US" dirty="0"/>
-              <a:t> </a:t>
-            </a:r>
-            <a:r>
-              <a:rPr lang="en-US" dirty="0">
-                <a:solidFill>
-                  <a:srgbClr val="FF0000"/>
-                </a:solidFill>
-              </a:rPr>
-              <a:t>Additionally we have a </a:t>
-            </a:r>
-            <a:r>
-              <a:rPr lang="en-US" b="1" dirty="0">
-                <a:solidFill>
-                  <a:srgbClr val="FF0000"/>
-                </a:solidFill>
-              </a:rPr>
-              <a:t>virtual office hour </a:t>
-            </a:r>
-            <a:r>
-              <a:rPr lang="en-US" dirty="0"/>
-              <a:t>(not to be confused with the official coaching session)</a:t>
-            </a:r>
-            <a:br>
-              <a:rPr lang="en-US" dirty="0"/>
-            </a:br>
-            <a:r>
-              <a:rPr lang="en-US" dirty="0"/>
-              <a:t> </a:t>
-            </a:r>
-            <a:r>
-              <a:rPr lang="en-US" dirty="0">
-                <a:sym typeface="Wingdings" panose="05000000000000000000" pitchFamily="2" charset="2"/>
-              </a:rPr>
-              <a:t> </a:t>
-            </a:r>
-            <a:r>
-              <a:rPr lang="en-US" i="1" dirty="0">
-                <a:sym typeface="Wingdings" panose="05000000000000000000" pitchFamily="2" charset="2"/>
-              </a:rPr>
-              <a:t>Exact time TBD, most likely Tuesday evening.</a:t>
-            </a:r>
-          </a:p>
-          <a:p>
-            <a:pPr marL="285750" indent="-285750">
-              <a:buFont typeface="Symbol" panose="05050102010706020507" pitchFamily="18" charset="2"/>
-              <a:buChar char="-"/>
-            </a:pPr>
-            <a:endParaRPr lang="en-US" i="1" dirty="0">
-              <a:sym typeface="Wingdings" panose="05000000000000000000" pitchFamily="2" charset="2"/>
-            </a:endParaRPr>
-          </a:p>
-          <a:p>
-            <a:pPr marL="285750" indent="-285750">
-              <a:buFont typeface="Symbol" panose="05050102010706020507" pitchFamily="18" charset="2"/>
-              <a:buChar char="-"/>
-            </a:pPr>
-            <a:r>
-              <a:rPr lang="en-US" dirty="0">
-                <a:sym typeface="Wingdings" panose="05000000000000000000" pitchFamily="2" charset="2"/>
-              </a:rPr>
-              <a:t> Slides, exercises/solutions, schedule/link for the office hour, … are uploaded to: </a:t>
-            </a:r>
-            <a:r>
-              <a:rPr lang="en-US" b="1" dirty="0">
-                <a:sym typeface="Wingdings" panose="05000000000000000000" pitchFamily="2" charset="2"/>
-              </a:rPr>
-              <a:t>https://dombbb.github.io/</a:t>
-            </a:r>
-            <a:endParaRPr lang="en-US" b="1" dirty="0"/>
           </a:p>
         </p:txBody>
       </p:sp>
@@ -18888,73 +16273,47 @@
             <p:ph type="body" sz="quarter" idx="15"/>
           </p:nvPr>
         </p:nvSpPr>
-        <p:spPr>
-          <a:xfrm>
-            <a:off x="359456" y="3659890"/>
-            <a:ext cx="8425087" cy="743680"/>
-          </a:xfrm>
-        </p:spPr>
-        <p:txBody>
-          <a:bodyPr>
-            <a:noAutofit/>
-          </a:bodyPr>
-          <a:lstStyle/>
-          <a:p>
-            <a:r>
-              <a:rPr lang="en-US" sz="1350" b="1" dirty="0"/>
-              <a:t>Our group differs! </a:t>
-            </a:r>
-            <a:r>
-              <a:rPr lang="en-US" sz="1350" dirty="0"/>
-              <a:t>In other groups you’ll have more time to work on the assignment &amp; ask questions during the session. Of course you can also ask questions here, but there will be no timeslot dedicated to working on the assignment </a:t>
-            </a:r>
-            <a:r>
-              <a:rPr lang="en-US" sz="1350" dirty="0">
-                <a:sym typeface="Wingdings" panose="05000000000000000000" pitchFamily="2" charset="2"/>
-              </a:rPr>
-              <a:t> </a:t>
-            </a:r>
-            <a:r>
-              <a:rPr lang="en-US" sz="1350" b="1" dirty="0"/>
-              <a:t>Feel free to change groups if you would rather follow another structure.</a:t>
-            </a:r>
-          </a:p>
-        </p:txBody>
-      </p:sp>
-      <p:sp>
-        <p:nvSpPr>
-          <p:cNvPr id="9" name="Inhaltsplatzhalter 8">
-            <a:extLst>
-              <a:ext uri="{FF2B5EF4-FFF2-40B4-BE49-F238E27FC236}">
-                <a16:creationId xmlns:a16="http://schemas.microsoft.com/office/drawing/2014/main" id="{0C65080D-9E38-E59E-63F3-290A6485E057}"/>
-              </a:ext>
-            </a:extLst>
-          </p:cNvPr>
-          <p:cNvSpPr>
-            <a:spLocks noGrp="1"/>
-          </p:cNvSpPr>
-          <p:nvPr>
-            <p:ph sz="quarter" idx="17"/>
-          </p:nvPr>
-        </p:nvSpPr>
-        <p:spPr>
-          <a:xfrm>
-            <a:off x="358093" y="3659890"/>
-            <a:ext cx="311018" cy="743680"/>
-          </a:xfrm>
-        </p:spPr>
+        <p:spPr/>
         <p:txBody>
           <a:bodyPr/>
           <a:lstStyle/>
           <a:p>
-            <a:endParaRPr lang="en-US" dirty="0"/>
+            <a:r>
+              <a:rPr lang="en-US" dirty="0"/>
+              <a:t>In our small(er) group we have sufficient time and opportunity for discussing your individual questions.</a:t>
+            </a:r>
+          </a:p>
+        </p:txBody>
+      </p:sp>
+      <p:sp>
+        <p:nvSpPr>
+          <p:cNvPr id="9" name="Inhaltsplatzhalter 8">
+            <a:extLst>
+              <a:ext uri="{FF2B5EF4-FFF2-40B4-BE49-F238E27FC236}">
+                <a16:creationId xmlns:a16="http://schemas.microsoft.com/office/drawing/2014/main" id="{0C65080D-9E38-E59E-63F3-290A6485E057}"/>
+              </a:ext>
+            </a:extLst>
+          </p:cNvPr>
+          <p:cNvSpPr>
+            <a:spLocks noGrp="1"/>
+          </p:cNvSpPr>
+          <p:nvPr>
+            <p:ph sz="quarter" idx="17"/>
+          </p:nvPr>
+        </p:nvSpPr>
+        <p:spPr/>
+        <p:txBody>
+          <a:bodyPr/>
+          <a:lstStyle/>
+          <a:p>
+            <a:endParaRPr lang="en-US"/>
           </a:p>
         </p:txBody>
       </p:sp>
     </p:spTree>
     <p:extLst>
       <p:ext uri="{BB962C8B-B14F-4D97-AF65-F5344CB8AC3E}">
-        <p14:creationId xmlns:p14="http://schemas.microsoft.com/office/powerpoint/2010/main" val="2305334289"/>
+        <p14:creationId xmlns:p14="http://schemas.microsoft.com/office/powerpoint/2010/main" val="534269199"/>
       </p:ext>
     </p:extLst>
   </p:cSld>
@@ -18983,18 +16342,72 @@
       </p:grpSpPr>
       <p:sp>
         <p:nvSpPr>
-          <p:cNvPr id="3" name="Titel 2">
-            <a:extLst>
-              <a:ext uri="{FF2B5EF4-FFF2-40B4-BE49-F238E27FC236}">
-                <a16:creationId xmlns:a16="http://schemas.microsoft.com/office/drawing/2014/main" id="{FE3BA84A-E2E7-6142-9CC1-17BA5D2765A0}"/>
-              </a:ext>
-            </a:extLst>
-          </p:cNvPr>
-          <p:cNvSpPr>
-            <a:spLocks noGrp="1"/>
-          </p:cNvSpPr>
-          <p:nvPr>
-            <p:ph type="title"/>
+          <p:cNvPr id="2" name="Text Placeholder 1">
+            <a:extLst>
+              <a:ext uri="{FF2B5EF4-FFF2-40B4-BE49-F238E27FC236}">
+                <a16:creationId xmlns:a16="http://schemas.microsoft.com/office/drawing/2014/main" id="{D066D30A-0BB8-3C9F-FE2D-5F5148724A51}"/>
+              </a:ext>
+            </a:extLst>
+          </p:cNvPr>
+          <p:cNvSpPr>
+            <a:spLocks noGrp="1"/>
+          </p:cNvSpPr>
+          <p:nvPr>
+            <p:ph type="body" sz="quarter" idx="10"/>
+          </p:nvPr>
+        </p:nvSpPr>
+        <p:spPr/>
+        <p:txBody>
+          <a:bodyPr>
+            <a:normAutofit fontScale="40000" lnSpcReduction="20000"/>
+          </a:bodyPr>
+          <a:lstStyle/>
+          <a:p>
+            <a:r>
+              <a:rPr lang="en-GB" b="1" dirty="0">
+                <a:solidFill>
+                  <a:schemeClr val="bg1"/>
+                </a:solidFill>
+              </a:rPr>
+              <a:t>The content corresponds to what I understand to be the core contents after reviewing the lecture slides and should only be understood as an overview.</a:t>
+            </a:r>
+          </a:p>
+          <a:p>
+            <a:endParaRPr lang="en-GB" b="1" dirty="0">
+              <a:solidFill>
+                <a:schemeClr val="bg1"/>
+              </a:solidFill>
+            </a:endParaRPr>
+          </a:p>
+          <a:p>
+            <a:r>
+              <a:rPr lang="en-GB" b="1" dirty="0">
+                <a:solidFill>
+                  <a:schemeClr val="bg1"/>
+                </a:solidFill>
+              </a:rPr>
+              <a:t>This does not necessarily correspond to the opinion of the lecturer and does not claim to be complete, nor does it allow conclusions to be drawn about the quiz questions or the exam (which are both unknown to me).</a:t>
+            </a:r>
+          </a:p>
+          <a:p>
+            <a:endParaRPr lang="en-GB" dirty="0"/>
+          </a:p>
+        </p:txBody>
+      </p:sp>
+      <p:sp>
+        <p:nvSpPr>
+          <p:cNvPr id="3" name="Text Placeholder 2">
+            <a:extLst>
+              <a:ext uri="{FF2B5EF4-FFF2-40B4-BE49-F238E27FC236}">
+                <a16:creationId xmlns:a16="http://schemas.microsoft.com/office/drawing/2014/main" id="{6219FDED-3410-CAC4-2F32-1F9D8E016CBC}"/>
+              </a:ext>
+            </a:extLst>
+          </p:cNvPr>
+          <p:cNvSpPr>
+            <a:spLocks noGrp="1"/>
+          </p:cNvSpPr>
+          <p:nvPr>
+            <p:ph type="body" sz="quarter" idx="11"/>
           </p:nvPr>
         </p:nvSpPr>
         <p:spPr/>
@@ -19003,2014 +16416,25 @@
           <a:lstStyle/>
           <a:p>
             <a:r>
-              <a:rPr lang="en-US" dirty="0"/>
-              <a:t>The CS Exercises</a:t>
-            </a:r>
-          </a:p>
-        </p:txBody>
-      </p:sp>
-      <p:sp>
-        <p:nvSpPr>
-          <p:cNvPr id="6" name="Foliennummernplatzhalter 5">
-            <a:extLst>
-              <a:ext uri="{FF2B5EF4-FFF2-40B4-BE49-F238E27FC236}">
-                <a16:creationId xmlns:a16="http://schemas.microsoft.com/office/drawing/2014/main" id="{7F9114CC-7A07-354B-8665-B21DC223C4D1}"/>
-              </a:ext>
-            </a:extLst>
-          </p:cNvPr>
-          <p:cNvSpPr>
-            <a:spLocks noGrp="1"/>
-          </p:cNvSpPr>
-          <p:nvPr>
-            <p:ph type="sldNum" sz="quarter" idx="12"/>
-          </p:nvPr>
-        </p:nvSpPr>
-        <p:spPr/>
-        <p:txBody>
-          <a:bodyPr/>
-          <a:lstStyle/>
-          <a:p>
-            <a:fld id="{7D77B3A3-157C-467D-BC92-7A7CB5728D67}" type="slidenum">
-              <a:rPr lang="en-US" smtClean="0"/>
-              <a:pPr/>
-              <a:t>6</a:t>
-            </a:fld>
-            <a:endParaRPr lang="en-US" dirty="0"/>
-          </a:p>
-        </p:txBody>
-      </p:sp>
-      <p:sp>
-        <p:nvSpPr>
-          <p:cNvPr id="9" name="Textplatzhalter 8">
-            <a:extLst>
-              <a:ext uri="{FF2B5EF4-FFF2-40B4-BE49-F238E27FC236}">
-                <a16:creationId xmlns:a16="http://schemas.microsoft.com/office/drawing/2014/main" id="{5954732A-58D0-58D1-407A-8388ABDBBA44}"/>
-              </a:ext>
-            </a:extLst>
-          </p:cNvPr>
-          <p:cNvSpPr>
-            <a:spLocks noGrp="1"/>
-          </p:cNvSpPr>
-          <p:nvPr>
-            <p:ph type="body" sz="quarter" idx="10"/>
-          </p:nvPr>
-        </p:nvSpPr>
-        <p:spPr/>
-        <p:txBody>
-          <a:bodyPr/>
-          <a:lstStyle/>
-          <a:p>
-            <a:r>
-              <a:rPr lang="en-US" dirty="0"/>
-              <a:t>Where are we?</a:t>
-            </a:r>
-          </a:p>
-        </p:txBody>
-      </p:sp>
-      <p:sp>
-        <p:nvSpPr>
-          <p:cNvPr id="42" name="Rechteck 41">
-            <a:extLst>
-              <a:ext uri="{FF2B5EF4-FFF2-40B4-BE49-F238E27FC236}">
-                <a16:creationId xmlns:a16="http://schemas.microsoft.com/office/drawing/2014/main" id="{BE5569E4-5057-41B4-9E5C-A49A44F6106F}"/>
-              </a:ext>
-            </a:extLst>
-          </p:cNvPr>
-          <p:cNvSpPr/>
-          <p:nvPr/>
-        </p:nvSpPr>
-        <p:spPr bwMode="auto">
-          <a:xfrm>
-            <a:off x="7554657" y="1445329"/>
-            <a:ext cx="945390" cy="1147156"/>
-          </a:xfrm>
-          <a:prstGeom prst="rect">
-            <a:avLst/>
-          </a:prstGeom>
-          <a:solidFill>
-            <a:schemeClr val="accent1"/>
-          </a:solidFill>
-          <a:ln w="12700" cap="flat" cmpd="sng" algn="ctr">
-            <a:noFill/>
-            <a:prstDash val="solid"/>
-            <a:round/>
-            <a:headEnd type="none" w="med" len="med"/>
-            <a:tailEnd type="none" w="med" len="med"/>
-          </a:ln>
-          <a:effectLst/>
-        </p:spPr>
-        <p:txBody>
-          <a:bodyPr rot="0" spcFirstLastPara="0" vertOverflow="overflow" horzOverflow="overflow" vert="horz" wrap="square" lIns="64008" tIns="32004" rIns="64008" bIns="32004" numCol="1" spcCol="0" rtlCol="0" fromWordArt="0" anchor="ctr" anchorCtr="0" forceAA="0" compatLnSpc="1">
-            <a:prstTxWarp prst="textNoShape">
-              <a:avLst/>
-            </a:prstTxWarp>
-            <a:noAutofit/>
-          </a:bodyPr>
-          <a:lstStyle/>
-          <a:p>
-            <a:pPr marR="0" lvl="0" algn="ctr" defTabSz="785813" eaLnBrk="0" fontAlgn="base" latinLnBrk="0" hangingPunct="0">
-              <a:lnSpc>
-                <a:spcPct val="100000"/>
-              </a:lnSpc>
-              <a:spcBef>
-                <a:spcPct val="0"/>
-              </a:spcBef>
-              <a:spcAft>
-                <a:spcPct val="0"/>
-              </a:spcAft>
-              <a:buClrTx/>
-              <a:buSzTx/>
-              <a:buFontTx/>
-              <a:buNone/>
-              <a:tabLst/>
-              <a:defRPr/>
-            </a:pPr>
-            <a:r>
-              <a:rPr kumimoji="0" lang="en-US" sz="980" b="1" i="0" u="none" strike="noStrike" kern="0" cap="none" spc="0" normalizeH="0" baseline="0" noProof="0" dirty="0">
-                <a:ln>
-                  <a:noFill/>
-                </a:ln>
+              <a:rPr lang="de-CH" sz="3600" dirty="0">
                 <a:solidFill>
-                  <a:srgbClr val="FFFFFF"/>
+                  <a:schemeClr val="bg1"/>
                 </a:solidFill>
-                <a:effectLst/>
-                <a:uLnTx/>
-                <a:uFillTx/>
-                <a:latin typeface="Arial"/>
               </a:rPr>
-              <a:t>Lecture</a:t>
-            </a:r>
-            <a:br>
-              <a:rPr kumimoji="0" lang="en-US" sz="980" b="0" i="0" u="none" strike="noStrike" kern="0" cap="none" spc="0" normalizeH="0" baseline="0" noProof="0" dirty="0">
-                <a:ln>
-                  <a:noFill/>
-                </a:ln>
-                <a:solidFill>
-                  <a:srgbClr val="FFFFFF"/>
-                </a:solidFill>
-                <a:effectLst/>
-                <a:uLnTx/>
-                <a:uFillTx/>
-                <a:latin typeface="Arial"/>
-              </a:rPr>
-            </a:br>
-            <a:r>
-              <a:rPr kumimoji="0" lang="en-US" sz="630" b="0" i="0" u="none" strike="noStrike" kern="0" cap="none" spc="0" normalizeH="0" baseline="0" noProof="0" dirty="0">
-                <a:ln>
-                  <a:noFill/>
-                </a:ln>
-                <a:solidFill>
-                  <a:srgbClr val="FFFFFF"/>
-                </a:solidFill>
-                <a:effectLst/>
-                <a:uLnTx/>
-                <a:uFillTx/>
-                <a:latin typeface="Arial"/>
-              </a:rPr>
-              <a:t>frontal with interaction</a:t>
-            </a:r>
-          </a:p>
-        </p:txBody>
-      </p:sp>
-      <p:cxnSp>
-        <p:nvCxnSpPr>
-          <p:cNvPr id="48" name="Gerade Verbindung mit Pfeil 69">
-            <a:extLst>
-              <a:ext uri="{FF2B5EF4-FFF2-40B4-BE49-F238E27FC236}">
-                <a16:creationId xmlns:a16="http://schemas.microsoft.com/office/drawing/2014/main" id="{B7BCDDC4-E492-4531-8857-DFD188F69E09}"/>
-              </a:ext>
-            </a:extLst>
-          </p:cNvPr>
-          <p:cNvCxnSpPr>
-            <a:cxnSpLocks/>
-            <a:stCxn id="75" idx="3"/>
-            <a:endCxn id="62" idx="0"/>
-          </p:cNvCxnSpPr>
-          <p:nvPr/>
-        </p:nvCxnSpPr>
-        <p:spPr bwMode="auto">
-          <a:xfrm>
-            <a:off x="2155052" y="2571908"/>
-            <a:ext cx="559944" cy="138339"/>
-          </a:xfrm>
-          <a:prstGeom prst="bentConnector2">
-            <a:avLst/>
-          </a:prstGeom>
-          <a:solidFill>
-            <a:srgbClr val="00802F"/>
-          </a:solidFill>
-          <a:ln w="15558" cap="flat" cmpd="sng" algn="ctr">
-            <a:solidFill>
-              <a:schemeClr val="accent4"/>
-            </a:solidFill>
-            <a:prstDash val="sysDash"/>
-            <a:round/>
-            <a:headEnd type="none" w="med" len="med"/>
-            <a:tailEnd type="none" w="med" len="med"/>
-          </a:ln>
-          <a:effectLst/>
-        </p:spPr>
-      </p:cxnSp>
-      <p:sp>
-        <p:nvSpPr>
-          <p:cNvPr id="49" name="Rechteck 48">
-            <a:extLst>
-              <a:ext uri="{FF2B5EF4-FFF2-40B4-BE49-F238E27FC236}">
-                <a16:creationId xmlns:a16="http://schemas.microsoft.com/office/drawing/2014/main" id="{1FCCFA7B-3B44-4436-94C2-0FBDC888C73D}"/>
-              </a:ext>
-            </a:extLst>
-          </p:cNvPr>
-          <p:cNvSpPr/>
-          <p:nvPr/>
-        </p:nvSpPr>
-        <p:spPr bwMode="auto">
-          <a:xfrm>
-            <a:off x="1198427" y="1424593"/>
-            <a:ext cx="914400" cy="1183669"/>
-          </a:xfrm>
-          <a:prstGeom prst="rect">
-            <a:avLst/>
-          </a:prstGeom>
-          <a:solidFill>
-            <a:schemeClr val="accent1"/>
-          </a:solidFill>
-          <a:ln w="12700" cap="flat" cmpd="sng" algn="ctr">
-            <a:solidFill>
-              <a:schemeClr val="accent1"/>
-            </a:solidFill>
-            <a:prstDash val="solid"/>
-            <a:round/>
-            <a:headEnd type="none" w="med" len="med"/>
-            <a:tailEnd type="none" w="med" len="med"/>
-          </a:ln>
-          <a:effectLst/>
-        </p:spPr>
-        <p:txBody>
-          <a:bodyPr rot="0" spcFirstLastPara="0" vertOverflow="overflow" horzOverflow="overflow" vert="horz" wrap="square" lIns="64008" tIns="32004" rIns="64008" bIns="32004" numCol="1" spcCol="0" rtlCol="0" fromWordArt="0" anchor="ctr" anchorCtr="0" forceAA="0" compatLnSpc="1">
-            <a:prstTxWarp prst="textNoShape">
-              <a:avLst/>
-            </a:prstTxWarp>
-            <a:noAutofit/>
-          </a:bodyPr>
-          <a:lstStyle/>
-          <a:p>
-            <a:pPr marR="0" lvl="0" algn="ctr" defTabSz="785813" eaLnBrk="0" fontAlgn="base" latinLnBrk="0" hangingPunct="0">
-              <a:lnSpc>
-                <a:spcPct val="100000"/>
-              </a:lnSpc>
-              <a:spcBef>
-                <a:spcPct val="0"/>
-              </a:spcBef>
-              <a:spcAft>
-                <a:spcPct val="0"/>
-              </a:spcAft>
-              <a:buClrTx/>
-              <a:buSzTx/>
-              <a:buFontTx/>
-              <a:buNone/>
-              <a:tabLst/>
-              <a:defRPr/>
-            </a:pPr>
-            <a:r>
-              <a:rPr kumimoji="0" lang="en-US" sz="980" b="1" i="0" u="none" strike="noStrike" kern="0" cap="none" spc="0" normalizeH="0" baseline="0" noProof="0" dirty="0">
-                <a:ln>
-                  <a:noFill/>
-                </a:ln>
-                <a:solidFill>
-                  <a:srgbClr val="FFFFFF"/>
-                </a:solidFill>
-                <a:effectLst/>
-                <a:uLnTx/>
-                <a:uFillTx/>
-                <a:latin typeface="Arial"/>
-              </a:rPr>
-              <a:t>Lecture</a:t>
-            </a:r>
-            <a:br>
-              <a:rPr kumimoji="0" lang="en-US" sz="980" b="0" i="0" u="none" strike="noStrike" kern="0" cap="none" spc="0" normalizeH="0" baseline="0" noProof="0" dirty="0">
-                <a:ln>
-                  <a:noFill/>
-                </a:ln>
-                <a:solidFill>
-                  <a:srgbClr val="FFFFFF"/>
-                </a:solidFill>
-                <a:effectLst/>
-                <a:uLnTx/>
-                <a:uFillTx/>
-                <a:latin typeface="Arial"/>
-              </a:rPr>
-            </a:br>
-            <a:r>
-              <a:rPr kumimoji="0" lang="en-US" sz="630" b="0" i="0" u="none" strike="noStrike" kern="0" cap="none" spc="0" normalizeH="0" baseline="0" noProof="0" dirty="0">
-                <a:ln>
-                  <a:noFill/>
-                </a:ln>
-                <a:solidFill>
-                  <a:srgbClr val="FFFFFF"/>
-                </a:solidFill>
-                <a:effectLst/>
-                <a:uLnTx/>
-                <a:uFillTx/>
-                <a:latin typeface="Arial"/>
-              </a:rPr>
-              <a:t>frontal with interaction</a:t>
-            </a:r>
-          </a:p>
-        </p:txBody>
-      </p:sp>
-      <p:cxnSp>
-        <p:nvCxnSpPr>
-          <p:cNvPr id="50" name="Gerade Verbindung 9">
-            <a:extLst>
-              <a:ext uri="{FF2B5EF4-FFF2-40B4-BE49-F238E27FC236}">
-                <a16:creationId xmlns:a16="http://schemas.microsoft.com/office/drawing/2014/main" id="{5C164C50-C90A-43A7-8010-C407997C8933}"/>
-              </a:ext>
-            </a:extLst>
-          </p:cNvPr>
-          <p:cNvCxnSpPr>
-            <a:cxnSpLocks/>
-          </p:cNvCxnSpPr>
-          <p:nvPr/>
-        </p:nvCxnSpPr>
-        <p:spPr bwMode="auto">
-          <a:xfrm>
-            <a:off x="359569" y="1375710"/>
-            <a:ext cx="8212031" cy="0"/>
-          </a:xfrm>
-          <a:prstGeom prst="line">
-            <a:avLst/>
-          </a:prstGeom>
-          <a:solidFill>
-            <a:srgbClr val="00802F"/>
-          </a:solidFill>
-          <a:ln w="8890" cap="flat" cmpd="sng" algn="ctr">
-            <a:solidFill>
-              <a:srgbClr val="818284"/>
-            </a:solidFill>
-            <a:prstDash val="solid"/>
-            <a:round/>
-            <a:headEnd type="none" w="med" len="med"/>
-            <a:tailEnd type="none" w="med" len="med"/>
-          </a:ln>
-          <a:effectLst/>
-        </p:spPr>
-      </p:cxnSp>
-      <p:cxnSp>
-        <p:nvCxnSpPr>
-          <p:cNvPr id="51" name="Gerade Verbindung 11">
-            <a:extLst>
-              <a:ext uri="{FF2B5EF4-FFF2-40B4-BE49-F238E27FC236}">
-                <a16:creationId xmlns:a16="http://schemas.microsoft.com/office/drawing/2014/main" id="{0D659638-551D-4435-AD45-0CCFF59C7A9E}"/>
-              </a:ext>
-            </a:extLst>
-          </p:cNvPr>
-          <p:cNvCxnSpPr>
-            <a:cxnSpLocks/>
-          </p:cNvCxnSpPr>
-          <p:nvPr/>
-        </p:nvCxnSpPr>
-        <p:spPr bwMode="auto">
-          <a:xfrm>
-            <a:off x="359569" y="2662104"/>
-            <a:ext cx="8212031" cy="0"/>
-          </a:xfrm>
-          <a:prstGeom prst="line">
-            <a:avLst/>
-          </a:prstGeom>
-          <a:solidFill>
-            <a:srgbClr val="00802F"/>
-          </a:solidFill>
-          <a:ln w="8890" cap="flat" cmpd="sng" algn="ctr">
-            <a:solidFill>
-              <a:srgbClr val="818284"/>
-            </a:solidFill>
-            <a:prstDash val="solid"/>
-            <a:round/>
-            <a:headEnd type="none" w="med" len="med"/>
-            <a:tailEnd type="none" w="med" len="med"/>
-          </a:ln>
-          <a:effectLst/>
-        </p:spPr>
-      </p:cxnSp>
-      <p:cxnSp>
-        <p:nvCxnSpPr>
-          <p:cNvPr id="52" name="Gerade Verbindung 12">
-            <a:extLst>
-              <a:ext uri="{FF2B5EF4-FFF2-40B4-BE49-F238E27FC236}">
-                <a16:creationId xmlns:a16="http://schemas.microsoft.com/office/drawing/2014/main" id="{C056818D-0669-4F69-ADAB-5EE06AA7E5E5}"/>
-              </a:ext>
-            </a:extLst>
-          </p:cNvPr>
-          <p:cNvCxnSpPr>
-            <a:cxnSpLocks/>
-          </p:cNvCxnSpPr>
-          <p:nvPr/>
-        </p:nvCxnSpPr>
-        <p:spPr bwMode="auto">
-          <a:xfrm>
-            <a:off x="359569" y="3987984"/>
-            <a:ext cx="8212031" cy="0"/>
-          </a:xfrm>
-          <a:prstGeom prst="line">
-            <a:avLst/>
-          </a:prstGeom>
-          <a:solidFill>
-            <a:srgbClr val="00802F"/>
-          </a:solidFill>
-          <a:ln w="8890" cap="flat" cmpd="sng" algn="ctr">
-            <a:solidFill>
-              <a:srgbClr val="818284"/>
-            </a:solidFill>
-            <a:prstDash val="solid"/>
-            <a:round/>
-            <a:headEnd type="none" w="med" len="med"/>
-            <a:tailEnd type="none" w="med" len="med"/>
-          </a:ln>
-          <a:effectLst/>
-        </p:spPr>
-      </p:cxnSp>
-      <p:cxnSp>
-        <p:nvCxnSpPr>
-          <p:cNvPr id="53" name="Gerade Verbindung 13">
-            <a:extLst>
-              <a:ext uri="{FF2B5EF4-FFF2-40B4-BE49-F238E27FC236}">
-                <a16:creationId xmlns:a16="http://schemas.microsoft.com/office/drawing/2014/main" id="{51B41271-F4E3-4D05-A267-F745D20AE273}"/>
-              </a:ext>
-            </a:extLst>
-          </p:cNvPr>
-          <p:cNvCxnSpPr>
-            <a:cxnSpLocks/>
-          </p:cNvCxnSpPr>
-          <p:nvPr/>
-        </p:nvCxnSpPr>
-        <p:spPr bwMode="auto">
-          <a:xfrm>
-            <a:off x="1122288" y="1205299"/>
-            <a:ext cx="0" cy="3370810"/>
-          </a:xfrm>
-          <a:prstGeom prst="line">
-            <a:avLst/>
-          </a:prstGeom>
-          <a:solidFill>
-            <a:srgbClr val="00802F"/>
-          </a:solidFill>
-          <a:ln w="8890" cap="flat" cmpd="sng" algn="ctr">
-            <a:solidFill>
-              <a:srgbClr val="818284"/>
-            </a:solidFill>
-            <a:prstDash val="solid"/>
-            <a:round/>
-            <a:headEnd type="none" w="med" len="med"/>
-            <a:tailEnd type="none" w="med" len="med"/>
-          </a:ln>
-          <a:effectLst/>
-        </p:spPr>
-      </p:cxnSp>
-      <p:sp>
-        <p:nvSpPr>
-          <p:cNvPr id="54" name="Textfeld 53">
-            <a:extLst>
-              <a:ext uri="{FF2B5EF4-FFF2-40B4-BE49-F238E27FC236}">
-                <a16:creationId xmlns:a16="http://schemas.microsoft.com/office/drawing/2014/main" id="{8022A716-C756-45D6-9C67-B3738CAA5FBA}"/>
-              </a:ext>
-            </a:extLst>
-          </p:cNvPr>
-          <p:cNvSpPr txBox="1"/>
-          <p:nvPr/>
-        </p:nvSpPr>
-        <p:spPr>
-          <a:xfrm>
-            <a:off x="359570" y="1916531"/>
-            <a:ext cx="682711" cy="253516"/>
-          </a:xfrm>
-          <a:prstGeom prst="rect">
-            <a:avLst/>
-          </a:prstGeom>
-          <a:noFill/>
-        </p:spPr>
-        <p:txBody>
-          <a:bodyPr wrap="none" lIns="0" tIns="0" rIns="0" bIns="0" rtlCol="0" anchor="ctr">
-            <a:noAutofit/>
-          </a:bodyPr>
-          <a:lstStyle/>
-          <a:p>
-            <a:pPr algn="ctr" defTabSz="914400"/>
-            <a:r>
-              <a:rPr lang="en-US" sz="980">
-                <a:solidFill>
-                  <a:srgbClr val="818284"/>
-                </a:solidFill>
-                <a:latin typeface="Arial"/>
-              </a:rPr>
-              <a:t>8.15-12.00</a:t>
-            </a:r>
-            <a:endParaRPr lang="en-US" sz="980" dirty="0">
+              <a:t>Disclaimer</a:t>
+            </a:r>
+            <a:endParaRPr lang="en-GB" sz="3600" dirty="0">
               <a:solidFill>
-                <a:srgbClr val="818284"/>
+                <a:schemeClr val="bg1"/>
               </a:solidFill>
-              <a:latin typeface="Arial"/>
             </a:endParaRPr>
-          </a:p>
-        </p:txBody>
-      </p:sp>
-      <p:sp>
-        <p:nvSpPr>
-          <p:cNvPr id="55" name="Textfeld 54">
-            <a:extLst>
-              <a:ext uri="{FF2B5EF4-FFF2-40B4-BE49-F238E27FC236}">
-                <a16:creationId xmlns:a16="http://schemas.microsoft.com/office/drawing/2014/main" id="{3B4AE453-88EB-4E73-BCAF-F79D5D1B169C}"/>
-              </a:ext>
-            </a:extLst>
-          </p:cNvPr>
-          <p:cNvSpPr txBox="1"/>
-          <p:nvPr/>
-        </p:nvSpPr>
-        <p:spPr>
-          <a:xfrm>
-            <a:off x="359570" y="3198287"/>
-            <a:ext cx="682711" cy="253516"/>
-          </a:xfrm>
-          <a:prstGeom prst="rect">
-            <a:avLst/>
-          </a:prstGeom>
-          <a:noFill/>
-        </p:spPr>
-        <p:txBody>
-          <a:bodyPr wrap="none" lIns="0" tIns="0" rIns="0" bIns="0" rtlCol="0" anchor="ctr">
-            <a:noAutofit/>
-          </a:bodyPr>
-          <a:lstStyle/>
-          <a:p>
-            <a:pPr algn="ctr" defTabSz="914400"/>
-            <a:r>
-              <a:rPr lang="en-US" sz="980">
-                <a:solidFill>
-                  <a:srgbClr val="818284"/>
-                </a:solidFill>
-                <a:latin typeface="Arial"/>
-              </a:rPr>
-              <a:t>12.15-16.00</a:t>
-            </a:r>
-            <a:endParaRPr lang="en-US" sz="980" dirty="0">
-              <a:solidFill>
-                <a:srgbClr val="818284"/>
-              </a:solidFill>
-              <a:latin typeface="Arial"/>
-            </a:endParaRPr>
-          </a:p>
-        </p:txBody>
-      </p:sp>
-      <p:sp>
-        <p:nvSpPr>
-          <p:cNvPr id="56" name="Textfeld 55">
-            <a:extLst>
-              <a:ext uri="{FF2B5EF4-FFF2-40B4-BE49-F238E27FC236}">
-                <a16:creationId xmlns:a16="http://schemas.microsoft.com/office/drawing/2014/main" id="{2EA8FCF8-CB18-4BD4-9072-13A58D6044D4}"/>
-              </a:ext>
-            </a:extLst>
-          </p:cNvPr>
-          <p:cNvSpPr txBox="1"/>
-          <p:nvPr/>
-        </p:nvSpPr>
-        <p:spPr>
-          <a:xfrm>
-            <a:off x="359570" y="4129771"/>
-            <a:ext cx="682711" cy="253516"/>
-          </a:xfrm>
-          <a:prstGeom prst="rect">
-            <a:avLst/>
-          </a:prstGeom>
-          <a:noFill/>
-        </p:spPr>
-        <p:txBody>
-          <a:bodyPr wrap="none" lIns="0" tIns="0" rIns="0" bIns="0" rtlCol="0" anchor="ctr">
-            <a:noAutofit/>
-          </a:bodyPr>
-          <a:lstStyle/>
-          <a:p>
-            <a:pPr algn="ctr" defTabSz="914400"/>
-            <a:r>
-              <a:rPr lang="en-US" sz="980">
-                <a:solidFill>
-                  <a:srgbClr val="818284"/>
-                </a:solidFill>
-                <a:latin typeface="Arial"/>
-              </a:rPr>
-              <a:t>16.15-18.00</a:t>
-            </a:r>
-            <a:endParaRPr lang="en-US" sz="980" dirty="0">
-              <a:solidFill>
-                <a:srgbClr val="818284"/>
-              </a:solidFill>
-              <a:latin typeface="Arial"/>
-            </a:endParaRPr>
-          </a:p>
-        </p:txBody>
-      </p:sp>
-      <p:cxnSp>
-        <p:nvCxnSpPr>
-          <p:cNvPr id="57" name="Gerade Verbindung 21">
-            <a:extLst>
-              <a:ext uri="{FF2B5EF4-FFF2-40B4-BE49-F238E27FC236}">
-                <a16:creationId xmlns:a16="http://schemas.microsoft.com/office/drawing/2014/main" id="{3F5162B1-6E9E-46E0-B0FF-E349DD33048E}"/>
-              </a:ext>
-            </a:extLst>
-          </p:cNvPr>
-          <p:cNvCxnSpPr>
-            <a:cxnSpLocks/>
-          </p:cNvCxnSpPr>
-          <p:nvPr/>
-        </p:nvCxnSpPr>
-        <p:spPr bwMode="auto">
-          <a:xfrm>
-            <a:off x="2181659" y="1205299"/>
-            <a:ext cx="0" cy="3370810"/>
-          </a:xfrm>
-          <a:prstGeom prst="line">
-            <a:avLst/>
-          </a:prstGeom>
-          <a:solidFill>
-            <a:srgbClr val="00802F"/>
-          </a:solidFill>
-          <a:ln w="8890" cap="flat" cmpd="sng" algn="ctr">
-            <a:solidFill>
-              <a:srgbClr val="818284"/>
-            </a:solidFill>
-            <a:prstDash val="solid"/>
-            <a:round/>
-            <a:headEnd type="none" w="med" len="med"/>
-            <a:tailEnd type="none" w="med" len="med"/>
-          </a:ln>
-          <a:effectLst/>
-        </p:spPr>
-      </p:cxnSp>
-      <p:cxnSp>
-        <p:nvCxnSpPr>
-          <p:cNvPr id="58" name="Gerade Verbindung 22">
-            <a:extLst>
-              <a:ext uri="{FF2B5EF4-FFF2-40B4-BE49-F238E27FC236}">
-                <a16:creationId xmlns:a16="http://schemas.microsoft.com/office/drawing/2014/main" id="{B854466A-DB07-4FA5-B42B-E82A234D0BAF}"/>
-              </a:ext>
-            </a:extLst>
-          </p:cNvPr>
-          <p:cNvCxnSpPr>
-            <a:cxnSpLocks/>
-          </p:cNvCxnSpPr>
-          <p:nvPr/>
-        </p:nvCxnSpPr>
-        <p:spPr bwMode="auto">
-          <a:xfrm>
-            <a:off x="3241031" y="1205299"/>
-            <a:ext cx="0" cy="3370810"/>
-          </a:xfrm>
-          <a:prstGeom prst="line">
-            <a:avLst/>
-          </a:prstGeom>
-          <a:solidFill>
-            <a:srgbClr val="00802F"/>
-          </a:solidFill>
-          <a:ln w="8890" cap="flat" cmpd="sng" algn="ctr">
-            <a:solidFill>
-              <a:srgbClr val="818284"/>
-            </a:solidFill>
-            <a:prstDash val="solid"/>
-            <a:round/>
-            <a:headEnd type="none" w="med" len="med"/>
-            <a:tailEnd type="none" w="med" len="med"/>
-          </a:ln>
-          <a:effectLst/>
-        </p:spPr>
-      </p:cxnSp>
-      <p:cxnSp>
-        <p:nvCxnSpPr>
-          <p:cNvPr id="59" name="Gerade Verbindung 23">
-            <a:extLst>
-              <a:ext uri="{FF2B5EF4-FFF2-40B4-BE49-F238E27FC236}">
-                <a16:creationId xmlns:a16="http://schemas.microsoft.com/office/drawing/2014/main" id="{CF88C2DE-BB31-404A-BD71-57F493C03C88}"/>
-              </a:ext>
-            </a:extLst>
-          </p:cNvPr>
-          <p:cNvCxnSpPr>
-            <a:cxnSpLocks/>
-          </p:cNvCxnSpPr>
-          <p:nvPr/>
-        </p:nvCxnSpPr>
-        <p:spPr bwMode="auto">
-          <a:xfrm>
-            <a:off x="4300403" y="1205299"/>
-            <a:ext cx="0" cy="3370810"/>
-          </a:xfrm>
-          <a:prstGeom prst="line">
-            <a:avLst/>
-          </a:prstGeom>
-          <a:solidFill>
-            <a:srgbClr val="00802F"/>
-          </a:solidFill>
-          <a:ln w="8890" cap="flat" cmpd="sng" algn="ctr">
-            <a:solidFill>
-              <a:srgbClr val="818284"/>
-            </a:solidFill>
-            <a:prstDash val="solid"/>
-            <a:round/>
-            <a:headEnd type="none" w="med" len="med"/>
-            <a:tailEnd type="none" w="med" len="med"/>
-          </a:ln>
-          <a:effectLst/>
-        </p:spPr>
-      </p:cxnSp>
-      <p:cxnSp>
-        <p:nvCxnSpPr>
-          <p:cNvPr id="60" name="Gerade Verbindung 24">
-            <a:extLst>
-              <a:ext uri="{FF2B5EF4-FFF2-40B4-BE49-F238E27FC236}">
-                <a16:creationId xmlns:a16="http://schemas.microsoft.com/office/drawing/2014/main" id="{17716BEB-411F-409B-952E-E981C6B57DE0}"/>
-              </a:ext>
-            </a:extLst>
-          </p:cNvPr>
-          <p:cNvCxnSpPr>
-            <a:cxnSpLocks/>
-          </p:cNvCxnSpPr>
-          <p:nvPr/>
-        </p:nvCxnSpPr>
-        <p:spPr bwMode="auto">
-          <a:xfrm>
-            <a:off x="5359774" y="1205299"/>
-            <a:ext cx="0" cy="3370810"/>
-          </a:xfrm>
-          <a:prstGeom prst="line">
-            <a:avLst/>
-          </a:prstGeom>
-          <a:solidFill>
-            <a:srgbClr val="00802F"/>
-          </a:solidFill>
-          <a:ln w="8890" cap="flat" cmpd="sng" algn="ctr">
-            <a:solidFill>
-              <a:srgbClr val="818284"/>
-            </a:solidFill>
-            <a:prstDash val="solid"/>
-            <a:round/>
-            <a:headEnd type="none" w="med" len="med"/>
-            <a:tailEnd type="none" w="med" len="med"/>
-          </a:ln>
-          <a:effectLst/>
-        </p:spPr>
-      </p:cxnSp>
-      <p:sp>
-        <p:nvSpPr>
-          <p:cNvPr id="61" name="Rechteck 60">
-            <a:extLst>
-              <a:ext uri="{FF2B5EF4-FFF2-40B4-BE49-F238E27FC236}">
-                <a16:creationId xmlns:a16="http://schemas.microsoft.com/office/drawing/2014/main" id="{6B253527-B896-4249-98BB-5E5C7FFF7156}"/>
-              </a:ext>
-            </a:extLst>
-          </p:cNvPr>
-          <p:cNvSpPr/>
-          <p:nvPr/>
-        </p:nvSpPr>
-        <p:spPr bwMode="auto">
-          <a:xfrm>
-            <a:off x="2257797" y="2073139"/>
-            <a:ext cx="914400" cy="547601"/>
-          </a:xfrm>
-          <a:prstGeom prst="rect">
-            <a:avLst/>
-          </a:prstGeom>
-          <a:solidFill>
-            <a:schemeClr val="accent1"/>
-          </a:solidFill>
-          <a:ln w="12700" cap="flat" cmpd="sng" algn="ctr">
-            <a:noFill/>
-            <a:prstDash val="solid"/>
-            <a:round/>
-            <a:headEnd type="none" w="med" len="med"/>
-            <a:tailEnd type="none" w="med" len="med"/>
-          </a:ln>
-          <a:effectLst/>
-        </p:spPr>
-        <p:txBody>
-          <a:bodyPr rot="0" spcFirstLastPara="0" vertOverflow="overflow" horzOverflow="overflow" vert="horz" wrap="square" lIns="64008" tIns="32004" rIns="64008" bIns="32004" numCol="1" spcCol="0" rtlCol="0" fromWordArt="0" anchor="ctr" anchorCtr="0" forceAA="0" compatLnSpc="1">
-            <a:prstTxWarp prst="textNoShape">
-              <a:avLst/>
-            </a:prstTxWarp>
-            <a:noAutofit/>
-          </a:bodyPr>
-          <a:lstStyle/>
-          <a:p>
-            <a:pPr marR="0" lvl="0" algn="ctr" defTabSz="785813" eaLnBrk="0" fontAlgn="base" latinLnBrk="0" hangingPunct="0">
-              <a:lnSpc>
-                <a:spcPct val="100000"/>
-              </a:lnSpc>
-              <a:spcBef>
-                <a:spcPct val="0"/>
-              </a:spcBef>
-              <a:spcAft>
-                <a:spcPct val="0"/>
-              </a:spcAft>
-              <a:buClrTx/>
-              <a:buSzTx/>
-              <a:buFontTx/>
-              <a:buNone/>
-              <a:tabLst/>
-              <a:defRPr/>
-            </a:pPr>
-            <a:r>
-              <a:rPr kumimoji="0" lang="en-US" sz="980" b="1" i="0" u="none" strike="noStrike" kern="0" cap="none" spc="0" normalizeH="0" baseline="0" noProof="0" dirty="0">
-                <a:ln>
-                  <a:noFill/>
-                </a:ln>
-                <a:solidFill>
-                  <a:srgbClr val="FFFFFF"/>
-                </a:solidFill>
-                <a:effectLst/>
-                <a:uLnTx/>
-                <a:uFillTx/>
-                <a:latin typeface="Arial"/>
-              </a:rPr>
-              <a:t>Guided Exercise</a:t>
-            </a:r>
-            <a:br>
-              <a:rPr kumimoji="0" lang="en-US" sz="980" b="0" i="0" u="none" strike="noStrike" kern="0" cap="none" spc="0" normalizeH="0" baseline="0" noProof="0" dirty="0">
-                <a:ln>
-                  <a:noFill/>
-                </a:ln>
-                <a:solidFill>
-                  <a:srgbClr val="FFFFFF"/>
-                </a:solidFill>
-                <a:effectLst/>
-                <a:uLnTx/>
-                <a:uFillTx/>
-                <a:latin typeface="Arial"/>
-              </a:rPr>
-            </a:br>
-            <a:r>
-              <a:rPr kumimoji="0" lang="en-US" sz="630" b="0" i="0" u="none" strike="noStrike" kern="0" cap="none" spc="0" normalizeH="0" baseline="0" noProof="0" dirty="0">
-                <a:ln>
-                  <a:noFill/>
-                </a:ln>
-                <a:solidFill>
-                  <a:srgbClr val="FFFFFF"/>
-                </a:solidFill>
-                <a:effectLst/>
-                <a:uLnTx/>
-                <a:uFillTx/>
-                <a:latin typeface="Arial"/>
-              </a:rPr>
-              <a:t>frontal with interaction</a:t>
-            </a:r>
-          </a:p>
-        </p:txBody>
-      </p:sp>
-      <p:sp>
-        <p:nvSpPr>
-          <p:cNvPr id="62" name="Rechteck 61">
-            <a:extLst>
-              <a:ext uri="{FF2B5EF4-FFF2-40B4-BE49-F238E27FC236}">
-                <a16:creationId xmlns:a16="http://schemas.microsoft.com/office/drawing/2014/main" id="{3C37652C-F8CE-40A4-A3DE-0DAA6425B970}"/>
-              </a:ext>
-            </a:extLst>
-          </p:cNvPr>
-          <p:cNvSpPr/>
-          <p:nvPr/>
-        </p:nvSpPr>
-        <p:spPr bwMode="auto">
-          <a:xfrm>
-            <a:off x="2257796" y="2710247"/>
-            <a:ext cx="914400" cy="547601"/>
-          </a:xfrm>
-          <a:prstGeom prst="rect">
-            <a:avLst/>
-          </a:prstGeom>
-          <a:solidFill>
-            <a:schemeClr val="accent3"/>
-          </a:solidFill>
-          <a:ln w="12700" cap="flat" cmpd="sng" algn="ctr">
-            <a:noFill/>
-            <a:prstDash val="solid"/>
-            <a:round/>
-            <a:headEnd type="none" w="med" len="med"/>
-            <a:tailEnd type="none" w="med" len="med"/>
-          </a:ln>
-          <a:effectLst/>
-        </p:spPr>
-        <p:txBody>
-          <a:bodyPr rot="0" spcFirstLastPara="0" vertOverflow="overflow" horzOverflow="overflow" vert="horz" wrap="square" lIns="64008" tIns="32004" rIns="64008" bIns="32004" numCol="1" spcCol="0" rtlCol="0" fromWordArt="0" anchor="ctr" anchorCtr="0" forceAA="0" compatLnSpc="1">
-            <a:prstTxWarp prst="textNoShape">
-              <a:avLst/>
-            </a:prstTxWarp>
-            <a:noAutofit/>
-          </a:bodyPr>
-          <a:lstStyle/>
-          <a:p>
-            <a:pPr marR="0" lvl="0" algn="ctr" defTabSz="785813" eaLnBrk="0" fontAlgn="base" latinLnBrk="0" hangingPunct="0">
-              <a:lnSpc>
-                <a:spcPct val="100000"/>
-              </a:lnSpc>
-              <a:spcBef>
-                <a:spcPct val="0"/>
-              </a:spcBef>
-              <a:spcAft>
-                <a:spcPct val="0"/>
-              </a:spcAft>
-              <a:buClrTx/>
-              <a:buSzTx/>
-              <a:buFontTx/>
-              <a:buNone/>
-              <a:tabLst/>
-              <a:defRPr/>
-            </a:pPr>
-            <a:r>
-              <a:rPr kumimoji="0" lang="en-US" sz="980" b="1" i="0" u="none" strike="noStrike" kern="0" cap="none" spc="0" normalizeH="0" baseline="0" noProof="0" dirty="0">
-                <a:ln>
-                  <a:noFill/>
-                </a:ln>
-                <a:solidFill>
-                  <a:srgbClr val="FFFFFF"/>
-                </a:solidFill>
-                <a:effectLst/>
-                <a:uLnTx/>
-                <a:uFillTx/>
-                <a:latin typeface="Arial"/>
-              </a:rPr>
-              <a:t>Exercise</a:t>
-            </a:r>
-          </a:p>
-          <a:p>
-            <a:pPr marR="0" lvl="0" algn="ctr" defTabSz="785813" eaLnBrk="0" fontAlgn="base" latinLnBrk="0" hangingPunct="0">
-              <a:lnSpc>
-                <a:spcPct val="100000"/>
-              </a:lnSpc>
-              <a:spcBef>
-                <a:spcPct val="0"/>
-              </a:spcBef>
-              <a:spcAft>
-                <a:spcPct val="0"/>
-              </a:spcAft>
-              <a:buClrTx/>
-              <a:buSzTx/>
-              <a:buFontTx/>
-              <a:buNone/>
-              <a:tabLst/>
-              <a:defRPr/>
-            </a:pPr>
-            <a:r>
-              <a:rPr kumimoji="0" lang="en-US" sz="630" b="0" i="0" u="none" strike="noStrike" kern="0" cap="none" spc="0" normalizeH="0" baseline="0" noProof="0" dirty="0">
-                <a:ln>
-                  <a:noFill/>
-                </a:ln>
-                <a:solidFill>
-                  <a:srgbClr val="FFFFFF"/>
-                </a:solidFill>
-                <a:effectLst/>
-                <a:uLnTx/>
-                <a:uFillTx/>
-                <a:latin typeface="Arial"/>
-              </a:rPr>
-              <a:t>in (smaller) groups</a:t>
-            </a:r>
-          </a:p>
-        </p:txBody>
-      </p:sp>
-      <p:sp>
-        <p:nvSpPr>
-          <p:cNvPr id="63" name="Rechteck 62">
-            <a:extLst>
-              <a:ext uri="{FF2B5EF4-FFF2-40B4-BE49-F238E27FC236}">
-                <a16:creationId xmlns:a16="http://schemas.microsoft.com/office/drawing/2014/main" id="{BCF06E7B-4D22-4AC7-BEC0-A735121588C9}"/>
-              </a:ext>
-            </a:extLst>
-          </p:cNvPr>
-          <p:cNvSpPr/>
-          <p:nvPr/>
-        </p:nvSpPr>
-        <p:spPr bwMode="auto">
-          <a:xfrm>
-            <a:off x="7630937" y="1480808"/>
-            <a:ext cx="351363" cy="161600"/>
-          </a:xfrm>
-          <a:prstGeom prst="rect">
-            <a:avLst/>
-          </a:prstGeom>
-          <a:solidFill>
-            <a:schemeClr val="accent4"/>
-          </a:solidFill>
-          <a:ln w="12700" cap="flat" cmpd="sng" algn="ctr">
-            <a:noFill/>
-            <a:prstDash val="solid"/>
-            <a:round/>
-            <a:headEnd type="none" w="med" len="med"/>
-            <a:tailEnd type="none" w="med" len="med"/>
-          </a:ln>
-          <a:effectLst/>
-        </p:spPr>
-        <p:txBody>
-          <a:bodyPr rot="0" spcFirstLastPara="0" vertOverflow="overflow" horzOverflow="overflow" vert="horz" wrap="square" lIns="0" tIns="0" rIns="0" bIns="0" numCol="1" spcCol="0" rtlCol="0" fromWordArt="0" anchor="ctr" anchorCtr="0" forceAA="0" compatLnSpc="1">
-            <a:prstTxWarp prst="textNoShape">
-              <a:avLst/>
-            </a:prstTxWarp>
-            <a:noAutofit/>
-          </a:bodyPr>
-          <a:lstStyle/>
-          <a:p>
-            <a:pPr marR="0" lvl="0" algn="ctr" defTabSz="785813" eaLnBrk="0" fontAlgn="base" latinLnBrk="0" hangingPunct="0">
-              <a:lnSpc>
-                <a:spcPct val="100000"/>
-              </a:lnSpc>
-              <a:spcBef>
-                <a:spcPct val="0"/>
-              </a:spcBef>
-              <a:spcAft>
-                <a:spcPct val="0"/>
-              </a:spcAft>
-              <a:buClrTx/>
-              <a:buSzTx/>
-              <a:buFontTx/>
-              <a:buNone/>
-              <a:tabLst/>
-              <a:defRPr/>
-            </a:pPr>
-            <a:r>
-              <a:rPr kumimoji="0" lang="en-US" sz="630" b="1" i="0" u="none" strike="noStrike" kern="0" cap="none" spc="0" normalizeH="0" baseline="0" noProof="0" dirty="0">
-                <a:ln>
-                  <a:noFill/>
-                </a:ln>
-                <a:solidFill>
-                  <a:srgbClr val="FFFFFF"/>
-                </a:solidFill>
-                <a:effectLst/>
-                <a:uLnTx/>
-                <a:uFillTx/>
-                <a:latin typeface="Arial"/>
-              </a:rPr>
-              <a:t>Quiz*</a:t>
-            </a:r>
-          </a:p>
-        </p:txBody>
-      </p:sp>
-      <p:sp>
-        <p:nvSpPr>
-          <p:cNvPr id="64" name="Rechteck 63">
-            <a:extLst>
-              <a:ext uri="{FF2B5EF4-FFF2-40B4-BE49-F238E27FC236}">
-                <a16:creationId xmlns:a16="http://schemas.microsoft.com/office/drawing/2014/main" id="{7662128E-83C4-45E4-997D-997528EBD0EB}"/>
-              </a:ext>
-            </a:extLst>
-          </p:cNvPr>
-          <p:cNvSpPr/>
-          <p:nvPr/>
-        </p:nvSpPr>
-        <p:spPr bwMode="auto">
-          <a:xfrm>
-            <a:off x="4375528" y="4035250"/>
-            <a:ext cx="914400" cy="498380"/>
-          </a:xfrm>
-          <a:prstGeom prst="rect">
-            <a:avLst/>
-          </a:prstGeom>
-          <a:solidFill>
-            <a:schemeClr val="accent2"/>
-          </a:solidFill>
-          <a:ln w="12700" cap="flat" cmpd="sng" algn="ctr">
-            <a:noFill/>
-            <a:prstDash val="solid"/>
-            <a:round/>
-            <a:headEnd type="none" w="med" len="med"/>
-            <a:tailEnd type="none" w="med" len="med"/>
-          </a:ln>
-          <a:effectLst/>
-        </p:spPr>
-        <p:txBody>
-          <a:bodyPr rot="0" spcFirstLastPara="0" vertOverflow="overflow" horzOverflow="overflow" vert="horz" wrap="square" lIns="64008" tIns="32004" rIns="64008" bIns="32004" numCol="1" spcCol="0" rtlCol="0" fromWordArt="0" anchor="ctr" anchorCtr="0" forceAA="0" compatLnSpc="1">
-            <a:prstTxWarp prst="textNoShape">
-              <a:avLst/>
-            </a:prstTxWarp>
-            <a:noAutofit/>
-          </a:bodyPr>
-          <a:lstStyle/>
-          <a:p>
-            <a:pPr marR="0" lvl="0" algn="ctr" defTabSz="785813" eaLnBrk="0" fontAlgn="base" latinLnBrk="0" hangingPunct="0">
-              <a:lnSpc>
-                <a:spcPct val="100000"/>
-              </a:lnSpc>
-              <a:spcBef>
-                <a:spcPct val="0"/>
-              </a:spcBef>
-              <a:spcAft>
-                <a:spcPct val="0"/>
-              </a:spcAft>
-              <a:buClrTx/>
-              <a:buSzTx/>
-              <a:buFontTx/>
-              <a:buNone/>
-              <a:tabLst/>
-              <a:defRPr/>
-            </a:pPr>
-            <a:r>
-              <a:rPr kumimoji="0" lang="en-US" sz="630" b="0" i="0" u="none" strike="noStrike" kern="0" cap="none" spc="0" normalizeH="0" baseline="0" noProof="0" dirty="0">
-                <a:ln>
-                  <a:noFill/>
-                </a:ln>
-                <a:effectLst/>
-                <a:uLnTx/>
-                <a:uFillTx/>
-                <a:latin typeface="Arial"/>
-              </a:rPr>
-              <a:t>optional</a:t>
-            </a:r>
-          </a:p>
-          <a:p>
-            <a:pPr marR="0" lvl="0" algn="ctr" defTabSz="785813" eaLnBrk="0" fontAlgn="base" latinLnBrk="0" hangingPunct="0">
-              <a:lnSpc>
-                <a:spcPct val="100000"/>
-              </a:lnSpc>
-              <a:spcBef>
-                <a:spcPct val="0"/>
-              </a:spcBef>
-              <a:spcAft>
-                <a:spcPct val="0"/>
-              </a:spcAft>
-              <a:buClrTx/>
-              <a:buSzTx/>
-              <a:buFontTx/>
-              <a:buNone/>
-              <a:tabLst/>
-              <a:defRPr/>
-            </a:pPr>
-            <a:r>
-              <a:rPr kumimoji="0" lang="en-US" sz="980" b="1" i="0" u="none" strike="noStrike" kern="0" cap="none" spc="0" normalizeH="0" baseline="0" noProof="0" dirty="0">
-                <a:ln>
-                  <a:noFill/>
-                </a:ln>
-                <a:effectLst/>
-                <a:uLnTx/>
-                <a:uFillTx/>
-                <a:latin typeface="Arial"/>
-              </a:rPr>
-              <a:t>Coaching</a:t>
-            </a:r>
-          </a:p>
-        </p:txBody>
-      </p:sp>
-      <p:sp>
-        <p:nvSpPr>
-          <p:cNvPr id="65" name="Textfeld 64">
-            <a:extLst>
-              <a:ext uri="{FF2B5EF4-FFF2-40B4-BE49-F238E27FC236}">
-                <a16:creationId xmlns:a16="http://schemas.microsoft.com/office/drawing/2014/main" id="{1CBA6BF6-1708-421B-9C13-0011304C82F4}"/>
-              </a:ext>
-            </a:extLst>
-          </p:cNvPr>
-          <p:cNvSpPr txBox="1"/>
-          <p:nvPr/>
-        </p:nvSpPr>
-        <p:spPr>
-          <a:xfrm>
-            <a:off x="1122289" y="1142952"/>
-            <a:ext cx="1057934" cy="234883"/>
-          </a:xfrm>
-          <a:prstGeom prst="rect">
-            <a:avLst/>
-          </a:prstGeom>
-          <a:noFill/>
-        </p:spPr>
-        <p:txBody>
-          <a:bodyPr wrap="none" lIns="0" tIns="0" rIns="0" bIns="0" rtlCol="0" anchor="ctr">
-            <a:noAutofit/>
-          </a:bodyPr>
-          <a:lstStyle/>
-          <a:p>
-            <a:pPr algn="ctr" defTabSz="914400"/>
-            <a:r>
-              <a:rPr lang="en-US" sz="980" b="1" dirty="0">
-                <a:solidFill>
-                  <a:srgbClr val="818284"/>
-                </a:solidFill>
-                <a:latin typeface="Arial"/>
-              </a:rPr>
-              <a:t>Thursday</a:t>
-            </a:r>
-          </a:p>
-        </p:txBody>
-      </p:sp>
-      <p:sp>
-        <p:nvSpPr>
-          <p:cNvPr id="66" name="Textfeld 65">
-            <a:extLst>
-              <a:ext uri="{FF2B5EF4-FFF2-40B4-BE49-F238E27FC236}">
-                <a16:creationId xmlns:a16="http://schemas.microsoft.com/office/drawing/2014/main" id="{8E22255D-28A2-4AA7-A293-D7A29F5535C6}"/>
-              </a:ext>
-            </a:extLst>
-          </p:cNvPr>
-          <p:cNvSpPr txBox="1"/>
-          <p:nvPr/>
-        </p:nvSpPr>
-        <p:spPr>
-          <a:xfrm>
-            <a:off x="2180223" y="1140827"/>
-            <a:ext cx="1057934" cy="234883"/>
-          </a:xfrm>
-          <a:prstGeom prst="rect">
-            <a:avLst/>
-          </a:prstGeom>
-          <a:noFill/>
-        </p:spPr>
-        <p:txBody>
-          <a:bodyPr wrap="none" lIns="0" tIns="0" rIns="0" bIns="0" rtlCol="0" anchor="ctr">
-            <a:noAutofit/>
-          </a:bodyPr>
-          <a:lstStyle/>
-          <a:p>
-            <a:pPr algn="ctr" defTabSz="914400"/>
-            <a:r>
-              <a:rPr lang="en-US" sz="980" b="1" dirty="0">
-                <a:solidFill>
-                  <a:srgbClr val="818284"/>
-                </a:solidFill>
-                <a:latin typeface="Arial"/>
-              </a:rPr>
-              <a:t>Friday</a:t>
-            </a:r>
-          </a:p>
-        </p:txBody>
-      </p:sp>
-      <p:sp>
-        <p:nvSpPr>
-          <p:cNvPr id="67" name="Textfeld 66">
-            <a:extLst>
-              <a:ext uri="{FF2B5EF4-FFF2-40B4-BE49-F238E27FC236}">
-                <a16:creationId xmlns:a16="http://schemas.microsoft.com/office/drawing/2014/main" id="{D0F8B015-2AE3-4652-ADBF-E204C8C7C196}"/>
-              </a:ext>
-            </a:extLst>
-          </p:cNvPr>
-          <p:cNvSpPr txBox="1"/>
-          <p:nvPr/>
-        </p:nvSpPr>
-        <p:spPr>
-          <a:xfrm>
-            <a:off x="3238157" y="1142494"/>
-            <a:ext cx="1063683" cy="234883"/>
-          </a:xfrm>
-          <a:prstGeom prst="rect">
-            <a:avLst/>
-          </a:prstGeom>
-          <a:noFill/>
-        </p:spPr>
-        <p:txBody>
-          <a:bodyPr wrap="none" lIns="0" tIns="0" rIns="0" bIns="0" rtlCol="0" anchor="ctr">
-            <a:noAutofit/>
-          </a:bodyPr>
-          <a:lstStyle/>
-          <a:p>
-            <a:pPr algn="ctr" defTabSz="914400"/>
-            <a:r>
-              <a:rPr lang="en-US" sz="600" dirty="0">
-                <a:solidFill>
-                  <a:srgbClr val="818284"/>
-                </a:solidFill>
-                <a:latin typeface="Arial"/>
-              </a:rPr>
-              <a:t>weekend</a:t>
-            </a:r>
-            <a:br>
-              <a:rPr lang="en-US" sz="600" dirty="0">
-                <a:solidFill>
-                  <a:srgbClr val="818284"/>
-                </a:solidFill>
-                <a:latin typeface="Arial"/>
-              </a:rPr>
-            </a:br>
-            <a:r>
-              <a:rPr lang="en-US" sz="600" dirty="0">
-                <a:solidFill>
-                  <a:srgbClr val="818284"/>
-                </a:solidFill>
-                <a:latin typeface="Arial"/>
-              </a:rPr>
-              <a:t>(yeah…)</a:t>
-            </a:r>
-          </a:p>
-        </p:txBody>
-      </p:sp>
-      <p:sp>
-        <p:nvSpPr>
-          <p:cNvPr id="68" name="Textfeld 67">
-            <a:extLst>
-              <a:ext uri="{FF2B5EF4-FFF2-40B4-BE49-F238E27FC236}">
-                <a16:creationId xmlns:a16="http://schemas.microsoft.com/office/drawing/2014/main" id="{CB00179A-D360-438B-83AA-F65AF91183C1}"/>
-              </a:ext>
-            </a:extLst>
-          </p:cNvPr>
-          <p:cNvSpPr txBox="1"/>
-          <p:nvPr/>
-        </p:nvSpPr>
-        <p:spPr>
-          <a:xfrm>
-            <a:off x="4301840" y="1142952"/>
-            <a:ext cx="1056496" cy="234883"/>
-          </a:xfrm>
-          <a:prstGeom prst="rect">
-            <a:avLst/>
-          </a:prstGeom>
-          <a:noFill/>
-        </p:spPr>
-        <p:txBody>
-          <a:bodyPr wrap="none" lIns="0" tIns="0" rIns="0" bIns="0" rtlCol="0" anchor="ctr">
-            <a:noAutofit/>
-          </a:bodyPr>
-          <a:lstStyle/>
-          <a:p>
-            <a:pPr algn="ctr" defTabSz="914400"/>
-            <a:r>
-              <a:rPr lang="en-US" sz="980" b="1" dirty="0">
-                <a:solidFill>
-                  <a:srgbClr val="818284"/>
-                </a:solidFill>
-                <a:latin typeface="Arial"/>
-              </a:rPr>
-              <a:t>Monday</a:t>
-            </a:r>
-          </a:p>
-        </p:txBody>
-      </p:sp>
-      <p:sp>
-        <p:nvSpPr>
-          <p:cNvPr id="69" name="Textfeld 68">
-            <a:extLst>
-              <a:ext uri="{FF2B5EF4-FFF2-40B4-BE49-F238E27FC236}">
-                <a16:creationId xmlns:a16="http://schemas.microsoft.com/office/drawing/2014/main" id="{02BEECB6-F2D7-4E35-9A90-9F36213146CE}"/>
-              </a:ext>
-            </a:extLst>
-          </p:cNvPr>
-          <p:cNvSpPr txBox="1"/>
-          <p:nvPr/>
-        </p:nvSpPr>
-        <p:spPr>
-          <a:xfrm>
-            <a:off x="5358336" y="1142952"/>
-            <a:ext cx="1056495" cy="234883"/>
-          </a:xfrm>
-          <a:prstGeom prst="rect">
-            <a:avLst/>
-          </a:prstGeom>
-          <a:noFill/>
-        </p:spPr>
-        <p:txBody>
-          <a:bodyPr wrap="none" lIns="0" tIns="0" rIns="0" bIns="0" rtlCol="0" anchor="ctr">
-            <a:noAutofit/>
-          </a:bodyPr>
-          <a:lstStyle/>
-          <a:p>
-            <a:pPr algn="ctr" defTabSz="914400"/>
-            <a:r>
-              <a:rPr lang="en-US" sz="980" b="1" dirty="0">
-                <a:solidFill>
-                  <a:srgbClr val="818284"/>
-                </a:solidFill>
-                <a:latin typeface="Arial"/>
-              </a:rPr>
-              <a:t>Tuesday</a:t>
-            </a:r>
-          </a:p>
-        </p:txBody>
-      </p:sp>
-      <p:cxnSp>
-        <p:nvCxnSpPr>
-          <p:cNvPr id="71" name="Gewinkelte Verbindung 42">
-            <a:extLst>
-              <a:ext uri="{FF2B5EF4-FFF2-40B4-BE49-F238E27FC236}">
-                <a16:creationId xmlns:a16="http://schemas.microsoft.com/office/drawing/2014/main" id="{8517F573-90F9-453F-8A6F-2830C980A583}"/>
-              </a:ext>
-            </a:extLst>
-          </p:cNvPr>
-          <p:cNvCxnSpPr>
-            <a:cxnSpLocks/>
-            <a:stCxn id="49" idx="3"/>
-            <a:endCxn id="61" idx="0"/>
-          </p:cNvCxnSpPr>
-          <p:nvPr/>
-        </p:nvCxnSpPr>
-        <p:spPr bwMode="auto">
-          <a:xfrm>
-            <a:off x="2112827" y="2016428"/>
-            <a:ext cx="602170" cy="56711"/>
-          </a:xfrm>
-          <a:prstGeom prst="bentConnector2">
-            <a:avLst/>
-          </a:prstGeom>
-          <a:solidFill>
-            <a:srgbClr val="00802F"/>
-          </a:solidFill>
-          <a:ln w="15558" cap="flat" cmpd="sng" algn="ctr">
-            <a:solidFill>
-              <a:schemeClr val="accent4"/>
-            </a:solidFill>
-            <a:prstDash val="solid"/>
-            <a:round/>
-            <a:headEnd type="none" w="med" len="med"/>
-            <a:tailEnd type="none" w="med" len="med"/>
-          </a:ln>
-          <a:effectLst/>
-        </p:spPr>
-      </p:cxnSp>
-      <p:sp>
-        <p:nvSpPr>
-          <p:cNvPr id="72" name="Textfeld 71">
-            <a:extLst>
-              <a:ext uri="{FF2B5EF4-FFF2-40B4-BE49-F238E27FC236}">
-                <a16:creationId xmlns:a16="http://schemas.microsoft.com/office/drawing/2014/main" id="{85247F30-F80B-4E57-8800-DBE6C4FB451A}"/>
-              </a:ext>
-            </a:extLst>
-          </p:cNvPr>
-          <p:cNvSpPr txBox="1"/>
-          <p:nvPr/>
-        </p:nvSpPr>
-        <p:spPr>
-          <a:xfrm>
-            <a:off x="7402382" y="4349535"/>
-            <a:ext cx="1394761" cy="130390"/>
-          </a:xfrm>
-          <a:prstGeom prst="rect">
-            <a:avLst/>
-          </a:prstGeom>
-          <a:noFill/>
-        </p:spPr>
-        <p:txBody>
-          <a:bodyPr wrap="square" lIns="0" tIns="0" rIns="0" bIns="0" rtlCol="0" anchor="b">
-            <a:noAutofit/>
-          </a:bodyPr>
-          <a:lstStyle/>
-          <a:p>
-            <a:pPr algn="r" defTabSz="914400"/>
-            <a:r>
-              <a:rPr lang="en-US" sz="700" dirty="0">
-                <a:solidFill>
-                  <a:schemeClr val="accent4"/>
-                </a:solidFill>
-                <a:latin typeface="Arial"/>
-              </a:rPr>
-              <a:t>* 08:17-08:37, (mostly) graded</a:t>
-            </a:r>
-          </a:p>
-        </p:txBody>
-      </p:sp>
-      <p:sp>
-        <p:nvSpPr>
-          <p:cNvPr id="73" name="Rechteck 72">
-            <a:extLst>
-              <a:ext uri="{FF2B5EF4-FFF2-40B4-BE49-F238E27FC236}">
-                <a16:creationId xmlns:a16="http://schemas.microsoft.com/office/drawing/2014/main" id="{67E9E5E8-30F6-4E6A-B24E-1A0F78E8092C}"/>
-              </a:ext>
-            </a:extLst>
-          </p:cNvPr>
-          <p:cNvSpPr/>
-          <p:nvPr/>
-        </p:nvSpPr>
-        <p:spPr bwMode="auto">
-          <a:xfrm>
-            <a:off x="4325999" y="3348873"/>
-            <a:ext cx="1013459" cy="434147"/>
-          </a:xfrm>
-          <a:prstGeom prst="rect">
-            <a:avLst/>
-          </a:prstGeom>
-          <a:noFill/>
-          <a:ln w="8890" cap="flat" cmpd="sng" algn="ctr">
-            <a:solidFill>
-              <a:srgbClr val="818284"/>
-            </a:solidFill>
-            <a:prstDash val="solid"/>
-            <a:round/>
-            <a:headEnd type="none" w="med" len="med"/>
-            <a:tailEnd type="none" w="med" len="med"/>
-          </a:ln>
-          <a:effectLst/>
-          <a:extLst>
-            <a:ext uri="{909E8E84-426E-40DD-AFC4-6F175D3DCCD1}">
-              <a14:hiddenFill xmlns:a14="http://schemas.microsoft.com/office/drawing/2010/main">
-                <a:solidFill>
-                  <a:schemeClr val="bg2"/>
-                </a:solidFill>
-              </a14:hiddenFill>
-            </a:ext>
-          </a:extLst>
-        </p:spPr>
-        <p:txBody>
-          <a:bodyPr rot="0" spcFirstLastPara="0" vertOverflow="overflow" horzOverflow="overflow" vert="horz" wrap="square" lIns="0" tIns="0" rIns="0" bIns="0" numCol="1" spcCol="0" rtlCol="0" fromWordArt="0" anchor="ctr" anchorCtr="0" forceAA="0" compatLnSpc="1">
-            <a:prstTxWarp prst="textNoShape">
-              <a:avLst/>
-            </a:prstTxWarp>
-            <a:noAutofit/>
-          </a:bodyPr>
-          <a:lstStyle/>
-          <a:p>
-            <a:pPr marR="0" lvl="0" algn="ctr" defTabSz="785813" eaLnBrk="0" fontAlgn="base" latinLnBrk="0" hangingPunct="0">
-              <a:lnSpc>
-                <a:spcPct val="100000"/>
-              </a:lnSpc>
-              <a:spcBef>
-                <a:spcPct val="0"/>
-              </a:spcBef>
-              <a:spcAft>
-                <a:spcPct val="0"/>
-              </a:spcAft>
-              <a:buClrTx/>
-              <a:buSzTx/>
-              <a:buFontTx/>
-              <a:buNone/>
-              <a:tabLst/>
-              <a:defRPr/>
-            </a:pPr>
-            <a:r>
-              <a:rPr kumimoji="0" lang="en-US" sz="560" b="0" i="0" u="none" strike="noStrike" kern="0" cap="none" spc="0" normalizeH="0" baseline="0" noProof="0" dirty="0">
-                <a:ln>
-                  <a:noFill/>
-                </a:ln>
-                <a:solidFill>
-                  <a:srgbClr val="818284"/>
-                </a:solidFill>
-                <a:effectLst/>
-                <a:uLnTx/>
-                <a:uFillTx/>
-                <a:latin typeface="Arial"/>
-              </a:rPr>
-              <a:t>There is no presentation, but coaches will support you individually, with your relevant questions</a:t>
-            </a:r>
-          </a:p>
-        </p:txBody>
-      </p:sp>
-      <p:cxnSp>
-        <p:nvCxnSpPr>
-          <p:cNvPr id="74" name="Gerader Verbinder 73">
-            <a:extLst>
-              <a:ext uri="{FF2B5EF4-FFF2-40B4-BE49-F238E27FC236}">
-                <a16:creationId xmlns:a16="http://schemas.microsoft.com/office/drawing/2014/main" id="{A3098734-E048-4FD1-BA34-CFDCCDE5FFEB}"/>
-              </a:ext>
-            </a:extLst>
-          </p:cNvPr>
-          <p:cNvCxnSpPr>
-            <a:cxnSpLocks/>
-            <a:stCxn id="73" idx="2"/>
-            <a:endCxn id="64" idx="0"/>
-          </p:cNvCxnSpPr>
-          <p:nvPr/>
-        </p:nvCxnSpPr>
-        <p:spPr bwMode="auto">
-          <a:xfrm flipH="1">
-            <a:off x="4832728" y="3783020"/>
-            <a:ext cx="1" cy="252230"/>
-          </a:xfrm>
-          <a:prstGeom prst="line">
-            <a:avLst/>
-          </a:prstGeom>
-          <a:solidFill>
-            <a:srgbClr val="00802F"/>
-          </a:solidFill>
-          <a:ln w="8890" cap="flat" cmpd="sng" algn="ctr">
-            <a:solidFill>
-              <a:srgbClr val="818284"/>
-            </a:solidFill>
-            <a:prstDash val="sysDash"/>
-            <a:round/>
-            <a:headEnd type="none" w="med" len="med"/>
-            <a:tailEnd type="none" w="med" len="med"/>
-          </a:ln>
-          <a:effectLst/>
-        </p:spPr>
-      </p:cxnSp>
-      <p:sp>
-        <p:nvSpPr>
-          <p:cNvPr id="75" name="Rechteck 74">
-            <a:extLst>
-              <a:ext uri="{FF2B5EF4-FFF2-40B4-BE49-F238E27FC236}">
-                <a16:creationId xmlns:a16="http://schemas.microsoft.com/office/drawing/2014/main" id="{DB325014-1ADD-4CFC-9762-E6923FC58F94}"/>
-              </a:ext>
-            </a:extLst>
-          </p:cNvPr>
-          <p:cNvSpPr/>
-          <p:nvPr/>
-        </p:nvSpPr>
-        <p:spPr bwMode="auto">
-          <a:xfrm>
-            <a:off x="1648321" y="2506388"/>
-            <a:ext cx="506731" cy="131040"/>
-          </a:xfrm>
-          <a:prstGeom prst="rect">
-            <a:avLst/>
-          </a:prstGeom>
-          <a:solidFill>
-            <a:schemeClr val="accent2"/>
-          </a:solidFill>
-          <a:ln w="12700" cap="flat" cmpd="sng" algn="ctr">
-            <a:noFill/>
-            <a:prstDash val="solid"/>
-            <a:round/>
-            <a:headEnd type="none" w="med" len="med"/>
-            <a:tailEnd type="none" w="med" len="med"/>
-          </a:ln>
-          <a:effectLst/>
-        </p:spPr>
-        <p:txBody>
-          <a:bodyPr rot="0" spcFirstLastPara="0" vertOverflow="overflow" horzOverflow="overflow" vert="horz" wrap="square" lIns="0" tIns="0" rIns="0" bIns="0" numCol="1" spcCol="0" rtlCol="0" fromWordArt="0" anchor="ctr" anchorCtr="0" forceAA="0" compatLnSpc="1">
-            <a:prstTxWarp prst="textNoShape">
-              <a:avLst/>
-            </a:prstTxWarp>
-            <a:noAutofit/>
-          </a:bodyPr>
-          <a:lstStyle/>
-          <a:p>
-            <a:pPr marR="0" lvl="0" algn="ctr" defTabSz="785813" eaLnBrk="0" fontAlgn="base" latinLnBrk="0" hangingPunct="0">
-              <a:lnSpc>
-                <a:spcPct val="100000"/>
-              </a:lnSpc>
-              <a:spcBef>
-                <a:spcPct val="0"/>
-              </a:spcBef>
-              <a:spcAft>
-                <a:spcPct val="0"/>
-              </a:spcAft>
-              <a:buClrTx/>
-              <a:buSzTx/>
-              <a:buFontTx/>
-              <a:buNone/>
-              <a:tabLst/>
-              <a:defRPr/>
-            </a:pPr>
-            <a:r>
-              <a:rPr kumimoji="0" lang="en-US" sz="630" b="0" i="0" u="none" strike="noStrike" kern="0" cap="none" spc="0" normalizeH="0" baseline="0" noProof="0" dirty="0">
-                <a:ln>
-                  <a:noFill/>
-                </a:ln>
-                <a:effectLst/>
-                <a:uLnTx/>
-                <a:uFillTx/>
-                <a:latin typeface="Arial"/>
-              </a:rPr>
-              <a:t>Assignment</a:t>
-            </a:r>
-          </a:p>
-        </p:txBody>
-      </p:sp>
-      <p:sp>
-        <p:nvSpPr>
-          <p:cNvPr id="76" name="Textfeld 75">
-            <a:extLst>
-              <a:ext uri="{FF2B5EF4-FFF2-40B4-BE49-F238E27FC236}">
-                <a16:creationId xmlns:a16="http://schemas.microsoft.com/office/drawing/2014/main" id="{7EDBA38E-909C-43FB-8CD8-ACE95B1B1909}"/>
-              </a:ext>
-            </a:extLst>
-          </p:cNvPr>
-          <p:cNvSpPr txBox="1"/>
-          <p:nvPr/>
-        </p:nvSpPr>
-        <p:spPr>
-          <a:xfrm>
-            <a:off x="6423461" y="1142952"/>
-            <a:ext cx="1055056" cy="234883"/>
-          </a:xfrm>
-          <a:prstGeom prst="rect">
-            <a:avLst/>
-          </a:prstGeom>
-          <a:noFill/>
-        </p:spPr>
-        <p:txBody>
-          <a:bodyPr wrap="none" lIns="0" tIns="0" rIns="0" bIns="0" rtlCol="0" anchor="ctr">
-            <a:noAutofit/>
-          </a:bodyPr>
-          <a:lstStyle/>
-          <a:p>
-            <a:pPr algn="ctr" defTabSz="914400"/>
-            <a:r>
-              <a:rPr lang="en-US" sz="980" b="1" dirty="0">
-                <a:solidFill>
-                  <a:srgbClr val="818284"/>
-                </a:solidFill>
-                <a:latin typeface="Arial"/>
-              </a:rPr>
-              <a:t>Wednesday</a:t>
-            </a:r>
-          </a:p>
-        </p:txBody>
-      </p:sp>
-      <p:cxnSp>
-        <p:nvCxnSpPr>
-          <p:cNvPr id="77" name="Gerade Verbindung 24">
-            <a:extLst>
-              <a:ext uri="{FF2B5EF4-FFF2-40B4-BE49-F238E27FC236}">
-                <a16:creationId xmlns:a16="http://schemas.microsoft.com/office/drawing/2014/main" id="{C6B7B004-F1B4-45A9-B995-EFCCBACB9592}"/>
-              </a:ext>
-            </a:extLst>
-          </p:cNvPr>
-          <p:cNvCxnSpPr>
-            <a:cxnSpLocks/>
-          </p:cNvCxnSpPr>
-          <p:nvPr/>
-        </p:nvCxnSpPr>
-        <p:spPr bwMode="auto">
-          <a:xfrm>
-            <a:off x="6419146" y="1205299"/>
-            <a:ext cx="0" cy="3370810"/>
-          </a:xfrm>
-          <a:prstGeom prst="line">
-            <a:avLst/>
-          </a:prstGeom>
-          <a:solidFill>
-            <a:srgbClr val="00802F"/>
-          </a:solidFill>
-          <a:ln w="8890" cap="flat" cmpd="sng" algn="ctr">
-            <a:solidFill>
-              <a:srgbClr val="818284"/>
-            </a:solidFill>
-            <a:prstDash val="solid"/>
-            <a:round/>
-            <a:headEnd type="none" w="med" len="med"/>
-            <a:tailEnd type="none" w="med" len="med"/>
-          </a:ln>
-          <a:effectLst/>
-        </p:spPr>
-      </p:cxnSp>
-      <p:cxnSp>
-        <p:nvCxnSpPr>
-          <p:cNvPr id="78" name="Gerade Verbindung 24">
-            <a:extLst>
-              <a:ext uri="{FF2B5EF4-FFF2-40B4-BE49-F238E27FC236}">
-                <a16:creationId xmlns:a16="http://schemas.microsoft.com/office/drawing/2014/main" id="{51C6D6D4-1468-4722-9B91-290CE6C692C1}"/>
-              </a:ext>
-            </a:extLst>
-          </p:cNvPr>
-          <p:cNvCxnSpPr>
-            <a:cxnSpLocks/>
-          </p:cNvCxnSpPr>
-          <p:nvPr/>
-        </p:nvCxnSpPr>
-        <p:spPr bwMode="auto">
-          <a:xfrm>
-            <a:off x="7478520" y="1205299"/>
-            <a:ext cx="0" cy="3370810"/>
-          </a:xfrm>
-          <a:prstGeom prst="line">
-            <a:avLst/>
-          </a:prstGeom>
-          <a:solidFill>
-            <a:srgbClr val="00802F"/>
-          </a:solidFill>
-          <a:ln w="8890" cap="flat" cmpd="sng" algn="ctr">
-            <a:solidFill>
-              <a:srgbClr val="818284"/>
-            </a:solidFill>
-            <a:prstDash val="solid"/>
-            <a:round/>
-            <a:headEnd type="none" w="med" len="med"/>
-            <a:tailEnd type="none" w="med" len="med"/>
-          </a:ln>
-          <a:effectLst/>
-        </p:spPr>
-      </p:cxnSp>
-      <p:cxnSp>
-        <p:nvCxnSpPr>
-          <p:cNvPr id="79" name="Gerade Verbindung mit Pfeil 69">
-            <a:extLst>
-              <a:ext uri="{FF2B5EF4-FFF2-40B4-BE49-F238E27FC236}">
-                <a16:creationId xmlns:a16="http://schemas.microsoft.com/office/drawing/2014/main" id="{8EF04FD7-47CF-4FF8-8443-8C076F3F97FD}"/>
-              </a:ext>
-            </a:extLst>
-          </p:cNvPr>
-          <p:cNvCxnSpPr>
-            <a:cxnSpLocks/>
-            <a:stCxn id="62" idx="2"/>
-            <a:endCxn id="64" idx="1"/>
-          </p:cNvCxnSpPr>
-          <p:nvPr/>
-        </p:nvCxnSpPr>
-        <p:spPr bwMode="auto">
-          <a:xfrm rot="16200000" flipH="1">
-            <a:off x="3031966" y="2940878"/>
-            <a:ext cx="1026592" cy="1660532"/>
-          </a:xfrm>
-          <a:prstGeom prst="bentConnector2">
-            <a:avLst/>
-          </a:prstGeom>
-          <a:solidFill>
-            <a:srgbClr val="00802F"/>
-          </a:solidFill>
-          <a:ln w="15558" cap="flat" cmpd="sng" algn="ctr">
-            <a:solidFill>
-              <a:schemeClr val="accent4"/>
-            </a:solidFill>
-            <a:prstDash val="sysDash"/>
-            <a:round/>
-            <a:headEnd type="none" w="med" len="med"/>
-            <a:tailEnd type="none" w="med" len="med"/>
-          </a:ln>
-          <a:effectLst/>
-        </p:spPr>
-      </p:cxnSp>
-      <p:cxnSp>
-        <p:nvCxnSpPr>
-          <p:cNvPr id="80" name="Gerade Verbindung mit Pfeil 69">
-            <a:extLst>
-              <a:ext uri="{FF2B5EF4-FFF2-40B4-BE49-F238E27FC236}">
-                <a16:creationId xmlns:a16="http://schemas.microsoft.com/office/drawing/2014/main" id="{B5A3530C-A967-4754-A1C6-F42F80DECC49}"/>
-              </a:ext>
-            </a:extLst>
-          </p:cNvPr>
-          <p:cNvCxnSpPr>
-            <a:cxnSpLocks/>
-            <a:stCxn id="64" idx="3"/>
-            <a:endCxn id="63" idx="1"/>
-          </p:cNvCxnSpPr>
-          <p:nvPr/>
-        </p:nvCxnSpPr>
-        <p:spPr bwMode="auto">
-          <a:xfrm flipV="1">
-            <a:off x="5289928" y="1561608"/>
-            <a:ext cx="2341009" cy="2722832"/>
-          </a:xfrm>
-          <a:prstGeom prst="bentConnector3">
-            <a:avLst>
-              <a:gd name="adj1" fmla="val 59995"/>
-            </a:avLst>
-          </a:prstGeom>
-          <a:solidFill>
-            <a:srgbClr val="00802F"/>
-          </a:solidFill>
-          <a:ln w="15558" cap="flat" cmpd="sng" algn="ctr">
-            <a:solidFill>
-              <a:schemeClr val="accent4"/>
-            </a:solidFill>
-            <a:prstDash val="sysDash"/>
-            <a:round/>
-            <a:headEnd type="none" w="med" len="med"/>
-            <a:tailEnd type="none" w="med" len="med"/>
-          </a:ln>
-          <a:effectLst/>
-        </p:spPr>
-      </p:cxnSp>
-      <p:sp>
-        <p:nvSpPr>
-          <p:cNvPr id="81" name="Textfeld 80">
-            <a:extLst>
-              <a:ext uri="{FF2B5EF4-FFF2-40B4-BE49-F238E27FC236}">
-                <a16:creationId xmlns:a16="http://schemas.microsoft.com/office/drawing/2014/main" id="{E0DA24BA-0AA9-4AD8-94CC-A1805D85856A}"/>
-              </a:ext>
-            </a:extLst>
-          </p:cNvPr>
-          <p:cNvSpPr txBox="1"/>
-          <p:nvPr/>
-        </p:nvSpPr>
-        <p:spPr>
-          <a:xfrm>
-            <a:off x="7478518" y="1142952"/>
-            <a:ext cx="945393" cy="234883"/>
-          </a:xfrm>
-          <a:prstGeom prst="rect">
-            <a:avLst/>
-          </a:prstGeom>
-          <a:noFill/>
-        </p:spPr>
-        <p:txBody>
-          <a:bodyPr wrap="none" lIns="0" tIns="0" rIns="0" bIns="0" rtlCol="0" anchor="ctr">
-            <a:noAutofit/>
-          </a:bodyPr>
-          <a:lstStyle/>
-          <a:p>
-            <a:pPr algn="ctr" defTabSz="914400"/>
-            <a:r>
-              <a:rPr lang="en-US" sz="980" b="1" dirty="0">
-                <a:solidFill>
-                  <a:srgbClr val="818284"/>
-                </a:solidFill>
-                <a:latin typeface="Arial"/>
-              </a:rPr>
-              <a:t>Thursday</a:t>
-            </a:r>
-          </a:p>
-        </p:txBody>
-      </p:sp>
-      <p:sp>
-        <p:nvSpPr>
-          <p:cNvPr id="8" name="Sprechblase: oval 7">
-            <a:extLst>
-              <a:ext uri="{FF2B5EF4-FFF2-40B4-BE49-F238E27FC236}">
-                <a16:creationId xmlns:a16="http://schemas.microsoft.com/office/drawing/2014/main" id="{029ABE2B-2AF8-1ED5-B85A-181E555521D8}"/>
-              </a:ext>
-            </a:extLst>
-          </p:cNvPr>
-          <p:cNvSpPr/>
-          <p:nvPr/>
-        </p:nvSpPr>
-        <p:spPr>
-          <a:xfrm>
-            <a:off x="4552970" y="376238"/>
-            <a:ext cx="1647366" cy="378764"/>
-          </a:xfrm>
-          <a:prstGeom prst="wedgeEllipseCallout">
-            <a:avLst>
-              <a:gd name="adj1" fmla="val -140177"/>
-              <a:gd name="adj2" fmla="val 598895"/>
-            </a:avLst>
-          </a:prstGeom>
-          <a:solidFill>
-            <a:schemeClr val="accent4"/>
-          </a:solidFill>
-          <a:ln w="12700" cap="flat" cmpd="sng" algn="ctr">
-            <a:solidFill>
-              <a:srgbClr val="808080"/>
-            </a:solidFill>
-            <a:prstDash val="solid"/>
-            <a:miter lim="800000"/>
-            <a:headEnd type="none" w="med" len="med"/>
-            <a:tailEnd type="none" w="med" len="med"/>
-          </a:ln>
-        </p:spPr>
-        <p:style>
-          <a:lnRef idx="2">
-            <a:schemeClr val="accent1">
-              <a:shade val="50000"/>
-            </a:schemeClr>
-          </a:lnRef>
-          <a:fillRef idx="1">
-            <a:schemeClr val="accent1"/>
-          </a:fillRef>
-          <a:effectRef idx="0">
-            <a:schemeClr val="accent1"/>
-          </a:effectRef>
-          <a:fontRef idx="minor">
-            <a:schemeClr val="lt1"/>
-          </a:fontRef>
-        </p:style>
-        <p:txBody>
-          <a:bodyPr rtlCol="0" anchor="ctr"/>
-          <a:lstStyle/>
-          <a:p>
-            <a:pPr algn="ctr"/>
-            <a:r>
-              <a:rPr lang="en-US" dirty="0"/>
-              <a:t>We are here.</a:t>
-            </a:r>
-          </a:p>
-        </p:txBody>
-      </p:sp>
-      <p:sp>
-        <p:nvSpPr>
-          <p:cNvPr id="2" name="Rectangle 1">
-            <a:extLst>
-              <a:ext uri="{FF2B5EF4-FFF2-40B4-BE49-F238E27FC236}">
-                <a16:creationId xmlns:a16="http://schemas.microsoft.com/office/drawing/2014/main" id="{41409E61-BD58-282D-F18A-6BF7CA231295}"/>
-              </a:ext>
-            </a:extLst>
-          </p:cNvPr>
-          <p:cNvSpPr/>
-          <p:nvPr/>
-        </p:nvSpPr>
-        <p:spPr>
-          <a:xfrm>
-            <a:off x="5399635" y="3665913"/>
-            <a:ext cx="985806" cy="527852"/>
-          </a:xfrm>
-          <a:prstGeom prst="rect">
-            <a:avLst/>
-          </a:prstGeom>
-          <a:solidFill>
-            <a:srgbClr val="EB6969"/>
-          </a:solidFill>
-          <a:ln>
-            <a:solidFill>
-              <a:srgbClr val="EB6969"/>
-            </a:solidFill>
-          </a:ln>
-        </p:spPr>
-        <p:style>
-          <a:lnRef idx="2">
-            <a:schemeClr val="accent1">
-              <a:shade val="50000"/>
-            </a:schemeClr>
-          </a:lnRef>
-          <a:fillRef idx="1">
-            <a:schemeClr val="accent1"/>
-          </a:fillRef>
-          <a:effectRef idx="0">
-            <a:schemeClr val="accent1"/>
-          </a:effectRef>
-          <a:fontRef idx="minor">
-            <a:schemeClr val="lt1"/>
-          </a:fontRef>
-        </p:style>
-        <p:txBody>
-          <a:bodyPr rtlCol="0" anchor="ctr"/>
-          <a:lstStyle/>
-          <a:p>
-            <a:pPr algn="ctr"/>
-            <a:r>
-              <a:rPr lang="de-CH" sz="1100" dirty="0"/>
-              <a:t>Virtual Office Hour</a:t>
-            </a:r>
-            <a:endParaRPr lang="en-GB" sz="1100" dirty="0"/>
           </a:p>
         </p:txBody>
       </p:sp>
     </p:spTree>
     <p:extLst>
       <p:ext uri="{BB962C8B-B14F-4D97-AF65-F5344CB8AC3E}">
-        <p14:creationId xmlns:p14="http://schemas.microsoft.com/office/powerpoint/2010/main" val="2212591321"/>
+        <p14:creationId xmlns:p14="http://schemas.microsoft.com/office/powerpoint/2010/main" val="2076156779"/>
       </p:ext>
     </p:extLst>
   </p:cSld>
@@ -21039,72 +16463,18 @@
       </p:grpSpPr>
       <p:sp>
         <p:nvSpPr>
-          <p:cNvPr id="2" name="Text Placeholder 1">
-            <a:extLst>
-              <a:ext uri="{FF2B5EF4-FFF2-40B4-BE49-F238E27FC236}">
-                <a16:creationId xmlns:a16="http://schemas.microsoft.com/office/drawing/2014/main" id="{D066D30A-0BB8-3C9F-FE2D-5F5148724A51}"/>
-              </a:ext>
-            </a:extLst>
-          </p:cNvPr>
-          <p:cNvSpPr>
-            <a:spLocks noGrp="1"/>
-          </p:cNvSpPr>
-          <p:nvPr>
-            <p:ph type="body" sz="quarter" idx="10"/>
-          </p:nvPr>
-        </p:nvSpPr>
-        <p:spPr/>
-        <p:txBody>
-          <a:bodyPr>
-            <a:normAutofit fontScale="40000" lnSpcReduction="20000"/>
-          </a:bodyPr>
-          <a:lstStyle/>
-          <a:p>
-            <a:r>
-              <a:rPr lang="en-GB" b="1" dirty="0">
-                <a:solidFill>
-                  <a:schemeClr val="bg1"/>
-                </a:solidFill>
-              </a:rPr>
-              <a:t>The content corresponds to what I understand to be the core contents after reviewing the lecture slides and should only be understood as an overview.</a:t>
-            </a:r>
-          </a:p>
-          <a:p>
-            <a:endParaRPr lang="en-GB" b="1" dirty="0">
-              <a:solidFill>
-                <a:schemeClr val="bg1"/>
-              </a:solidFill>
-            </a:endParaRPr>
-          </a:p>
-          <a:p>
-            <a:r>
-              <a:rPr lang="en-GB" b="1" dirty="0">
-                <a:solidFill>
-                  <a:schemeClr val="bg1"/>
-                </a:solidFill>
-              </a:rPr>
-              <a:t>This does not necessarily correspond to the opinion of the lecturer and does not claim to be complete, nor does it allow conclusions to be drawn about the quiz questions or the exam (which are both unknown to me).</a:t>
-            </a:r>
-          </a:p>
-          <a:p>
-            <a:endParaRPr lang="en-GB" dirty="0"/>
-          </a:p>
-        </p:txBody>
-      </p:sp>
-      <p:sp>
-        <p:nvSpPr>
-          <p:cNvPr id="3" name="Text Placeholder 2">
-            <a:extLst>
-              <a:ext uri="{FF2B5EF4-FFF2-40B4-BE49-F238E27FC236}">
-                <a16:creationId xmlns:a16="http://schemas.microsoft.com/office/drawing/2014/main" id="{6219FDED-3410-CAC4-2F32-1F9D8E016CBC}"/>
-              </a:ext>
-            </a:extLst>
-          </p:cNvPr>
-          <p:cNvSpPr>
-            <a:spLocks noGrp="1"/>
-          </p:cNvSpPr>
-          <p:nvPr>
-            <p:ph type="body" sz="quarter" idx="11"/>
+          <p:cNvPr id="15" name="Titel 14">
+            <a:extLst>
+              <a:ext uri="{FF2B5EF4-FFF2-40B4-BE49-F238E27FC236}">
+                <a16:creationId xmlns:a16="http://schemas.microsoft.com/office/drawing/2014/main" id="{60191505-0B0C-4A0A-B64A-55E5D7A2534E}"/>
+              </a:ext>
+            </a:extLst>
+          </p:cNvPr>
+          <p:cNvSpPr>
+            <a:spLocks noGrp="1"/>
+          </p:cNvSpPr>
+          <p:nvPr>
+            <p:ph type="title"/>
           </p:nvPr>
         </p:nvSpPr>
         <p:spPr/>
@@ -21112,330 +16482,65 @@
           <a:bodyPr/>
           <a:lstStyle/>
           <a:p>
-            <a:r>
-              <a:rPr lang="de-CH" sz="3600" dirty="0">
-                <a:solidFill>
-                  <a:schemeClr val="bg1"/>
-                </a:solidFill>
+            <a:endParaRPr lang="de-DE"/>
+          </a:p>
+        </p:txBody>
+      </p:sp>
+      <p:sp>
+        <p:nvSpPr>
+          <p:cNvPr id="16" name="Inhaltsplatzhalter 15">
+            <a:extLst>
+              <a:ext uri="{FF2B5EF4-FFF2-40B4-BE49-F238E27FC236}">
+                <a16:creationId xmlns:a16="http://schemas.microsoft.com/office/drawing/2014/main" id="{909CA527-9C4E-4704-9579-AA53445EF11F}"/>
+              </a:ext>
+            </a:extLst>
+          </p:cNvPr>
+          <p:cNvSpPr>
+            <a:spLocks noGrp="1"/>
+          </p:cNvSpPr>
+          <p:nvPr>
+            <p:ph sz="quarter" idx="13"/>
+          </p:nvPr>
+        </p:nvSpPr>
+        <p:spPr/>
+        <p:txBody>
+          <a:bodyPr/>
+          <a:lstStyle/>
+          <a:p>
+            <a:pPr marL="0" indent="0"/>
+            <a:endParaRPr lang="de-DE" dirty="0">
+              <a:cs typeface="Arial" pitchFamily="34" charset="0"/>
+            </a:endParaRPr>
+          </a:p>
+          <a:p>
+            <a:pPr marL="0" indent="0"/>
+            <a:r>
+              <a:rPr lang="de-DE" dirty="0">
+                <a:cs typeface="Arial" pitchFamily="34" charset="0"/>
               </a:rPr>
-              <a:t>Disclaimer</a:t>
-            </a:r>
-            <a:endParaRPr lang="en-GB" sz="3600" dirty="0">
-              <a:solidFill>
-                <a:schemeClr val="bg1"/>
-              </a:solidFill>
-            </a:endParaRPr>
+              <a:t>Dominik Buchegger</a:t>
+            </a:r>
+          </a:p>
+          <a:p>
+            <a:pPr marL="0" indent="0"/>
+            <a:r>
+              <a:rPr lang="de-DE" b="0" dirty="0">
+                <a:hlinkClick r:id="rId3"/>
+              </a:rPr>
+              <a:t>dominik.buchegger@student.unisg.ch</a:t>
+            </a:r>
+            <a:r>
+              <a:rPr lang="de-DE" b="0" dirty="0"/>
+              <a:t> </a:t>
+            </a:r>
+            <a:endParaRPr lang="de-DE" dirty="0"/>
           </a:p>
         </p:txBody>
       </p:sp>
     </p:spTree>
     <p:extLst>
       <p:ext uri="{BB962C8B-B14F-4D97-AF65-F5344CB8AC3E}">
-        <p14:creationId xmlns:p14="http://schemas.microsoft.com/office/powerpoint/2010/main" val="2076156779"/>
-      </p:ext>
-    </p:extLst>
-  </p:cSld>
-  <p:clrMapOvr>
-    <a:masterClrMapping/>
-  </p:clrMapOvr>
-</p:sld>
-</file>
-
-<file path=ppt/slides/slide8.xml><?xml version="1.0" encoding="utf-8"?>
-<p:sld xmlns:a="http://schemas.openxmlformats.org/drawingml/2006/main" xmlns:r="http://schemas.openxmlformats.org/officeDocument/2006/relationships" xmlns:p="http://schemas.openxmlformats.org/presentationml/2006/main">
-  <p:cSld>
-    <p:spTree>
-      <p:nvGrpSpPr>
-        <p:cNvPr id="1" name=""/>
-        <p:cNvGrpSpPr/>
-        <p:nvPr/>
-      </p:nvGrpSpPr>
-      <p:grpSpPr>
-        <a:xfrm>
-          <a:off x="0" y="0"/>
-          <a:ext cx="0" cy="0"/>
-          <a:chOff x="0" y="0"/>
-          <a:chExt cx="0" cy="0"/>
-        </a:xfrm>
-      </p:grpSpPr>
-      <p:sp>
-        <p:nvSpPr>
-          <p:cNvPr id="3" name="Foliennummernplatzhalter 2">
-            <a:extLst>
-              <a:ext uri="{FF2B5EF4-FFF2-40B4-BE49-F238E27FC236}">
-                <a16:creationId xmlns:a16="http://schemas.microsoft.com/office/drawing/2014/main" id="{17DB3436-ED48-75F7-EFC8-D81AEA02D09F}"/>
-              </a:ext>
-            </a:extLst>
-          </p:cNvPr>
-          <p:cNvSpPr>
-            <a:spLocks noGrp="1"/>
-          </p:cNvSpPr>
-          <p:nvPr>
-            <p:ph type="sldNum" sz="quarter" idx="16"/>
-          </p:nvPr>
-        </p:nvSpPr>
-        <p:spPr/>
-        <p:txBody>
-          <a:bodyPr/>
-          <a:lstStyle/>
-          <a:p>
-            <a:fld id="{7559FC98-AF75-4A00-A03C-DF9FEBF6BCB9}" type="slidenum">
-              <a:rPr lang="en-GB" smtClean="0"/>
-              <a:pPr/>
-              <a:t>8</a:t>
-            </a:fld>
-            <a:endParaRPr lang="en-GB" dirty="0"/>
-          </a:p>
-        </p:txBody>
-      </p:sp>
-      <p:sp>
-        <p:nvSpPr>
-          <p:cNvPr id="4" name="Titel 3">
-            <a:extLst>
-              <a:ext uri="{FF2B5EF4-FFF2-40B4-BE49-F238E27FC236}">
-                <a16:creationId xmlns:a16="http://schemas.microsoft.com/office/drawing/2014/main" id="{A7DF72C1-C663-3FA3-FACB-98369A161D17}"/>
-              </a:ext>
-            </a:extLst>
-          </p:cNvPr>
-          <p:cNvSpPr>
-            <a:spLocks noGrp="1"/>
-          </p:cNvSpPr>
-          <p:nvPr>
-            <p:ph type="title"/>
-          </p:nvPr>
-        </p:nvSpPr>
-        <p:spPr>
-          <a:xfrm>
-            <a:off x="358775" y="358744"/>
-            <a:ext cx="5292725" cy="609662"/>
-          </a:xfrm>
-        </p:spPr>
-        <p:txBody>
-          <a:bodyPr/>
-          <a:lstStyle/>
-          <a:p>
-            <a:r>
-              <a:rPr lang="en-US" dirty="0"/>
-              <a:t>Today’s Menu</a:t>
-            </a:r>
-          </a:p>
-        </p:txBody>
-      </p:sp>
-      <p:sp>
-        <p:nvSpPr>
-          <p:cNvPr id="2" name="Textplatzhalter 1">
-            <a:extLst>
-              <a:ext uri="{FF2B5EF4-FFF2-40B4-BE49-F238E27FC236}">
-                <a16:creationId xmlns:a16="http://schemas.microsoft.com/office/drawing/2014/main" id="{38C104DD-55A5-D5D7-68B1-A81097757DA7}"/>
-              </a:ext>
-            </a:extLst>
-          </p:cNvPr>
-          <p:cNvSpPr>
-            <a:spLocks noGrp="1"/>
-          </p:cNvSpPr>
-          <p:nvPr>
-            <p:ph type="body" sz="quarter" idx="13"/>
-          </p:nvPr>
-        </p:nvSpPr>
-        <p:spPr/>
-        <p:txBody>
-          <a:bodyPr/>
-          <a:lstStyle/>
-          <a:p>
-            <a:pPr marL="0" indent="0">
-              <a:buNone/>
-            </a:pPr>
-            <a:r>
-              <a:rPr lang="en-US" dirty="0"/>
-              <a:t>0.    Setting you up (Python / </a:t>
-            </a:r>
-            <a:r>
-              <a:rPr lang="en-US" dirty="0" err="1"/>
-              <a:t>Jupyter</a:t>
-            </a:r>
-            <a:r>
-              <a:rPr lang="en-US" dirty="0"/>
-              <a:t> Notebook environment) &amp;</a:t>
-            </a:r>
-            <a:br>
-              <a:rPr lang="en-US" dirty="0"/>
-            </a:br>
-            <a:r>
-              <a:rPr lang="en-US" dirty="0"/>
-              <a:t>       enabling you to find, download, (unzip) &amp; load a .</a:t>
-            </a:r>
-            <a:r>
-              <a:rPr lang="en-US" dirty="0" err="1"/>
-              <a:t>ipynb</a:t>
-            </a:r>
-            <a:endParaRPr lang="en-US" dirty="0"/>
-          </a:p>
-          <a:p>
-            <a:r>
-              <a:rPr lang="en-US" dirty="0">
-                <a:solidFill>
-                  <a:schemeClr val="bg1">
-                    <a:lumMod val="85000"/>
-                  </a:schemeClr>
-                </a:solidFill>
-              </a:rPr>
-              <a:t>Discuss previous week’s assignment &amp; quiz</a:t>
-            </a:r>
-          </a:p>
-          <a:p>
-            <a:r>
-              <a:rPr lang="en-US" dirty="0"/>
-              <a:t>Summary of the current week’s lecture content</a:t>
-            </a:r>
-          </a:p>
-          <a:p>
-            <a:r>
-              <a:rPr lang="en-US" dirty="0"/>
-              <a:t>Additional material on coding (today incl. Python in 7 Slides)</a:t>
-            </a:r>
-          </a:p>
-          <a:p>
-            <a:r>
-              <a:rPr lang="en-US" dirty="0"/>
-              <a:t>Enable you to solve the assignment by solving together the smaller exercises</a:t>
-            </a:r>
-          </a:p>
-          <a:p>
-            <a:pPr>
-              <a:buAutoNum type="alphaLcPeriod" startAt="14"/>
-            </a:pPr>
-            <a:r>
-              <a:rPr lang="en-US" dirty="0">
-                <a:solidFill>
-                  <a:schemeClr val="bg1">
-                    <a:lumMod val="85000"/>
-                  </a:schemeClr>
-                </a:solidFill>
-              </a:rPr>
-              <a:t>You solve the assignment</a:t>
-            </a:r>
-          </a:p>
-          <a:p>
-            <a:pPr marL="0" indent="0">
-              <a:buNone/>
-            </a:pPr>
-            <a:r>
-              <a:rPr lang="en-US" dirty="0">
-                <a:solidFill>
-                  <a:schemeClr val="bg1">
-                    <a:lumMod val="85000"/>
-                  </a:schemeClr>
-                </a:solidFill>
-              </a:rPr>
-              <a:t>n+1. Virtual Office Hour</a:t>
-            </a:r>
-          </a:p>
-          <a:p>
-            <a:endParaRPr lang="en-US" dirty="0">
-              <a:solidFill>
-                <a:schemeClr val="bg1">
-                  <a:lumMod val="85000"/>
-                </a:schemeClr>
-              </a:solidFill>
-            </a:endParaRPr>
-          </a:p>
-        </p:txBody>
-      </p:sp>
-    </p:spTree>
-    <p:extLst>
-      <p:ext uri="{BB962C8B-B14F-4D97-AF65-F5344CB8AC3E}">
-        <p14:creationId xmlns:p14="http://schemas.microsoft.com/office/powerpoint/2010/main" val="2946332310"/>
-      </p:ext>
-    </p:extLst>
-  </p:cSld>
-  <p:clrMapOvr>
-    <a:masterClrMapping/>
-  </p:clrMapOvr>
-</p:sld>
-</file>
-
-<file path=ppt/slides/slide9.xml><?xml version="1.0" encoding="utf-8"?>
-<p:sld xmlns:a="http://schemas.openxmlformats.org/drawingml/2006/main" xmlns:r="http://schemas.openxmlformats.org/officeDocument/2006/relationships" xmlns:p="http://schemas.openxmlformats.org/presentationml/2006/main">
-  <p:cSld>
-    <p:spTree>
-      <p:nvGrpSpPr>
-        <p:cNvPr id="1" name=""/>
-        <p:cNvGrpSpPr/>
-        <p:nvPr/>
-      </p:nvGrpSpPr>
-      <p:grpSpPr>
-        <a:xfrm>
-          <a:off x="0" y="0"/>
-          <a:ext cx="0" cy="0"/>
-          <a:chOff x="0" y="0"/>
-          <a:chExt cx="0" cy="0"/>
-        </a:xfrm>
-      </p:grpSpPr>
-      <p:sp>
-        <p:nvSpPr>
-          <p:cNvPr id="2" name="Titel 1">
-            <a:extLst>
-              <a:ext uri="{FF2B5EF4-FFF2-40B4-BE49-F238E27FC236}">
-                <a16:creationId xmlns:a16="http://schemas.microsoft.com/office/drawing/2014/main" id="{C36256A2-67B2-CA01-7417-6A9C17C6B307}"/>
-              </a:ext>
-            </a:extLst>
-          </p:cNvPr>
-          <p:cNvSpPr>
-            <a:spLocks noGrp="1"/>
-          </p:cNvSpPr>
-          <p:nvPr>
-            <p:ph type="title"/>
-          </p:nvPr>
-        </p:nvSpPr>
-        <p:spPr/>
-        <p:txBody>
-          <a:bodyPr/>
-          <a:lstStyle/>
-          <a:p>
-            <a:r>
-              <a:rPr lang="en-US" dirty="0"/>
-              <a:t>Python/</a:t>
-            </a:r>
-            <a:r>
-              <a:rPr lang="en-US" dirty="0" err="1"/>
-              <a:t>Jupyter</a:t>
-            </a:r>
-            <a:r>
-              <a:rPr lang="en-US" dirty="0"/>
-              <a:t> Notebooks</a:t>
-            </a:r>
-          </a:p>
-        </p:txBody>
-      </p:sp>
-      <p:sp>
-        <p:nvSpPr>
-          <p:cNvPr id="3" name="Textplatzhalter 2">
-            <a:extLst>
-              <a:ext uri="{FF2B5EF4-FFF2-40B4-BE49-F238E27FC236}">
-                <a16:creationId xmlns:a16="http://schemas.microsoft.com/office/drawing/2014/main" id="{603ED5D4-D1BB-7B89-F03F-E143418179E9}"/>
-              </a:ext>
-            </a:extLst>
-          </p:cNvPr>
-          <p:cNvSpPr>
-            <a:spLocks noGrp="1"/>
-          </p:cNvSpPr>
-          <p:nvPr>
-            <p:ph type="body" idx="1"/>
-          </p:nvPr>
-        </p:nvSpPr>
-        <p:spPr/>
-        <p:txBody>
-          <a:bodyPr/>
-          <a:lstStyle/>
-          <a:p>
-            <a:endParaRPr lang="en-US"/>
-          </a:p>
-        </p:txBody>
-      </p:sp>
-    </p:spTree>
-    <p:extLst>
-      <p:ext uri="{BB962C8B-B14F-4D97-AF65-F5344CB8AC3E}">
-        <p14:creationId xmlns:p14="http://schemas.microsoft.com/office/powerpoint/2010/main" val="860905568"/>
+        <p14:creationId xmlns:p14="http://schemas.microsoft.com/office/powerpoint/2010/main" val="3950133140"/>
       </p:ext>
     </p:extLst>
   </p:cSld>
@@ -21972,15 +17077,6 @@
 </file>
 
 <file path=customXml/item1.xml><?xml version="1.0" encoding="utf-8"?>
-<?mso-contentType ?>
-<FormTemplates xmlns="http://schemas.microsoft.com/sharepoint/v3/contenttype/forms">
-  <Display>DocumentLibraryForm</Display>
-  <Edit>DocumentLibraryForm</Edit>
-  <New>DocumentLibraryForm</New>
-</FormTemplates>
-</file>
-
-<file path=customXml/item2.xml><?xml version="1.0" encoding="utf-8"?>
 <ct:contentTypeSchema xmlns:ct="http://schemas.microsoft.com/office/2006/metadata/contentType" xmlns:ma="http://schemas.microsoft.com/office/2006/metadata/properties/metaAttributes" ct:_="" ma:_="" ma:contentTypeName="Dokument" ma:contentTypeID="0x010100BA3AC0B29D543742836C64EC22DE252D" ma:contentTypeVersion="9" ma:contentTypeDescription="Ein neues Dokument erstellen." ma:contentTypeScope="" ma:versionID="3ac7e300c56cbe738136fa13d3a90518">
   <xsd:schema xmlns:xsd="http://www.w3.org/2001/XMLSchema" xmlns:xs="http://www.w3.org/2001/XMLSchema" xmlns:p="http://schemas.microsoft.com/office/2006/metadata/properties" xmlns:ns2="180db94c-82de-4c89-acb5-d41e1b03bacc" xmlns:ns3="5dc96929-7643-4924-91c0-9b0ff054556d" targetNamespace="http://schemas.microsoft.com/office/2006/metadata/properties" ma:root="true" ma:fieldsID="8e222083bbe7ae665e818514177159bf" ns2:_="" ns3:_="">
     <xsd:import namespace="180db94c-82de-4c89-acb5-d41e1b03bacc"/>
@@ -22163,15 +17259,16 @@
 </ct:contentTypeSchema>
 </file>
 
-<file path=customXml/itemProps1.xml><?xml version="1.0" encoding="utf-8"?>
-<ds:datastoreItem xmlns:ds="http://schemas.openxmlformats.org/officeDocument/2006/customXml" ds:itemID="{27AAF511-705D-4D22-B307-3E691874066C}">
-  <ds:schemaRefs>
-    <ds:schemaRef ds:uri="http://schemas.microsoft.com/sharepoint/v3/contenttype/forms"/>
-  </ds:schemaRefs>
-</ds:datastoreItem>
+<file path=customXml/item2.xml><?xml version="1.0" encoding="utf-8"?>
+<?mso-contentType ?>
+<FormTemplates xmlns="http://schemas.microsoft.com/sharepoint/v3/contenttype/forms">
+  <Display>DocumentLibraryForm</Display>
+  <Edit>DocumentLibraryForm</Edit>
+  <New>DocumentLibraryForm</New>
+</FormTemplates>
 </file>
 
-<file path=customXml/itemProps2.xml><?xml version="1.0" encoding="utf-8"?>
+<file path=customXml/itemProps1.xml><?xml version="1.0" encoding="utf-8"?>
 <ds:datastoreItem xmlns:ds="http://schemas.openxmlformats.org/officeDocument/2006/customXml" ds:itemID="{2D8F7A10-D8C7-4204-A685-58CDBFEDD840}">
   <ds:schemaRefs>
     <ds:schemaRef ds:uri="http://schemas.microsoft.com/office/2006/metadata/contentType"/>
@@ -22188,4 +17285,12 @@
     <ds:schemaRef ds:uri="http://schemas.microsoft.com/internal/obd"/>
   </ds:schemaRefs>
 </ds:datastoreItem>
+</file>
+
+<file path=customXml/itemProps2.xml><?xml version="1.0" encoding="utf-8"?>
+<ds:datastoreItem xmlns:ds="http://schemas.openxmlformats.org/officeDocument/2006/customXml" ds:itemID="{27AAF511-705D-4D22-B307-3E691874066C}">
+  <ds:schemaRefs>
+    <ds:schemaRef ds:uri="http://schemas.microsoft.com/sharepoint/v3/contenttype/forms"/>
+  </ds:schemaRefs>
+</ds:datastoreItem>
 </file>
--- a/Presentation/Presentation_W0.pptx
+++ b/Presentation/Presentation_W0.pptx
@@ -332,7 +332,7 @@
           <a:p>
             <a:fld id="{F78F3C46-3F11-47F1-8233-2D2A4F656EAA}" type="datetimeFigureOut">
               <a:rPr lang="de-DE" smtClean="0"/>
-              <a:t>19.09.2023</a:t>
+              <a:t>22.09.2023</a:t>
             </a:fld>
             <a:endParaRPr lang="de-DE"/>
           </a:p>
@@ -11256,7 +11256,7 @@
           <a:p>
             <a:fld id="{A13E6C7B-4268-4C4E-8782-B736244EDCB2}" type="datetime1">
               <a:rPr lang="en-US" smtClean="0"/>
-              <a:t>9/19/2023</a:t>
+              <a:t>9/22/2023</a:t>
             </a:fld>
             <a:endParaRPr lang="en-US"/>
           </a:p>
@@ -14498,23 +14498,10 @@
           <a:lstStyle/>
           <a:p>
             <a:r>
-              <a:rPr lang="en-GB" b="1" dirty="0"/>
-              <a:t>Fundamentals and Methods</a:t>
-            </a:r>
-            <a:br>
-              <a:rPr lang="en-GB" b="1" dirty="0"/>
-            </a:br>
-            <a:r>
-              <a:rPr lang="en-GB" b="1" dirty="0"/>
-              <a:t>of Computer Science</a:t>
-            </a:r>
-            <a:br>
-              <a:rPr lang="en-GB" b="1" dirty="0"/>
-            </a:br>
-            <a:r>
-              <a:rPr lang="en-GB" b="1" dirty="0"/>
-              <a:t>for Business Studies</a:t>
-            </a:r>
+              <a:rPr lang="en-US" sz="4000" dirty="0"/>
+              <a:t>Fundamentals and Methods of Computer Science</a:t>
+            </a:r>
+            <a:endParaRPr lang="en-GB" b="1" dirty="0"/>
           </a:p>
         </p:txBody>
       </p:sp>
@@ -14542,9 +14529,14 @@
           <a:lstStyle/>
           <a:p>
             <a:r>
-              <a:rPr lang="de-DE" dirty="0"/>
-              <a:t>Admin</a:t>
-            </a:r>
+              <a:rPr lang="de-DE" dirty="0" err="1"/>
+              <a:t>Exercise</a:t>
+            </a:r>
+            <a:r>
+              <a:rPr lang="de-DE"/>
+              <a:t> Admin</a:t>
+            </a:r>
+            <a:endParaRPr lang="de-DE" dirty="0"/>
           </a:p>
           <a:p>
             <a:endParaRPr lang="de-DE" dirty="0"/>
@@ -15133,6 +15125,33 @@
               </a:rPr>
               <a:t>Virtual Office Hour (15-16)</a:t>
             </a:r>
+          </a:p>
+          <a:p>
+            <a:pPr algn="ctr"/>
+            <a:r>
+              <a:rPr lang="de-CH" sz="1000" b="1" dirty="0">
+                <a:solidFill>
+                  <a:schemeClr val="tx1"/>
+                </a:solidFill>
+              </a:rPr>
+              <a:t>[</a:t>
+            </a:r>
+            <a:r>
+              <a:rPr lang="de-CH" sz="1000" b="1" dirty="0" err="1">
+                <a:solidFill>
+                  <a:schemeClr val="tx1"/>
+                </a:solidFill>
+              </a:rPr>
+              <a:t>Exceptions</a:t>
+            </a:r>
+            <a:r>
+              <a:rPr lang="de-CH" sz="1000" b="1" dirty="0">
+                <a:solidFill>
+                  <a:schemeClr val="tx1"/>
+                </a:solidFill>
+              </a:rPr>
+              <a:t>]</a:t>
+            </a:r>
             <a:endParaRPr lang="en-GB" sz="1000" b="1" dirty="0">
               <a:solidFill>
                 <a:schemeClr val="tx1"/>
@@ -15393,8 +15412,44 @@
                 </a:solidFill>
                 <a:latin typeface="Gill Sans Nova" panose="020B0602020104020203" pitchFamily="34" charset="0"/>
               </a:rPr>
-              <a:t>]</a:t>
-            </a:r>
+              <a:t>] </a:t>
+            </a:r>
+            <a:r>
+              <a:rPr lang="en-US" sz="1400" b="1" i="0" u="none" strike="noStrike" dirty="0">
+                <a:solidFill>
+                  <a:srgbClr val="000000"/>
+                </a:solidFill>
+                <a:effectLst/>
+                <a:latin typeface="Gill Sans Nova" panose="020B0602020104020203" pitchFamily="34" charset="0"/>
+              </a:rPr>
+              <a:t>– </a:t>
+            </a:r>
+            <a:r>
+              <a:rPr lang="en-US" sz="1400" b="1" i="0" u="none" strike="noStrike" dirty="0">
+                <a:solidFill>
+                  <a:srgbClr val="FF0000"/>
+                </a:solidFill>
+                <a:effectLst/>
+                <a:latin typeface="Gill Sans Nova" panose="020B0602020104020203" pitchFamily="34" charset="0"/>
+              </a:rPr>
+              <a:t>attention: </a:t>
+            </a:r>
+            <a:r>
+              <a:rPr lang="en-US" sz="1400" i="0" u="none" strike="noStrike" dirty="0">
+                <a:solidFill>
+                  <a:srgbClr val="FF0000"/>
+                </a:solidFill>
+                <a:effectLst/>
+                <a:latin typeface="Gill Sans Nova" panose="020B0602020104020203" pitchFamily="34" charset="0"/>
+              </a:rPr>
+              <a:t>official examination part</a:t>
+            </a:r>
+            <a:endParaRPr lang="en-US" sz="1400" b="1" dirty="0">
+              <a:solidFill>
+                <a:srgbClr val="000000"/>
+              </a:solidFill>
+              <a:latin typeface="Gill Sans Nova" panose="020B0602020104020203" pitchFamily="34" charset="0"/>
+            </a:endParaRPr>
           </a:p>
           <a:p>
             <a:pPr marL="285750" indent="-285750" fontAlgn="base">
@@ -15491,7 +15546,17 @@
                 <a:effectLst/>
                 <a:latin typeface="Gill Sans Nova" panose="020B0602020104020203" pitchFamily="34" charset="0"/>
               </a:rPr>
-              <a:t>official examination part; do not plagiarize!</a:t>
+              <a:t>official </a:t>
+            </a:r>
+            <a:r>
+              <a:rPr lang="en-US" sz="1400" i="0" u="none" strike="noStrike">
+                <a:solidFill>
+                  <a:srgbClr val="FF0000"/>
+                </a:solidFill>
+                <a:effectLst/>
+                <a:latin typeface="Gill Sans Nova" panose="020B0602020104020203" pitchFamily="34" charset="0"/>
+              </a:rPr>
+              <a:t>examination part</a:t>
             </a:r>
             <a:endParaRPr lang="en-US" sz="1400" b="1" i="0" u="none" strike="noStrike" dirty="0">
               <a:solidFill>
@@ -17077,6 +17142,15 @@
 </file>
 
 <file path=customXml/item1.xml><?xml version="1.0" encoding="utf-8"?>
+<?mso-contentType ?>
+<FormTemplates xmlns="http://schemas.microsoft.com/sharepoint/v3/contenttype/forms">
+  <Display>DocumentLibraryForm</Display>
+  <Edit>DocumentLibraryForm</Edit>
+  <New>DocumentLibraryForm</New>
+</FormTemplates>
+</file>
+
+<file path=customXml/item2.xml><?xml version="1.0" encoding="utf-8"?>
 <ct:contentTypeSchema xmlns:ct="http://schemas.microsoft.com/office/2006/metadata/contentType" xmlns:ma="http://schemas.microsoft.com/office/2006/metadata/properties/metaAttributes" ct:_="" ma:_="" ma:contentTypeName="Dokument" ma:contentTypeID="0x010100BA3AC0B29D543742836C64EC22DE252D" ma:contentTypeVersion="9" ma:contentTypeDescription="Ein neues Dokument erstellen." ma:contentTypeScope="" ma:versionID="3ac7e300c56cbe738136fa13d3a90518">
   <xsd:schema xmlns:xsd="http://www.w3.org/2001/XMLSchema" xmlns:xs="http://www.w3.org/2001/XMLSchema" xmlns:p="http://schemas.microsoft.com/office/2006/metadata/properties" xmlns:ns2="180db94c-82de-4c89-acb5-d41e1b03bacc" xmlns:ns3="5dc96929-7643-4924-91c0-9b0ff054556d" targetNamespace="http://schemas.microsoft.com/office/2006/metadata/properties" ma:root="true" ma:fieldsID="8e222083bbe7ae665e818514177159bf" ns2:_="" ns3:_="">
     <xsd:import namespace="180db94c-82de-4c89-acb5-d41e1b03bacc"/>
@@ -17259,16 +17333,15 @@
 </ct:contentTypeSchema>
 </file>
 
-<file path=customXml/item2.xml><?xml version="1.0" encoding="utf-8"?>
-<?mso-contentType ?>
-<FormTemplates xmlns="http://schemas.microsoft.com/sharepoint/v3/contenttype/forms">
-  <Display>DocumentLibraryForm</Display>
-  <Edit>DocumentLibraryForm</Edit>
-  <New>DocumentLibraryForm</New>
-</FormTemplates>
+<file path=customXml/itemProps1.xml><?xml version="1.0" encoding="utf-8"?>
+<ds:datastoreItem xmlns:ds="http://schemas.openxmlformats.org/officeDocument/2006/customXml" ds:itemID="{27AAF511-705D-4D22-B307-3E691874066C}">
+  <ds:schemaRefs>
+    <ds:schemaRef ds:uri="http://schemas.microsoft.com/sharepoint/v3/contenttype/forms"/>
+  </ds:schemaRefs>
+</ds:datastoreItem>
 </file>
 
-<file path=customXml/itemProps1.xml><?xml version="1.0" encoding="utf-8"?>
+<file path=customXml/itemProps2.xml><?xml version="1.0" encoding="utf-8"?>
 <ds:datastoreItem xmlns:ds="http://schemas.openxmlformats.org/officeDocument/2006/customXml" ds:itemID="{2D8F7A10-D8C7-4204-A685-58CDBFEDD840}">
   <ds:schemaRefs>
     <ds:schemaRef ds:uri="http://schemas.microsoft.com/office/2006/metadata/contentType"/>
@@ -17285,12 +17358,4 @@
     <ds:schemaRef ds:uri="http://schemas.microsoft.com/internal/obd"/>
   </ds:schemaRefs>
 </ds:datastoreItem>
-</file>
-
-<file path=customXml/itemProps2.xml><?xml version="1.0" encoding="utf-8"?>
-<ds:datastoreItem xmlns:ds="http://schemas.openxmlformats.org/officeDocument/2006/customXml" ds:itemID="{27AAF511-705D-4D22-B307-3E691874066C}">
-  <ds:schemaRefs>
-    <ds:schemaRef ds:uri="http://schemas.microsoft.com/sharepoint/v3/contenttype/forms"/>
-  </ds:schemaRefs>
-</ds:datastoreItem>
 </file>
--- a/Presentation/Presentation_W0.pptx
+++ b/Presentation/Presentation_W0.pptx
@@ -138,14 +138,6 @@
 </p:presentation>
 </file>
 
-<file path=ppt/revisionInfo.xml><?xml version="1.0" encoding="utf-8"?>
-<p1510:revInfo xmlns:a="http://schemas.openxmlformats.org/drawingml/2006/main" xmlns:r="http://schemas.openxmlformats.org/officeDocument/2006/relationships" xmlns:p1510="http://schemas.microsoft.com/office/powerpoint/2015/10/main">
-  <p1510:revLst>
-    <p1510:client id="{22CA322D-D8DE-4045-B2AD-67550FC1C8CF}" v="7" dt="2023-03-02T19:12:01.282"/>
-  </p1510:revLst>
-</p1510:revInfo>
-</file>
-
 <file path=ppt/changesInfos/changesInfo1.xml><?xml version="1.0" encoding="utf-8"?>
 <pc:chgInfo xmlns:a="http://schemas.openxmlformats.org/drawingml/2006/main" xmlns:r="http://schemas.openxmlformats.org/officeDocument/2006/relationships" xmlns:ac="http://schemas.microsoft.com/office/drawing/2013/main/command" xmlns:pc="http://schemas.microsoft.com/office/powerpoint/2013/main/command">
   <pc:docChgLst>
@@ -247,6 +239,30 @@
       </pc:sldChg>
     </pc:docChg>
   </pc:docChgLst>
+  <pc:docChgLst>
+    <pc:chgData name="Dominik Buchegger" userId="7f2052fac20aabcc" providerId="LiveId" clId="{AA7B0185-8499-4FC7-B7EA-72D8A5A327B7}"/>
+    <pc:docChg chg="modSld">
+      <pc:chgData name="Dominik Buchegger" userId="7f2052fac20aabcc" providerId="LiveId" clId="{AA7B0185-8499-4FC7-B7EA-72D8A5A327B7}" dt="2023-10-13T13:32:37.118" v="24" actId="20577"/>
+      <pc:docMkLst>
+        <pc:docMk/>
+      </pc:docMkLst>
+      <pc:sldChg chg="modSp mod">
+        <pc:chgData name="Dominik Buchegger" userId="7f2052fac20aabcc" providerId="LiveId" clId="{AA7B0185-8499-4FC7-B7EA-72D8A5A327B7}" dt="2023-10-13T13:32:37.118" v="24" actId="20577"/>
+        <pc:sldMkLst>
+          <pc:docMk/>
+          <pc:sldMk cId="682445171" sldId="1470"/>
+        </pc:sldMkLst>
+        <pc:spChg chg="mod">
+          <ac:chgData name="Dominik Buchegger" userId="7f2052fac20aabcc" providerId="LiveId" clId="{AA7B0185-8499-4FC7-B7EA-72D8A5A327B7}" dt="2023-10-13T13:32:37.118" v="24" actId="20577"/>
+          <ac:spMkLst>
+            <pc:docMk/>
+            <pc:sldMk cId="682445171" sldId="1470"/>
+            <ac:spMk id="7" creationId="{F36A6D9E-506E-1E8C-8F6A-FE203F40E9FD}"/>
+          </ac:spMkLst>
+        </pc:spChg>
+      </pc:sldChg>
+    </pc:docChg>
+  </pc:docChgLst>
 </pc:chgInfo>
 </file>
 
@@ -332,7 +348,7 @@
           <a:p>
             <a:fld id="{F78F3C46-3F11-47F1-8233-2D2A4F656EAA}" type="datetimeFigureOut">
               <a:rPr lang="de-DE" smtClean="0"/>
-              <a:t>22.09.2023</a:t>
+              <a:t>13.10.2023</a:t>
             </a:fld>
             <a:endParaRPr lang="de-DE"/>
           </a:p>
@@ -1827,7 +1843,7 @@
           <a:p>
             <a:fld id="{111007C9-750C-45A4-AB1B-CB6B97990CE5}" type="datetime6">
               <a:rPr lang="de-CH" smtClean="0"/>
-              <a:t>September 23</a:t>
+              <a:t>Oktober 23</a:t>
             </a:fld>
             <a:endParaRPr lang="de-DE" dirty="0"/>
           </a:p>
@@ -2270,7 +2286,7 @@
           <a:p>
             <a:fld id="{65C08088-81A0-403B-BB04-AE6002DCC26A}" type="datetime6">
               <a:rPr lang="de-CH" smtClean="0"/>
-              <a:t>September 23</a:t>
+              <a:t>Oktober 23</a:t>
             </a:fld>
             <a:endParaRPr lang="de-DE" dirty="0"/>
           </a:p>
@@ -2791,7 +2807,7 @@
           <a:p>
             <a:fld id="{93DD61F4-D9DA-406C-AF0A-CAC39F14C0F6}" type="datetime6">
               <a:rPr lang="de-CH" smtClean="0"/>
-              <a:t>September 23</a:t>
+              <a:t>Oktober 23</a:t>
             </a:fld>
             <a:endParaRPr lang="de-DE" dirty="0"/>
           </a:p>
@@ -3509,7 +3525,7 @@
           <a:p>
             <a:fld id="{067FB25E-899A-44E8-9BBB-396B4C7606B9}" type="datetime6">
               <a:rPr lang="de-CH" smtClean="0"/>
-              <a:t>September 23</a:t>
+              <a:t>Oktober 23</a:t>
             </a:fld>
             <a:endParaRPr lang="de-DE" dirty="0"/>
           </a:p>
@@ -4158,7 +4174,7 @@
           <a:p>
             <a:fld id="{319C7E52-FAF0-4402-816C-D519DB6324B5}" type="datetime6">
               <a:rPr lang="de-CH" smtClean="0"/>
-              <a:t>September 23</a:t>
+              <a:t>Oktober 23</a:t>
             </a:fld>
             <a:endParaRPr lang="de-DE" dirty="0"/>
           </a:p>
@@ -4837,7 +4853,7 @@
           <a:p>
             <a:fld id="{82F54D9E-7D1F-444A-82BF-BBF0595DA982}" type="datetime6">
               <a:rPr lang="de-CH" smtClean="0"/>
-              <a:t>September 23</a:t>
+              <a:t>Oktober 23</a:t>
             </a:fld>
             <a:endParaRPr lang="de-DE" dirty="0"/>
           </a:p>
@@ -5181,7 +5197,7 @@
           <a:p>
             <a:fld id="{09B361C5-E514-4A70-858B-8132FB5C91DF}" type="datetime6">
               <a:rPr lang="de-CH" smtClean="0"/>
-              <a:t>September 23</a:t>
+              <a:t>Oktober 23</a:t>
             </a:fld>
             <a:endParaRPr lang="de-DE" dirty="0"/>
           </a:p>
@@ -5603,7 +5619,7 @@
           <a:p>
             <a:fld id="{218F951F-E348-4CE7-83CE-A0ED851B26A2}" type="datetime6">
               <a:rPr lang="de-CH" smtClean="0"/>
-              <a:t>September 23</a:t>
+              <a:t>Oktober 23</a:t>
             </a:fld>
             <a:endParaRPr lang="de-DE" dirty="0"/>
           </a:p>
@@ -6281,7 +6297,7 @@
           <a:p>
             <a:fld id="{486C75F3-C0D1-4ABB-8738-25AB5753A893}" type="datetime6">
               <a:rPr lang="de-CH" smtClean="0"/>
-              <a:t>September 23</a:t>
+              <a:t>Oktober 23</a:t>
             </a:fld>
             <a:endParaRPr lang="de-DE" dirty="0"/>
           </a:p>
@@ -6596,7 +6612,7 @@
           <a:p>
             <a:fld id="{D796397B-38EB-490B-98F7-EB0799988FF4}" type="datetime6">
               <a:rPr lang="de-CH" smtClean="0"/>
-              <a:t>September 23</a:t>
+              <a:t>Oktober 23</a:t>
             </a:fld>
             <a:endParaRPr lang="de-DE" dirty="0"/>
           </a:p>
@@ -7147,7 +7163,7 @@
           <a:p>
             <a:fld id="{B78E12DF-9BBF-4E12-BDDF-B9E8E5B05C6B}" type="datetime6">
               <a:rPr lang="de-CH" smtClean="0"/>
-              <a:t>September 23</a:t>
+              <a:t>Oktober 23</a:t>
             </a:fld>
             <a:endParaRPr lang="de-DE" dirty="0"/>
           </a:p>
@@ -7540,7 +7556,7 @@
           <a:p>
             <a:fld id="{B79F0516-DC2F-4A1B-9AE7-52332A8498FC}" type="datetime6">
               <a:rPr lang="de-CH" smtClean="0"/>
-              <a:t>September 23</a:t>
+              <a:t>Oktober 23</a:t>
             </a:fld>
             <a:endParaRPr lang="de-DE" dirty="0"/>
           </a:p>
@@ -11256,7 +11272,7 @@
           <a:p>
             <a:fld id="{A13E6C7B-4268-4C4E-8782-B736244EDCB2}" type="datetime1">
               <a:rPr lang="en-US" smtClean="0"/>
-              <a:t>9/22/2023</a:t>
+              <a:t>10/13/2023</a:t>
             </a:fld>
             <a:endParaRPr lang="en-US"/>
           </a:p>
@@ -11691,7 +11707,7 @@
           <a:p>
             <a:fld id="{B57B5CD7-A0CA-4D38-BBC7-2C00C2D8EDD2}" type="datetime6">
               <a:rPr lang="de-CH" smtClean="0"/>
-              <a:t>September 23</a:t>
+              <a:t>Oktober 23</a:t>
             </a:fld>
             <a:endParaRPr lang="de-DE" dirty="0"/>
           </a:p>
@@ -12631,7 +12647,7 @@
           <a:p>
             <a:fld id="{30B763E8-28A5-4C06-8953-D607A4035193}" type="datetime6">
               <a:rPr lang="de-CH" smtClean="0"/>
-              <a:t>September 23</a:t>
+              <a:t>Oktober 23</a:t>
             </a:fld>
             <a:endParaRPr lang="de-DE" dirty="0"/>
           </a:p>
@@ -12963,7 +12979,7 @@
           <a:p>
             <a:fld id="{B9D665AE-2099-47EB-8D1F-2B3FCA7D9E11}" type="datetime6">
               <a:rPr lang="de-CH" smtClean="0"/>
-              <a:t>September 23</a:t>
+              <a:t>Oktober 23</a:t>
             </a:fld>
             <a:endParaRPr lang="de-DE" dirty="0"/>
           </a:p>
@@ -13378,7 +13394,7 @@
           <a:p>
             <a:fld id="{970FC134-CD77-4207-856E-804B9B6F6655}" type="datetime6">
               <a:rPr lang="de-CH" smtClean="0"/>
-              <a:t>September 23</a:t>
+              <a:t>Oktober 23</a:t>
             </a:fld>
             <a:endParaRPr lang="de-DE" dirty="0"/>
           </a:p>
@@ -14036,7 +14052,7 @@
           <a:p>
             <a:fld id="{78BEB732-1EAE-4447-B6B5-5E7B232FABE4}" type="datetime6">
               <a:rPr lang="de-CH" smtClean="0"/>
-              <a:t>September 23</a:t>
+              <a:t>Oktober 23</a:t>
             </a:fld>
             <a:endParaRPr lang="de-DE" dirty="0"/>
           </a:p>
@@ -15546,17 +15562,7 @@
                 <a:effectLst/>
                 <a:latin typeface="Gill Sans Nova" panose="020B0602020104020203" pitchFamily="34" charset="0"/>
               </a:rPr>
-              <a:t>official </a:t>
-            </a:r>
-            <a:r>
-              <a:rPr lang="en-US" sz="1400" i="0" u="none" strike="noStrike">
-                <a:solidFill>
-                  <a:srgbClr val="FF0000"/>
-                </a:solidFill>
-                <a:effectLst/>
-                <a:latin typeface="Gill Sans Nova" panose="020B0602020104020203" pitchFamily="34" charset="0"/>
-              </a:rPr>
-              <a:t>examination part</a:t>
+              <a:t>official examination part</a:t>
             </a:r>
             <a:endParaRPr lang="en-US" sz="1400" b="1" i="0" u="none" strike="noStrike" dirty="0">
               <a:solidFill>
@@ -15717,7 +15723,43 @@
                 </a:solidFill>
                 <a:latin typeface="Gill Sans Nova" panose="020B0602020104020203" pitchFamily="34" charset="0"/>
               </a:rPr>
-              <a:t>: Presentation of 5 minutes video, application demo, 5 minutes Q&amp;A session</a:t>
+              <a:t>: Presentation of 5 minutes video (incl. </a:t>
+            </a:r>
+            <a:r>
+              <a:rPr lang="en-US" sz="1400">
+                <a:solidFill>
+                  <a:srgbClr val="000000"/>
+                </a:solidFill>
+                <a:latin typeface="Gill Sans Nova" panose="020B0602020104020203" pitchFamily="34" charset="0"/>
+              </a:rPr>
+              <a:t>demo)</a:t>
+            </a:r>
+            <a:r>
+              <a:rPr lang="en-US" sz="1400" dirty="0">
+                <a:solidFill>
+                  <a:srgbClr val="000000"/>
+                </a:solidFill>
+                <a:latin typeface="Gill Sans Nova" panose="020B0602020104020203" pitchFamily="34" charset="0"/>
+              </a:rPr>
+              <a:t>,</a:t>
+            </a:r>
+            <a:r>
+              <a:rPr lang="en-US" sz="1400">
+                <a:solidFill>
+                  <a:srgbClr val="000000"/>
+                </a:solidFill>
+                <a:latin typeface="Gill Sans Nova" panose="020B0602020104020203" pitchFamily="34" charset="0"/>
+              </a:rPr>
+              <a:t> </a:t>
+            </a:r>
+            <a:r>
+              <a:rPr lang="en-US" sz="1400" dirty="0">
+                <a:solidFill>
+                  <a:srgbClr val="000000"/>
+                </a:solidFill>
+                <a:latin typeface="Gill Sans Nova" panose="020B0602020104020203" pitchFamily="34" charset="0"/>
+              </a:rPr>
+              <a:t>5 minutes Q&amp;A session</a:t>
             </a:r>
           </a:p>
           <a:p>
@@ -17142,15 +17184,6 @@
 </file>
 
 <file path=customXml/item1.xml><?xml version="1.0" encoding="utf-8"?>
-<?mso-contentType ?>
-<FormTemplates xmlns="http://schemas.microsoft.com/sharepoint/v3/contenttype/forms">
-  <Display>DocumentLibraryForm</Display>
-  <Edit>DocumentLibraryForm</Edit>
-  <New>DocumentLibraryForm</New>
-</FormTemplates>
-</file>
-
-<file path=customXml/item2.xml><?xml version="1.0" encoding="utf-8"?>
 <ct:contentTypeSchema xmlns:ct="http://schemas.microsoft.com/office/2006/metadata/contentType" xmlns:ma="http://schemas.microsoft.com/office/2006/metadata/properties/metaAttributes" ct:_="" ma:_="" ma:contentTypeName="Dokument" ma:contentTypeID="0x010100BA3AC0B29D543742836C64EC22DE252D" ma:contentTypeVersion="9" ma:contentTypeDescription="Ein neues Dokument erstellen." ma:contentTypeScope="" ma:versionID="3ac7e300c56cbe738136fa13d3a90518">
   <xsd:schema xmlns:xsd="http://www.w3.org/2001/XMLSchema" xmlns:xs="http://www.w3.org/2001/XMLSchema" xmlns:p="http://schemas.microsoft.com/office/2006/metadata/properties" xmlns:ns2="180db94c-82de-4c89-acb5-d41e1b03bacc" xmlns:ns3="5dc96929-7643-4924-91c0-9b0ff054556d" targetNamespace="http://schemas.microsoft.com/office/2006/metadata/properties" ma:root="true" ma:fieldsID="8e222083bbe7ae665e818514177159bf" ns2:_="" ns3:_="">
     <xsd:import namespace="180db94c-82de-4c89-acb5-d41e1b03bacc"/>
@@ -17333,15 +17366,16 @@
 </ct:contentTypeSchema>
 </file>
 
-<file path=customXml/itemProps1.xml><?xml version="1.0" encoding="utf-8"?>
-<ds:datastoreItem xmlns:ds="http://schemas.openxmlformats.org/officeDocument/2006/customXml" ds:itemID="{27AAF511-705D-4D22-B307-3E691874066C}">
-  <ds:schemaRefs>
-    <ds:schemaRef ds:uri="http://schemas.microsoft.com/sharepoint/v3/contenttype/forms"/>
-  </ds:schemaRefs>
-</ds:datastoreItem>
+<file path=customXml/item2.xml><?xml version="1.0" encoding="utf-8"?>
+<?mso-contentType ?>
+<FormTemplates xmlns="http://schemas.microsoft.com/sharepoint/v3/contenttype/forms">
+  <Display>DocumentLibraryForm</Display>
+  <Edit>DocumentLibraryForm</Edit>
+  <New>DocumentLibraryForm</New>
+</FormTemplates>
 </file>
 
-<file path=customXml/itemProps2.xml><?xml version="1.0" encoding="utf-8"?>
+<file path=customXml/itemProps1.xml><?xml version="1.0" encoding="utf-8"?>
 <ds:datastoreItem xmlns:ds="http://schemas.openxmlformats.org/officeDocument/2006/customXml" ds:itemID="{2D8F7A10-D8C7-4204-A685-58CDBFEDD840}">
   <ds:schemaRefs>
     <ds:schemaRef ds:uri="http://schemas.microsoft.com/office/2006/metadata/contentType"/>
@@ -17358,4 +17392,12 @@
     <ds:schemaRef ds:uri="http://schemas.microsoft.com/internal/obd"/>
   </ds:schemaRefs>
 </ds:datastoreItem>
+</file>
+
+<file path=customXml/itemProps2.xml><?xml version="1.0" encoding="utf-8"?>
+<ds:datastoreItem xmlns:ds="http://schemas.openxmlformats.org/officeDocument/2006/customXml" ds:itemID="{27AAF511-705D-4D22-B307-3E691874066C}">
+  <ds:schemaRefs>
+    <ds:schemaRef ds:uri="http://schemas.microsoft.com/sharepoint/v3/contenttype/forms"/>
+  </ds:schemaRefs>
+</ds:datastoreItem>
 </file>